--- a/周报/作图.pptx
+++ b/周报/作图.pptx
@@ -6,6 +6,9 @@
   </p:sldMasterIdLst>
   <p:sldIdLst>
     <p:sldId id="256" r:id="rId2"/>
+    <p:sldId id="258" r:id="rId3"/>
+    <p:sldId id="257" r:id="rId4"/>
+    <p:sldId id="259" r:id="rId5"/>
   </p:sldIdLst>
   <p:sldSz cx="12192000" cy="6858000"/>
   <p:notesSz cx="6858000" cy="9144000"/>
@@ -104,6 +107,11 @@
       </a:defRPr>
     </a:lvl9pPr>
   </p:defaultTextStyle>
+  <p:extLst>
+    <p:ext uri="{EFAFB233-063F-42B5-8137-9DF3F51BA10A}">
+      <p15:sldGuideLst xmlns:p15="http://schemas.microsoft.com/office/powerpoint/2012/main"/>
+    </p:ext>
+  </p:extLst>
 </p:presentation>
 </file>
 
@@ -254,7 +262,7 @@
           <a:p>
             <a:fld id="{F70FE11F-E339-467A-AE6F-4695C6110F5B}" type="datetimeFigureOut">
               <a:rPr lang="zh-CN" altLang="en-US" smtClean="0"/>
-              <a:t>2023/10/1</a:t>
+              <a:t>2023/11/7</a:t>
             </a:fld>
             <a:endParaRPr lang="zh-CN" altLang="en-US"/>
           </a:p>
@@ -452,7 +460,7 @@
           <a:p>
             <a:fld id="{F70FE11F-E339-467A-AE6F-4695C6110F5B}" type="datetimeFigureOut">
               <a:rPr lang="zh-CN" altLang="en-US" smtClean="0"/>
-              <a:t>2023/10/1</a:t>
+              <a:t>2023/11/7</a:t>
             </a:fld>
             <a:endParaRPr lang="zh-CN" altLang="en-US"/>
           </a:p>
@@ -660,7 +668,7 @@
           <a:p>
             <a:fld id="{F70FE11F-E339-467A-AE6F-4695C6110F5B}" type="datetimeFigureOut">
               <a:rPr lang="zh-CN" altLang="en-US" smtClean="0"/>
-              <a:t>2023/10/1</a:t>
+              <a:t>2023/11/7</a:t>
             </a:fld>
             <a:endParaRPr lang="zh-CN" altLang="en-US"/>
           </a:p>
@@ -858,7 +866,7 @@
           <a:p>
             <a:fld id="{F70FE11F-E339-467A-AE6F-4695C6110F5B}" type="datetimeFigureOut">
               <a:rPr lang="zh-CN" altLang="en-US" smtClean="0"/>
-              <a:t>2023/10/1</a:t>
+              <a:t>2023/11/7</a:t>
             </a:fld>
             <a:endParaRPr lang="zh-CN" altLang="en-US"/>
           </a:p>
@@ -1133,7 +1141,7 @@
           <a:p>
             <a:fld id="{F70FE11F-E339-467A-AE6F-4695C6110F5B}" type="datetimeFigureOut">
               <a:rPr lang="zh-CN" altLang="en-US" smtClean="0"/>
-              <a:t>2023/10/1</a:t>
+              <a:t>2023/11/7</a:t>
             </a:fld>
             <a:endParaRPr lang="zh-CN" altLang="en-US"/>
           </a:p>
@@ -1398,7 +1406,7 @@
           <a:p>
             <a:fld id="{F70FE11F-E339-467A-AE6F-4695C6110F5B}" type="datetimeFigureOut">
               <a:rPr lang="zh-CN" altLang="en-US" smtClean="0"/>
-              <a:t>2023/10/1</a:t>
+              <a:t>2023/11/7</a:t>
             </a:fld>
             <a:endParaRPr lang="zh-CN" altLang="en-US"/>
           </a:p>
@@ -1810,7 +1818,7 @@
           <a:p>
             <a:fld id="{F70FE11F-E339-467A-AE6F-4695C6110F5B}" type="datetimeFigureOut">
               <a:rPr lang="zh-CN" altLang="en-US" smtClean="0"/>
-              <a:t>2023/10/1</a:t>
+              <a:t>2023/11/7</a:t>
             </a:fld>
             <a:endParaRPr lang="zh-CN" altLang="en-US"/>
           </a:p>
@@ -1951,7 +1959,7 @@
           <a:p>
             <a:fld id="{F70FE11F-E339-467A-AE6F-4695C6110F5B}" type="datetimeFigureOut">
               <a:rPr lang="zh-CN" altLang="en-US" smtClean="0"/>
-              <a:t>2023/10/1</a:t>
+              <a:t>2023/11/7</a:t>
             </a:fld>
             <a:endParaRPr lang="zh-CN" altLang="en-US"/>
           </a:p>
@@ -2064,7 +2072,7 @@
           <a:p>
             <a:fld id="{F70FE11F-E339-467A-AE6F-4695C6110F5B}" type="datetimeFigureOut">
               <a:rPr lang="zh-CN" altLang="en-US" smtClean="0"/>
-              <a:t>2023/10/1</a:t>
+              <a:t>2023/11/7</a:t>
             </a:fld>
             <a:endParaRPr lang="zh-CN" altLang="en-US"/>
           </a:p>
@@ -2375,7 +2383,7 @@
           <a:p>
             <a:fld id="{F70FE11F-E339-467A-AE6F-4695C6110F5B}" type="datetimeFigureOut">
               <a:rPr lang="zh-CN" altLang="en-US" smtClean="0"/>
-              <a:t>2023/10/1</a:t>
+              <a:t>2023/11/7</a:t>
             </a:fld>
             <a:endParaRPr lang="zh-CN" altLang="en-US"/>
           </a:p>
@@ -2663,7 +2671,7 @@
           <a:p>
             <a:fld id="{F70FE11F-E339-467A-AE6F-4695C6110F5B}" type="datetimeFigureOut">
               <a:rPr lang="zh-CN" altLang="en-US" smtClean="0"/>
-              <a:t>2023/10/1</a:t>
+              <a:t>2023/11/7</a:t>
             </a:fld>
             <a:endParaRPr lang="zh-CN" altLang="en-US"/>
           </a:p>
@@ -2904,7 +2912,7 @@
           <a:p>
             <a:fld id="{F70FE11F-E339-467A-AE6F-4695C6110F5B}" type="datetimeFigureOut">
               <a:rPr lang="zh-CN" altLang="en-US" smtClean="0"/>
-              <a:t>2023/10/1</a:t>
+              <a:t>2023/11/7</a:t>
             </a:fld>
             <a:endParaRPr lang="zh-CN" altLang="en-US"/>
           </a:p>
@@ -4439,6 +4447,5729 @@
 </p:sld>
 </file>
 
+<file path=ppt/slides/slide2.xml><?xml version="1.0" encoding="utf-8"?>
+<p:sld xmlns:a="http://schemas.openxmlformats.org/drawingml/2006/main" xmlns:r="http://schemas.openxmlformats.org/officeDocument/2006/relationships" xmlns:p="http://schemas.openxmlformats.org/presentationml/2006/main">
+  <p:cSld>
+    <p:spTree>
+      <p:nvGrpSpPr>
+        <p:cNvPr id="1" name=""/>
+        <p:cNvGrpSpPr/>
+        <p:nvPr/>
+      </p:nvGrpSpPr>
+      <p:grpSpPr>
+        <a:xfrm>
+          <a:off x="0" y="0"/>
+          <a:ext cx="0" cy="0"/>
+          <a:chOff x="0" y="0"/>
+          <a:chExt cx="0" cy="0"/>
+        </a:xfrm>
+      </p:grpSpPr>
+      <p:grpSp>
+        <p:nvGrpSpPr>
+          <p:cNvPr id="59" name="组合 58">
+            <a:extLst>
+              <a:ext uri="{FF2B5EF4-FFF2-40B4-BE49-F238E27FC236}">
+                <a16:creationId xmlns:a16="http://schemas.microsoft.com/office/drawing/2014/main" id="{8B7647CC-5DD6-4CA8-AE77-3A9976FEC90C}"/>
+              </a:ext>
+            </a:extLst>
+          </p:cNvPr>
+          <p:cNvGrpSpPr/>
+          <p:nvPr/>
+        </p:nvGrpSpPr>
+        <p:grpSpPr>
+          <a:xfrm>
+            <a:off x="3945606" y="1229364"/>
+            <a:ext cx="4302990" cy="3738562"/>
+            <a:chOff x="3945606" y="1229364"/>
+            <a:chExt cx="4302990" cy="3738562"/>
+          </a:xfrm>
+        </p:grpSpPr>
+        <p:sp>
+          <p:nvSpPr>
+            <p:cNvPr id="4" name="椭圆 3">
+              <a:extLst>
+                <a:ext uri="{FF2B5EF4-FFF2-40B4-BE49-F238E27FC236}">
+                  <a16:creationId xmlns:a16="http://schemas.microsoft.com/office/drawing/2014/main" id="{D264742E-B479-4D87-891E-232BE523A54F}"/>
+                </a:ext>
+              </a:extLst>
+            </p:cNvPr>
+            <p:cNvSpPr/>
+            <p:nvPr/>
+          </p:nvSpPr>
+          <p:spPr>
+            <a:xfrm>
+              <a:off x="5518674" y="2782372"/>
+              <a:ext cx="207818" cy="207818"/>
+            </a:xfrm>
+            <a:prstGeom prst="ellipse">
+              <a:avLst/>
+            </a:prstGeom>
+            <a:solidFill>
+              <a:schemeClr val="accent4">
+                <a:lumMod val="50000"/>
+              </a:schemeClr>
+            </a:solidFill>
+            <a:ln>
+              <a:noFill/>
+            </a:ln>
+          </p:spPr>
+          <p:style>
+            <a:lnRef idx="2">
+              <a:schemeClr val="accent1">
+                <a:shade val="50000"/>
+              </a:schemeClr>
+            </a:lnRef>
+            <a:fillRef idx="1">
+              <a:schemeClr val="accent1"/>
+            </a:fillRef>
+            <a:effectRef idx="0">
+              <a:schemeClr val="accent1"/>
+            </a:effectRef>
+            <a:fontRef idx="minor">
+              <a:schemeClr val="lt1"/>
+            </a:fontRef>
+          </p:style>
+          <p:txBody>
+            <a:bodyPr rtlCol="0" anchor="ctr"/>
+            <a:lstStyle/>
+            <a:p>
+              <a:pPr algn="ctr"/>
+              <a:endParaRPr lang="zh-CN" altLang="en-US"/>
+            </a:p>
+          </p:txBody>
+        </p:sp>
+        <p:sp>
+          <p:nvSpPr>
+            <p:cNvPr id="5" name="椭圆 4">
+              <a:extLst>
+                <a:ext uri="{FF2B5EF4-FFF2-40B4-BE49-F238E27FC236}">
+                  <a16:creationId xmlns:a16="http://schemas.microsoft.com/office/drawing/2014/main" id="{21A6EF29-7EDD-4401-9E35-9ACBD3BE4C1C}"/>
+                </a:ext>
+              </a:extLst>
+            </p:cNvPr>
+            <p:cNvSpPr/>
+            <p:nvPr/>
+          </p:nvSpPr>
+          <p:spPr>
+            <a:xfrm>
+              <a:off x="7045560" y="2959017"/>
+              <a:ext cx="207818" cy="207818"/>
+            </a:xfrm>
+            <a:prstGeom prst="ellipse">
+              <a:avLst/>
+            </a:prstGeom>
+            <a:solidFill>
+              <a:schemeClr val="accent4">
+                <a:lumMod val="60000"/>
+                <a:lumOff val="40000"/>
+              </a:schemeClr>
+            </a:solidFill>
+            <a:ln>
+              <a:noFill/>
+            </a:ln>
+          </p:spPr>
+          <p:style>
+            <a:lnRef idx="2">
+              <a:schemeClr val="accent1">
+                <a:shade val="50000"/>
+              </a:schemeClr>
+            </a:lnRef>
+            <a:fillRef idx="1">
+              <a:schemeClr val="accent1"/>
+            </a:fillRef>
+            <a:effectRef idx="0">
+              <a:schemeClr val="accent1"/>
+            </a:effectRef>
+            <a:fontRef idx="minor">
+              <a:schemeClr val="lt1"/>
+            </a:fontRef>
+          </p:style>
+          <p:txBody>
+            <a:bodyPr rtlCol="0" anchor="ctr"/>
+            <a:lstStyle/>
+            <a:p>
+              <a:pPr algn="ctr"/>
+              <a:endParaRPr lang="zh-CN" altLang="en-US"/>
+            </a:p>
+          </p:txBody>
+        </p:sp>
+        <p:sp>
+          <p:nvSpPr>
+            <p:cNvPr id="6" name="椭圆 5">
+              <a:extLst>
+                <a:ext uri="{FF2B5EF4-FFF2-40B4-BE49-F238E27FC236}">
+                  <a16:creationId xmlns:a16="http://schemas.microsoft.com/office/drawing/2014/main" id="{92DA157C-66EB-4531-A1A4-D2F1F7DD7DA3}"/>
+                </a:ext>
+              </a:extLst>
+            </p:cNvPr>
+            <p:cNvSpPr/>
+            <p:nvPr/>
+          </p:nvSpPr>
+          <p:spPr>
+            <a:xfrm>
+              <a:off x="7149469" y="4030435"/>
+              <a:ext cx="207818" cy="207818"/>
+            </a:xfrm>
+            <a:prstGeom prst="ellipse">
+              <a:avLst/>
+            </a:prstGeom>
+            <a:solidFill>
+              <a:schemeClr val="accent4">
+                <a:lumMod val="60000"/>
+                <a:lumOff val="40000"/>
+              </a:schemeClr>
+            </a:solidFill>
+            <a:ln>
+              <a:noFill/>
+            </a:ln>
+          </p:spPr>
+          <p:style>
+            <a:lnRef idx="2">
+              <a:schemeClr val="accent1">
+                <a:shade val="50000"/>
+              </a:schemeClr>
+            </a:lnRef>
+            <a:fillRef idx="1">
+              <a:schemeClr val="accent1"/>
+            </a:fillRef>
+            <a:effectRef idx="0">
+              <a:schemeClr val="accent1"/>
+            </a:effectRef>
+            <a:fontRef idx="minor">
+              <a:schemeClr val="lt1"/>
+            </a:fontRef>
+          </p:style>
+          <p:txBody>
+            <a:bodyPr rtlCol="0" anchor="ctr"/>
+            <a:lstStyle/>
+            <a:p>
+              <a:pPr algn="ctr"/>
+              <a:endParaRPr lang="zh-CN" altLang="en-US"/>
+            </a:p>
+          </p:txBody>
+        </p:sp>
+        <p:sp>
+          <p:nvSpPr>
+            <p:cNvPr id="7" name="椭圆 6">
+              <a:extLst>
+                <a:ext uri="{FF2B5EF4-FFF2-40B4-BE49-F238E27FC236}">
+                  <a16:creationId xmlns:a16="http://schemas.microsoft.com/office/drawing/2014/main" id="{F20B7B77-80E3-4CC9-9428-DF9C3AF7EC54}"/>
+                </a:ext>
+              </a:extLst>
+            </p:cNvPr>
+            <p:cNvSpPr/>
+            <p:nvPr/>
+          </p:nvSpPr>
+          <p:spPr>
+            <a:xfrm>
+              <a:off x="6322814" y="4455308"/>
+              <a:ext cx="207818" cy="207818"/>
+            </a:xfrm>
+            <a:prstGeom prst="ellipse">
+              <a:avLst/>
+            </a:prstGeom>
+            <a:solidFill>
+              <a:schemeClr val="accent4">
+                <a:lumMod val="60000"/>
+                <a:lumOff val="40000"/>
+              </a:schemeClr>
+            </a:solidFill>
+            <a:ln>
+              <a:noFill/>
+            </a:ln>
+          </p:spPr>
+          <p:style>
+            <a:lnRef idx="2">
+              <a:schemeClr val="accent1">
+                <a:shade val="50000"/>
+              </a:schemeClr>
+            </a:lnRef>
+            <a:fillRef idx="1">
+              <a:schemeClr val="accent1"/>
+            </a:fillRef>
+            <a:effectRef idx="0">
+              <a:schemeClr val="accent1"/>
+            </a:effectRef>
+            <a:fontRef idx="minor">
+              <a:schemeClr val="lt1"/>
+            </a:fontRef>
+          </p:style>
+          <p:txBody>
+            <a:bodyPr rtlCol="0" anchor="ctr"/>
+            <a:lstStyle/>
+            <a:p>
+              <a:pPr algn="ctr"/>
+              <a:endParaRPr lang="zh-CN" altLang="en-US"/>
+            </a:p>
+          </p:txBody>
+        </p:sp>
+        <p:sp>
+          <p:nvSpPr>
+            <p:cNvPr id="8" name="椭圆 7">
+              <a:extLst>
+                <a:ext uri="{FF2B5EF4-FFF2-40B4-BE49-F238E27FC236}">
+                  <a16:creationId xmlns:a16="http://schemas.microsoft.com/office/drawing/2014/main" id="{F6243E7C-D926-4DD4-A340-1298283416BE}"/>
+                </a:ext>
+              </a:extLst>
+            </p:cNvPr>
+            <p:cNvSpPr/>
+            <p:nvPr/>
+          </p:nvSpPr>
+          <p:spPr>
+            <a:xfrm>
+              <a:off x="7606669" y="4760108"/>
+              <a:ext cx="207818" cy="207818"/>
+            </a:xfrm>
+            <a:prstGeom prst="ellipse">
+              <a:avLst/>
+            </a:prstGeom>
+            <a:solidFill>
+              <a:schemeClr val="accent4">
+                <a:lumMod val="60000"/>
+                <a:lumOff val="40000"/>
+              </a:schemeClr>
+            </a:solidFill>
+            <a:ln>
+              <a:noFill/>
+            </a:ln>
+          </p:spPr>
+          <p:style>
+            <a:lnRef idx="2">
+              <a:schemeClr val="accent1">
+                <a:shade val="50000"/>
+              </a:schemeClr>
+            </a:lnRef>
+            <a:fillRef idx="1">
+              <a:schemeClr val="accent1"/>
+            </a:fillRef>
+            <a:effectRef idx="0">
+              <a:schemeClr val="accent1"/>
+            </a:effectRef>
+            <a:fontRef idx="minor">
+              <a:schemeClr val="lt1"/>
+            </a:fontRef>
+          </p:style>
+          <p:txBody>
+            <a:bodyPr rtlCol="0" anchor="ctr"/>
+            <a:lstStyle/>
+            <a:p>
+              <a:pPr algn="ctr"/>
+              <a:endParaRPr lang="zh-CN" altLang="en-US"/>
+            </a:p>
+          </p:txBody>
+        </p:sp>
+        <p:sp>
+          <p:nvSpPr>
+            <p:cNvPr id="9" name="椭圆 8">
+              <a:extLst>
+                <a:ext uri="{FF2B5EF4-FFF2-40B4-BE49-F238E27FC236}">
+                  <a16:creationId xmlns:a16="http://schemas.microsoft.com/office/drawing/2014/main" id="{23F3675A-3C79-4796-8779-37B982C8B2E2}"/>
+                </a:ext>
+              </a:extLst>
+            </p:cNvPr>
+            <p:cNvSpPr/>
+            <p:nvPr/>
+          </p:nvSpPr>
+          <p:spPr>
+            <a:xfrm>
+              <a:off x="8040778" y="3610181"/>
+              <a:ext cx="207818" cy="207818"/>
+            </a:xfrm>
+            <a:prstGeom prst="ellipse">
+              <a:avLst/>
+            </a:prstGeom>
+            <a:solidFill>
+              <a:schemeClr val="accent4">
+                <a:lumMod val="60000"/>
+                <a:lumOff val="40000"/>
+              </a:schemeClr>
+            </a:solidFill>
+            <a:ln>
+              <a:noFill/>
+            </a:ln>
+          </p:spPr>
+          <p:style>
+            <a:lnRef idx="2">
+              <a:schemeClr val="accent1">
+                <a:shade val="50000"/>
+              </a:schemeClr>
+            </a:lnRef>
+            <a:fillRef idx="1">
+              <a:schemeClr val="accent1"/>
+            </a:fillRef>
+            <a:effectRef idx="0">
+              <a:schemeClr val="accent1"/>
+            </a:effectRef>
+            <a:fontRef idx="minor">
+              <a:schemeClr val="lt1"/>
+            </a:fontRef>
+          </p:style>
+          <p:txBody>
+            <a:bodyPr rtlCol="0" anchor="ctr"/>
+            <a:lstStyle/>
+            <a:p>
+              <a:pPr algn="ctr"/>
+              <a:endParaRPr lang="zh-CN" altLang="en-US"/>
+            </a:p>
+          </p:txBody>
+        </p:sp>
+        <p:sp>
+          <p:nvSpPr>
+            <p:cNvPr id="10" name="椭圆 9">
+              <a:extLst>
+                <a:ext uri="{FF2B5EF4-FFF2-40B4-BE49-F238E27FC236}">
+                  <a16:creationId xmlns:a16="http://schemas.microsoft.com/office/drawing/2014/main" id="{BA47308F-0D2B-4AF8-B98A-DB2A85DF16B8}"/>
+                </a:ext>
+              </a:extLst>
+            </p:cNvPr>
+            <p:cNvSpPr/>
+            <p:nvPr/>
+          </p:nvSpPr>
+          <p:spPr>
+            <a:xfrm>
+              <a:off x="5620851" y="4030435"/>
+              <a:ext cx="207818" cy="207818"/>
+            </a:xfrm>
+            <a:prstGeom prst="ellipse">
+              <a:avLst/>
+            </a:prstGeom>
+            <a:solidFill>
+              <a:schemeClr val="accent4">
+                <a:lumMod val="60000"/>
+                <a:lumOff val="40000"/>
+              </a:schemeClr>
+            </a:solidFill>
+            <a:ln>
+              <a:noFill/>
+            </a:ln>
+          </p:spPr>
+          <p:style>
+            <a:lnRef idx="2">
+              <a:schemeClr val="accent1">
+                <a:shade val="50000"/>
+              </a:schemeClr>
+            </a:lnRef>
+            <a:fillRef idx="1">
+              <a:schemeClr val="accent1"/>
+            </a:fillRef>
+            <a:effectRef idx="0">
+              <a:schemeClr val="accent1"/>
+            </a:effectRef>
+            <a:fontRef idx="minor">
+              <a:schemeClr val="lt1"/>
+            </a:fontRef>
+          </p:style>
+          <p:txBody>
+            <a:bodyPr rtlCol="0" anchor="ctr"/>
+            <a:lstStyle/>
+            <a:p>
+              <a:pPr algn="ctr"/>
+              <a:endParaRPr lang="zh-CN" altLang="en-US"/>
+            </a:p>
+          </p:txBody>
+        </p:sp>
+        <p:cxnSp>
+          <p:nvCxnSpPr>
+            <p:cNvPr id="12" name="直接连接符 11">
+              <a:extLst>
+                <a:ext uri="{FF2B5EF4-FFF2-40B4-BE49-F238E27FC236}">
+                  <a16:creationId xmlns:a16="http://schemas.microsoft.com/office/drawing/2014/main" id="{C70195E8-8EE7-43A7-BF72-50C5F7BB7064}"/>
+                </a:ext>
+              </a:extLst>
+            </p:cNvPr>
+            <p:cNvCxnSpPr>
+              <a:cxnSpLocks/>
+            </p:cNvCxnSpPr>
+            <p:nvPr/>
+          </p:nvCxnSpPr>
+          <p:spPr>
+            <a:xfrm>
+              <a:off x="5824267" y="2904609"/>
+              <a:ext cx="1123518" cy="140133"/>
+            </a:xfrm>
+            <a:prstGeom prst="line">
+              <a:avLst/>
+            </a:prstGeom>
+            <a:ln w="28575">
+              <a:solidFill>
+                <a:srgbClr val="FF0000"/>
+              </a:solidFill>
+            </a:ln>
+          </p:spPr>
+          <p:style>
+            <a:lnRef idx="1">
+              <a:schemeClr val="accent1"/>
+            </a:lnRef>
+            <a:fillRef idx="0">
+              <a:schemeClr val="accent1"/>
+            </a:fillRef>
+            <a:effectRef idx="0">
+              <a:schemeClr val="accent1"/>
+            </a:effectRef>
+            <a:fontRef idx="minor">
+              <a:schemeClr val="tx1"/>
+            </a:fontRef>
+          </p:style>
+        </p:cxnSp>
+        <p:cxnSp>
+          <p:nvCxnSpPr>
+            <p:cNvPr id="18" name="直接连接符 17">
+              <a:extLst>
+                <a:ext uri="{FF2B5EF4-FFF2-40B4-BE49-F238E27FC236}">
+                  <a16:creationId xmlns:a16="http://schemas.microsoft.com/office/drawing/2014/main" id="{B1C7771A-4328-43AA-8C35-0D53E32C8B32}"/>
+                </a:ext>
+              </a:extLst>
+            </p:cNvPr>
+            <p:cNvCxnSpPr>
+              <a:cxnSpLocks/>
+            </p:cNvCxnSpPr>
+            <p:nvPr/>
+          </p:nvCxnSpPr>
+          <p:spPr>
+            <a:xfrm>
+              <a:off x="5639900" y="3062926"/>
+              <a:ext cx="69273" cy="882650"/>
+            </a:xfrm>
+            <a:prstGeom prst="line">
+              <a:avLst/>
+            </a:prstGeom>
+            <a:ln w="28575">
+              <a:solidFill>
+                <a:srgbClr val="FF0000"/>
+              </a:solidFill>
+            </a:ln>
+          </p:spPr>
+          <p:style>
+            <a:lnRef idx="1">
+              <a:schemeClr val="accent1"/>
+            </a:lnRef>
+            <a:fillRef idx="0">
+              <a:schemeClr val="accent1"/>
+            </a:fillRef>
+            <a:effectRef idx="0">
+              <a:schemeClr val="accent1"/>
+            </a:effectRef>
+            <a:fontRef idx="minor">
+              <a:schemeClr val="tx1"/>
+            </a:fontRef>
+          </p:style>
+        </p:cxnSp>
+        <p:cxnSp>
+          <p:nvCxnSpPr>
+            <p:cNvPr id="21" name="直接连接符 20">
+              <a:extLst>
+                <a:ext uri="{FF2B5EF4-FFF2-40B4-BE49-F238E27FC236}">
+                  <a16:creationId xmlns:a16="http://schemas.microsoft.com/office/drawing/2014/main" id="{0AA39446-B432-4ADC-A8D7-E3F260E419ED}"/>
+                </a:ext>
+              </a:extLst>
+            </p:cNvPr>
+            <p:cNvCxnSpPr>
+              <a:cxnSpLocks/>
+            </p:cNvCxnSpPr>
+            <p:nvPr/>
+          </p:nvCxnSpPr>
+          <p:spPr>
+            <a:xfrm>
+              <a:off x="5824267" y="4211410"/>
+              <a:ext cx="469107" cy="273916"/>
+            </a:xfrm>
+            <a:prstGeom prst="line">
+              <a:avLst/>
+            </a:prstGeom>
+            <a:ln w="12700">
+              <a:solidFill>
+                <a:srgbClr val="FF0000"/>
+              </a:solidFill>
+              <a:prstDash val="solid"/>
+            </a:ln>
+          </p:spPr>
+          <p:style>
+            <a:lnRef idx="1">
+              <a:schemeClr val="accent1"/>
+            </a:lnRef>
+            <a:fillRef idx="0">
+              <a:schemeClr val="accent1"/>
+            </a:fillRef>
+            <a:effectRef idx="0">
+              <a:schemeClr val="accent1"/>
+            </a:effectRef>
+            <a:fontRef idx="minor">
+              <a:schemeClr val="tx1"/>
+            </a:fontRef>
+          </p:style>
+        </p:cxnSp>
+        <p:cxnSp>
+          <p:nvCxnSpPr>
+            <p:cNvPr id="25" name="直接连接符 24">
+              <a:extLst>
+                <a:ext uri="{FF2B5EF4-FFF2-40B4-BE49-F238E27FC236}">
+                  <a16:creationId xmlns:a16="http://schemas.microsoft.com/office/drawing/2014/main" id="{D305A59C-5456-4CDB-966A-535164ABB7FA}"/>
+                </a:ext>
+              </a:extLst>
+            </p:cNvPr>
+            <p:cNvCxnSpPr>
+              <a:cxnSpLocks/>
+            </p:cNvCxnSpPr>
+            <p:nvPr/>
+          </p:nvCxnSpPr>
+          <p:spPr>
+            <a:xfrm flipV="1">
+              <a:off x="6566424" y="4226276"/>
+              <a:ext cx="583045" cy="287625"/>
+            </a:xfrm>
+            <a:prstGeom prst="line">
+              <a:avLst/>
+            </a:prstGeom>
+            <a:ln w="12700">
+              <a:solidFill>
+                <a:srgbClr val="FF0000"/>
+              </a:solidFill>
+              <a:prstDash val="solid"/>
+            </a:ln>
+          </p:spPr>
+          <p:style>
+            <a:lnRef idx="1">
+              <a:schemeClr val="accent1"/>
+            </a:lnRef>
+            <a:fillRef idx="0">
+              <a:schemeClr val="accent1"/>
+            </a:fillRef>
+            <a:effectRef idx="0">
+              <a:schemeClr val="accent1"/>
+            </a:effectRef>
+            <a:fontRef idx="minor">
+              <a:schemeClr val="tx1"/>
+            </a:fontRef>
+          </p:style>
+        </p:cxnSp>
+        <p:cxnSp>
+          <p:nvCxnSpPr>
+            <p:cNvPr id="28" name="直接连接符 27">
+              <a:extLst>
+                <a:ext uri="{FF2B5EF4-FFF2-40B4-BE49-F238E27FC236}">
+                  <a16:creationId xmlns:a16="http://schemas.microsoft.com/office/drawing/2014/main" id="{A9881AD4-77E7-4920-A519-F78DC3346298}"/>
+                </a:ext>
+              </a:extLst>
+            </p:cNvPr>
+            <p:cNvCxnSpPr>
+              <a:cxnSpLocks/>
+            </p:cNvCxnSpPr>
+            <p:nvPr/>
+          </p:nvCxnSpPr>
+          <p:spPr>
+            <a:xfrm>
+              <a:off x="5906023" y="4120923"/>
+              <a:ext cx="1166090" cy="13421"/>
+            </a:xfrm>
+            <a:prstGeom prst="line">
+              <a:avLst/>
+            </a:prstGeom>
+            <a:ln w="12700">
+              <a:solidFill>
+                <a:srgbClr val="FF0000"/>
+              </a:solidFill>
+              <a:prstDash val="solid"/>
+            </a:ln>
+          </p:spPr>
+          <p:style>
+            <a:lnRef idx="1">
+              <a:schemeClr val="accent1"/>
+            </a:lnRef>
+            <a:fillRef idx="0">
+              <a:schemeClr val="accent1"/>
+            </a:fillRef>
+            <a:effectRef idx="0">
+              <a:schemeClr val="accent1"/>
+            </a:effectRef>
+            <a:fontRef idx="minor">
+              <a:schemeClr val="tx1"/>
+            </a:fontRef>
+          </p:style>
+        </p:cxnSp>
+        <p:cxnSp>
+          <p:nvCxnSpPr>
+            <p:cNvPr id="30" name="直接连接符 29">
+              <a:extLst>
+                <a:ext uri="{FF2B5EF4-FFF2-40B4-BE49-F238E27FC236}">
+                  <a16:creationId xmlns:a16="http://schemas.microsoft.com/office/drawing/2014/main" id="{4BA04937-EC56-458B-9BDB-463ECFB6CFA4}"/>
+                </a:ext>
+              </a:extLst>
+            </p:cNvPr>
+            <p:cNvCxnSpPr>
+              <a:cxnSpLocks/>
+            </p:cNvCxnSpPr>
+            <p:nvPr/>
+          </p:nvCxnSpPr>
+          <p:spPr>
+            <a:xfrm flipV="1">
+              <a:off x="5824267" y="3152944"/>
+              <a:ext cx="1180307" cy="870781"/>
+            </a:xfrm>
+            <a:prstGeom prst="line">
+              <a:avLst/>
+            </a:prstGeom>
+            <a:ln w="12700">
+              <a:solidFill>
+                <a:srgbClr val="FF0000"/>
+              </a:solidFill>
+              <a:prstDash val="solid"/>
+            </a:ln>
+          </p:spPr>
+          <p:style>
+            <a:lnRef idx="1">
+              <a:schemeClr val="accent1"/>
+            </a:lnRef>
+            <a:fillRef idx="0">
+              <a:schemeClr val="accent1"/>
+            </a:fillRef>
+            <a:effectRef idx="0">
+              <a:schemeClr val="accent1"/>
+            </a:effectRef>
+            <a:fontRef idx="minor">
+              <a:schemeClr val="tx1"/>
+            </a:fontRef>
+          </p:style>
+        </p:cxnSp>
+        <p:cxnSp>
+          <p:nvCxnSpPr>
+            <p:cNvPr id="33" name="直接连接符 32">
+              <a:extLst>
+                <a:ext uri="{FF2B5EF4-FFF2-40B4-BE49-F238E27FC236}">
+                  <a16:creationId xmlns:a16="http://schemas.microsoft.com/office/drawing/2014/main" id="{A5662EDF-231C-4FE2-AA84-EB15E24BD6BB}"/>
+                </a:ext>
+              </a:extLst>
+            </p:cNvPr>
+            <p:cNvCxnSpPr>
+              <a:cxnSpLocks/>
+            </p:cNvCxnSpPr>
+            <p:nvPr/>
+          </p:nvCxnSpPr>
+          <p:spPr>
+            <a:xfrm flipH="1" flipV="1">
+              <a:off x="7170466" y="3228027"/>
+              <a:ext cx="56359" cy="730376"/>
+            </a:xfrm>
+            <a:prstGeom prst="line">
+              <a:avLst/>
+            </a:prstGeom>
+            <a:ln w="12700">
+              <a:solidFill>
+                <a:srgbClr val="FF0000"/>
+              </a:solidFill>
+              <a:prstDash val="solid"/>
+            </a:ln>
+          </p:spPr>
+          <p:style>
+            <a:lnRef idx="1">
+              <a:schemeClr val="accent1"/>
+            </a:lnRef>
+            <a:fillRef idx="0">
+              <a:schemeClr val="accent1"/>
+            </a:fillRef>
+            <a:effectRef idx="0">
+              <a:schemeClr val="accent1"/>
+            </a:effectRef>
+            <a:fontRef idx="minor">
+              <a:schemeClr val="tx1"/>
+            </a:fontRef>
+          </p:style>
+        </p:cxnSp>
+        <p:cxnSp>
+          <p:nvCxnSpPr>
+            <p:cNvPr id="36" name="直接连接符 35">
+              <a:extLst>
+                <a:ext uri="{FF2B5EF4-FFF2-40B4-BE49-F238E27FC236}">
+                  <a16:creationId xmlns:a16="http://schemas.microsoft.com/office/drawing/2014/main" id="{1D16DB94-2C33-45AD-B062-3C272D590501}"/>
+                </a:ext>
+              </a:extLst>
+            </p:cNvPr>
+            <p:cNvCxnSpPr>
+              <a:cxnSpLocks/>
+            </p:cNvCxnSpPr>
+            <p:nvPr/>
+          </p:nvCxnSpPr>
+          <p:spPr>
+            <a:xfrm flipH="1" flipV="1">
+              <a:off x="7277625" y="3110551"/>
+              <a:ext cx="727939" cy="499630"/>
+            </a:xfrm>
+            <a:prstGeom prst="line">
+              <a:avLst/>
+            </a:prstGeom>
+            <a:ln w="12700">
+              <a:solidFill>
+                <a:srgbClr val="FF0000"/>
+              </a:solidFill>
+              <a:prstDash val="solid"/>
+            </a:ln>
+          </p:spPr>
+          <p:style>
+            <a:lnRef idx="1">
+              <a:schemeClr val="accent1"/>
+            </a:lnRef>
+            <a:fillRef idx="0">
+              <a:schemeClr val="accent1"/>
+            </a:fillRef>
+            <a:effectRef idx="0">
+              <a:schemeClr val="accent1"/>
+            </a:effectRef>
+            <a:fontRef idx="minor">
+              <a:schemeClr val="tx1"/>
+            </a:fontRef>
+          </p:style>
+        </p:cxnSp>
+        <p:cxnSp>
+          <p:nvCxnSpPr>
+            <p:cNvPr id="39" name="直接连接符 38">
+              <a:extLst>
+                <a:ext uri="{FF2B5EF4-FFF2-40B4-BE49-F238E27FC236}">
+                  <a16:creationId xmlns:a16="http://schemas.microsoft.com/office/drawing/2014/main" id="{E03238A1-7923-452B-A0B6-787F6B7D244C}"/>
+                </a:ext>
+              </a:extLst>
+            </p:cNvPr>
+            <p:cNvCxnSpPr>
+              <a:cxnSpLocks/>
+            </p:cNvCxnSpPr>
+            <p:nvPr/>
+          </p:nvCxnSpPr>
+          <p:spPr>
+            <a:xfrm flipH="1">
+              <a:off x="7434644" y="3767776"/>
+              <a:ext cx="570920" cy="330777"/>
+            </a:xfrm>
+            <a:prstGeom prst="line">
+              <a:avLst/>
+            </a:prstGeom>
+            <a:ln w="12700">
+              <a:solidFill>
+                <a:srgbClr val="FF0000"/>
+              </a:solidFill>
+              <a:prstDash val="solid"/>
+            </a:ln>
+          </p:spPr>
+          <p:style>
+            <a:lnRef idx="1">
+              <a:schemeClr val="accent1"/>
+            </a:lnRef>
+            <a:fillRef idx="0">
+              <a:schemeClr val="accent1"/>
+            </a:fillRef>
+            <a:effectRef idx="0">
+              <a:schemeClr val="accent1"/>
+            </a:effectRef>
+            <a:fontRef idx="minor">
+              <a:schemeClr val="tx1"/>
+            </a:fontRef>
+          </p:style>
+        </p:cxnSp>
+        <p:cxnSp>
+          <p:nvCxnSpPr>
+            <p:cNvPr id="42" name="直接连接符 41">
+              <a:extLst>
+                <a:ext uri="{FF2B5EF4-FFF2-40B4-BE49-F238E27FC236}">
+                  <a16:creationId xmlns:a16="http://schemas.microsoft.com/office/drawing/2014/main" id="{453E1140-CEF6-468A-87CF-ED646520666B}"/>
+                </a:ext>
+              </a:extLst>
+            </p:cNvPr>
+            <p:cNvCxnSpPr>
+              <a:cxnSpLocks/>
+            </p:cNvCxnSpPr>
+            <p:nvPr/>
+          </p:nvCxnSpPr>
+          <p:spPr>
+            <a:xfrm flipH="1" flipV="1">
+              <a:off x="7357288" y="4256149"/>
+              <a:ext cx="249381" cy="457778"/>
+            </a:xfrm>
+            <a:prstGeom prst="line">
+              <a:avLst/>
+            </a:prstGeom>
+            <a:ln w="12700">
+              <a:solidFill>
+                <a:srgbClr val="FF0000"/>
+              </a:solidFill>
+              <a:prstDash val="solid"/>
+            </a:ln>
+          </p:spPr>
+          <p:style>
+            <a:lnRef idx="1">
+              <a:schemeClr val="accent1"/>
+            </a:lnRef>
+            <a:fillRef idx="0">
+              <a:schemeClr val="accent1"/>
+            </a:fillRef>
+            <a:effectRef idx="0">
+              <a:schemeClr val="accent1"/>
+            </a:effectRef>
+            <a:fontRef idx="minor">
+              <a:schemeClr val="tx1"/>
+            </a:fontRef>
+          </p:style>
+        </p:cxnSp>
+        <p:cxnSp>
+          <p:nvCxnSpPr>
+            <p:cNvPr id="47" name="直接连接符 46">
+              <a:extLst>
+                <a:ext uri="{FF2B5EF4-FFF2-40B4-BE49-F238E27FC236}">
+                  <a16:creationId xmlns:a16="http://schemas.microsoft.com/office/drawing/2014/main" id="{D0375645-ADD4-49C8-A0E4-6CC84FFBC037}"/>
+                </a:ext>
+              </a:extLst>
+            </p:cNvPr>
+            <p:cNvCxnSpPr>
+              <a:cxnSpLocks/>
+            </p:cNvCxnSpPr>
+            <p:nvPr/>
+          </p:nvCxnSpPr>
+          <p:spPr>
+            <a:xfrm flipH="1" flipV="1">
+              <a:off x="6566424" y="4628202"/>
+              <a:ext cx="1000125" cy="235815"/>
+            </a:xfrm>
+            <a:prstGeom prst="line">
+              <a:avLst/>
+            </a:prstGeom>
+            <a:ln w="12700">
+              <a:solidFill>
+                <a:srgbClr val="FF0000"/>
+              </a:solidFill>
+              <a:prstDash val="solid"/>
+            </a:ln>
+          </p:spPr>
+          <p:style>
+            <a:lnRef idx="1">
+              <a:schemeClr val="accent1"/>
+            </a:lnRef>
+            <a:fillRef idx="0">
+              <a:schemeClr val="accent1"/>
+            </a:fillRef>
+            <a:effectRef idx="0">
+              <a:schemeClr val="accent1"/>
+            </a:effectRef>
+            <a:fontRef idx="minor">
+              <a:schemeClr val="tx1"/>
+            </a:fontRef>
+          </p:style>
+        </p:cxnSp>
+        <p:cxnSp>
+          <p:nvCxnSpPr>
+            <p:cNvPr id="50" name="直接连接符 49">
+              <a:extLst>
+                <a:ext uri="{FF2B5EF4-FFF2-40B4-BE49-F238E27FC236}">
+                  <a16:creationId xmlns:a16="http://schemas.microsoft.com/office/drawing/2014/main" id="{95ECF58F-21DB-4359-A21E-F32BEFF20318}"/>
+                </a:ext>
+              </a:extLst>
+            </p:cNvPr>
+            <p:cNvCxnSpPr>
+              <a:cxnSpLocks/>
+            </p:cNvCxnSpPr>
+            <p:nvPr/>
+          </p:nvCxnSpPr>
+          <p:spPr>
+            <a:xfrm flipV="1">
+              <a:off x="7766286" y="3853502"/>
+              <a:ext cx="352714" cy="860425"/>
+            </a:xfrm>
+            <a:prstGeom prst="line">
+              <a:avLst/>
+            </a:prstGeom>
+            <a:ln w="12700">
+              <a:solidFill>
+                <a:srgbClr val="FF0000"/>
+              </a:solidFill>
+              <a:prstDash val="solid"/>
+            </a:ln>
+          </p:spPr>
+          <p:style>
+            <a:lnRef idx="1">
+              <a:schemeClr val="accent1"/>
+            </a:lnRef>
+            <a:fillRef idx="0">
+              <a:schemeClr val="accent1"/>
+            </a:fillRef>
+            <a:effectRef idx="0">
+              <a:schemeClr val="accent1"/>
+            </a:effectRef>
+            <a:fontRef idx="minor">
+              <a:schemeClr val="tx1"/>
+            </a:fontRef>
+          </p:style>
+        </p:cxnSp>
+        <p:cxnSp>
+          <p:nvCxnSpPr>
+            <p:cNvPr id="56" name="直接箭头连接符 55">
+              <a:extLst>
+                <a:ext uri="{FF2B5EF4-FFF2-40B4-BE49-F238E27FC236}">
+                  <a16:creationId xmlns:a16="http://schemas.microsoft.com/office/drawing/2014/main" id="{6E243F50-B9A9-4EC1-BB4B-EA7732DE506F}"/>
+                </a:ext>
+              </a:extLst>
+            </p:cNvPr>
+            <p:cNvCxnSpPr/>
+            <p:nvPr/>
+          </p:nvCxnSpPr>
+          <p:spPr>
+            <a:xfrm flipV="1">
+              <a:off x="5749582" y="1983426"/>
+              <a:ext cx="1146464" cy="798946"/>
+            </a:xfrm>
+            <a:prstGeom prst="straightConnector1">
+              <a:avLst/>
+            </a:prstGeom>
+            <a:ln>
+              <a:solidFill>
+                <a:srgbClr val="00B0F0"/>
+              </a:solidFill>
+              <a:headEnd type="stealth"/>
+              <a:tailEnd type="stealth"/>
+            </a:ln>
+          </p:spPr>
+          <p:style>
+            <a:lnRef idx="1">
+              <a:schemeClr val="accent1"/>
+            </a:lnRef>
+            <a:fillRef idx="0">
+              <a:schemeClr val="accent1"/>
+            </a:fillRef>
+            <a:effectRef idx="0">
+              <a:schemeClr val="accent1"/>
+            </a:effectRef>
+            <a:fontRef idx="minor">
+              <a:schemeClr val="tx1"/>
+            </a:fontRef>
+          </p:style>
+        </p:cxnSp>
+        <p:sp>
+          <p:nvSpPr>
+            <p:cNvPr id="57" name="文本框 56">
+              <a:extLst>
+                <a:ext uri="{FF2B5EF4-FFF2-40B4-BE49-F238E27FC236}">
+                  <a16:creationId xmlns:a16="http://schemas.microsoft.com/office/drawing/2014/main" id="{B027E49D-DBA4-43EA-9397-631A6D3D7E03}"/>
+                </a:ext>
+              </a:extLst>
+            </p:cNvPr>
+            <p:cNvSpPr txBox="1"/>
+            <p:nvPr/>
+          </p:nvSpPr>
+          <p:spPr>
+            <a:xfrm>
+              <a:off x="5906020" y="2126650"/>
+              <a:ext cx="494145" cy="369332"/>
+            </a:xfrm>
+            <a:prstGeom prst="rect">
+              <a:avLst/>
+            </a:prstGeom>
+            <a:noFill/>
+          </p:spPr>
+          <p:txBody>
+            <a:bodyPr wrap="square" rtlCol="0">
+              <a:spAutoFit/>
+            </a:bodyPr>
+            <a:lstStyle/>
+            <a:p>
+              <a:r>
+                <a:rPr lang="en-US" altLang="zh-CN" dirty="0"/>
+                <a:t>5A</a:t>
+              </a:r>
+              <a:endParaRPr lang="zh-CN" altLang="en-US" dirty="0"/>
+            </a:p>
+          </p:txBody>
+        </p:sp>
+        <p:sp>
+          <p:nvSpPr>
+            <p:cNvPr id="55" name="椭圆 54">
+              <a:extLst>
+                <a:ext uri="{FF2B5EF4-FFF2-40B4-BE49-F238E27FC236}">
+                  <a16:creationId xmlns:a16="http://schemas.microsoft.com/office/drawing/2014/main" id="{F61AC311-F0CC-4810-A86D-FABD46570F23}"/>
+                </a:ext>
+              </a:extLst>
+            </p:cNvPr>
+            <p:cNvSpPr/>
+            <p:nvPr/>
+          </p:nvSpPr>
+          <p:spPr>
+            <a:xfrm>
+              <a:off x="3945606" y="1229364"/>
+              <a:ext cx="3350490" cy="3350490"/>
+            </a:xfrm>
+            <a:prstGeom prst="ellipse">
+              <a:avLst/>
+            </a:prstGeom>
+            <a:noFill/>
+            <a:ln>
+              <a:solidFill>
+                <a:srgbClr val="00B050"/>
+              </a:solidFill>
+              <a:prstDash val="lgDash"/>
+            </a:ln>
+          </p:spPr>
+          <p:style>
+            <a:lnRef idx="2">
+              <a:schemeClr val="accent1">
+                <a:shade val="50000"/>
+              </a:schemeClr>
+            </a:lnRef>
+            <a:fillRef idx="1">
+              <a:schemeClr val="accent1"/>
+            </a:fillRef>
+            <a:effectRef idx="0">
+              <a:schemeClr val="accent1"/>
+            </a:effectRef>
+            <a:fontRef idx="minor">
+              <a:schemeClr val="lt1"/>
+            </a:fontRef>
+          </p:style>
+          <p:txBody>
+            <a:bodyPr rtlCol="0" anchor="ctr"/>
+            <a:lstStyle/>
+            <a:p>
+              <a:pPr algn="ctr"/>
+              <a:endParaRPr lang="zh-CN" altLang="en-US"/>
+            </a:p>
+          </p:txBody>
+        </p:sp>
+      </p:grpSp>
+    </p:spTree>
+    <p:extLst>
+      <p:ext uri="{BB962C8B-B14F-4D97-AF65-F5344CB8AC3E}">
+        <p14:creationId xmlns:p14="http://schemas.microsoft.com/office/powerpoint/2010/main" val="2853075250"/>
+      </p:ext>
+    </p:extLst>
+  </p:cSld>
+  <p:clrMapOvr>
+    <a:masterClrMapping/>
+  </p:clrMapOvr>
+</p:sld>
+</file>
+
+<file path=ppt/slides/slide3.xml><?xml version="1.0" encoding="utf-8"?>
+<p:sld xmlns:a="http://schemas.openxmlformats.org/drawingml/2006/main" xmlns:r="http://schemas.openxmlformats.org/officeDocument/2006/relationships" xmlns:p="http://schemas.openxmlformats.org/presentationml/2006/main">
+  <p:cSld>
+    <p:spTree>
+      <p:nvGrpSpPr>
+        <p:cNvPr id="1" name=""/>
+        <p:cNvGrpSpPr/>
+        <p:nvPr/>
+      </p:nvGrpSpPr>
+      <p:grpSpPr>
+        <a:xfrm>
+          <a:off x="0" y="0"/>
+          <a:ext cx="0" cy="0"/>
+          <a:chOff x="0" y="0"/>
+          <a:chExt cx="0" cy="0"/>
+        </a:xfrm>
+      </p:grpSpPr>
+      <p:grpSp>
+        <p:nvGrpSpPr>
+          <p:cNvPr id="65" name="组合 64">
+            <a:extLst>
+              <a:ext uri="{FF2B5EF4-FFF2-40B4-BE49-F238E27FC236}">
+                <a16:creationId xmlns:a16="http://schemas.microsoft.com/office/drawing/2014/main" id="{77D02D9A-415F-4A23-A5D5-4AB6FDBB9714}"/>
+              </a:ext>
+            </a:extLst>
+          </p:cNvPr>
+          <p:cNvGrpSpPr/>
+          <p:nvPr/>
+        </p:nvGrpSpPr>
+        <p:grpSpPr>
+          <a:xfrm>
+            <a:off x="2641600" y="749300"/>
+            <a:ext cx="6908800" cy="5359400"/>
+            <a:chOff x="2641600" y="749300"/>
+            <a:chExt cx="6908800" cy="5359400"/>
+          </a:xfrm>
+        </p:grpSpPr>
+        <p:sp>
+          <p:nvSpPr>
+            <p:cNvPr id="4" name="椭圆 3">
+              <a:extLst>
+                <a:ext uri="{FF2B5EF4-FFF2-40B4-BE49-F238E27FC236}">
+                  <a16:creationId xmlns:a16="http://schemas.microsoft.com/office/drawing/2014/main" id="{D08EC505-2A1F-4685-94C9-6B6018ADF186}"/>
+                </a:ext>
+              </a:extLst>
+            </p:cNvPr>
+            <p:cNvSpPr/>
+            <p:nvPr/>
+          </p:nvSpPr>
+          <p:spPr>
+            <a:xfrm>
+              <a:off x="6394450" y="3643746"/>
+              <a:ext cx="207818" cy="207818"/>
+            </a:xfrm>
+            <a:prstGeom prst="ellipse">
+              <a:avLst/>
+            </a:prstGeom>
+            <a:solidFill>
+              <a:schemeClr val="accent4">
+                <a:lumMod val="50000"/>
+              </a:schemeClr>
+            </a:solidFill>
+            <a:ln>
+              <a:noFill/>
+            </a:ln>
+          </p:spPr>
+          <p:style>
+            <a:lnRef idx="2">
+              <a:schemeClr val="accent1">
+                <a:shade val="50000"/>
+              </a:schemeClr>
+            </a:lnRef>
+            <a:fillRef idx="1">
+              <a:schemeClr val="accent1"/>
+            </a:fillRef>
+            <a:effectRef idx="0">
+              <a:schemeClr val="accent1"/>
+            </a:effectRef>
+            <a:fontRef idx="minor">
+              <a:schemeClr val="lt1"/>
+            </a:fontRef>
+          </p:style>
+          <p:txBody>
+            <a:bodyPr rtlCol="0" anchor="ctr"/>
+            <a:lstStyle/>
+            <a:p>
+              <a:pPr algn="ctr"/>
+              <a:endParaRPr lang="zh-CN" altLang="en-US"/>
+            </a:p>
+          </p:txBody>
+        </p:sp>
+        <p:sp>
+          <p:nvSpPr>
+            <p:cNvPr id="5" name="椭圆 4">
+              <a:extLst>
+                <a:ext uri="{FF2B5EF4-FFF2-40B4-BE49-F238E27FC236}">
+                  <a16:creationId xmlns:a16="http://schemas.microsoft.com/office/drawing/2014/main" id="{2859A27B-927F-4DE6-B565-45B8D1E13558}"/>
+                </a:ext>
+              </a:extLst>
+            </p:cNvPr>
+            <p:cNvSpPr/>
+            <p:nvPr/>
+          </p:nvSpPr>
+          <p:spPr>
+            <a:xfrm>
+              <a:off x="7921336" y="3820391"/>
+              <a:ext cx="207818" cy="207818"/>
+            </a:xfrm>
+            <a:prstGeom prst="ellipse">
+              <a:avLst/>
+            </a:prstGeom>
+            <a:solidFill>
+              <a:schemeClr val="accent4">
+                <a:lumMod val="60000"/>
+                <a:lumOff val="40000"/>
+              </a:schemeClr>
+            </a:solidFill>
+            <a:ln>
+              <a:noFill/>
+            </a:ln>
+          </p:spPr>
+          <p:style>
+            <a:lnRef idx="2">
+              <a:schemeClr val="accent1">
+                <a:shade val="50000"/>
+              </a:schemeClr>
+            </a:lnRef>
+            <a:fillRef idx="1">
+              <a:schemeClr val="accent1"/>
+            </a:fillRef>
+            <a:effectRef idx="0">
+              <a:schemeClr val="accent1"/>
+            </a:effectRef>
+            <a:fontRef idx="minor">
+              <a:schemeClr val="lt1"/>
+            </a:fontRef>
+          </p:style>
+          <p:txBody>
+            <a:bodyPr rtlCol="0" anchor="ctr"/>
+            <a:lstStyle/>
+            <a:p>
+              <a:pPr algn="ctr"/>
+              <a:endParaRPr lang="zh-CN" altLang="en-US"/>
+            </a:p>
+          </p:txBody>
+        </p:sp>
+        <p:sp>
+          <p:nvSpPr>
+            <p:cNvPr id="6" name="椭圆 5">
+              <a:extLst>
+                <a:ext uri="{FF2B5EF4-FFF2-40B4-BE49-F238E27FC236}">
+                  <a16:creationId xmlns:a16="http://schemas.microsoft.com/office/drawing/2014/main" id="{06401F06-2CE2-4520-B0BA-B57B0395272F}"/>
+                </a:ext>
+              </a:extLst>
+            </p:cNvPr>
+            <p:cNvSpPr/>
+            <p:nvPr/>
+          </p:nvSpPr>
+          <p:spPr>
+            <a:xfrm>
+              <a:off x="8025245" y="4891809"/>
+              <a:ext cx="207818" cy="207818"/>
+            </a:xfrm>
+            <a:prstGeom prst="ellipse">
+              <a:avLst/>
+            </a:prstGeom>
+            <a:solidFill>
+              <a:schemeClr val="accent4">
+                <a:lumMod val="60000"/>
+                <a:lumOff val="40000"/>
+              </a:schemeClr>
+            </a:solidFill>
+            <a:ln>
+              <a:noFill/>
+            </a:ln>
+          </p:spPr>
+          <p:style>
+            <a:lnRef idx="2">
+              <a:schemeClr val="accent1">
+                <a:shade val="50000"/>
+              </a:schemeClr>
+            </a:lnRef>
+            <a:fillRef idx="1">
+              <a:schemeClr val="accent1"/>
+            </a:fillRef>
+            <a:effectRef idx="0">
+              <a:schemeClr val="accent1"/>
+            </a:effectRef>
+            <a:fontRef idx="minor">
+              <a:schemeClr val="lt1"/>
+            </a:fontRef>
+          </p:style>
+          <p:txBody>
+            <a:bodyPr rtlCol="0" anchor="ctr"/>
+            <a:lstStyle/>
+            <a:p>
+              <a:pPr algn="ctr"/>
+              <a:endParaRPr lang="zh-CN" altLang="en-US"/>
+            </a:p>
+          </p:txBody>
+        </p:sp>
+        <p:sp>
+          <p:nvSpPr>
+            <p:cNvPr id="7" name="椭圆 6">
+              <a:extLst>
+                <a:ext uri="{FF2B5EF4-FFF2-40B4-BE49-F238E27FC236}">
+                  <a16:creationId xmlns:a16="http://schemas.microsoft.com/office/drawing/2014/main" id="{BD0ECFF6-62CC-4506-82FB-E1070BBB112F}"/>
+                </a:ext>
+              </a:extLst>
+            </p:cNvPr>
+            <p:cNvSpPr/>
+            <p:nvPr/>
+          </p:nvSpPr>
+          <p:spPr>
+            <a:xfrm>
+              <a:off x="7198590" y="5316682"/>
+              <a:ext cx="207818" cy="207818"/>
+            </a:xfrm>
+            <a:prstGeom prst="ellipse">
+              <a:avLst/>
+            </a:prstGeom>
+            <a:solidFill>
+              <a:schemeClr val="accent4">
+                <a:lumMod val="60000"/>
+                <a:lumOff val="40000"/>
+              </a:schemeClr>
+            </a:solidFill>
+            <a:ln>
+              <a:noFill/>
+            </a:ln>
+          </p:spPr>
+          <p:style>
+            <a:lnRef idx="2">
+              <a:schemeClr val="accent1">
+                <a:shade val="50000"/>
+              </a:schemeClr>
+            </a:lnRef>
+            <a:fillRef idx="1">
+              <a:schemeClr val="accent1"/>
+            </a:fillRef>
+            <a:effectRef idx="0">
+              <a:schemeClr val="accent1"/>
+            </a:effectRef>
+            <a:fontRef idx="minor">
+              <a:schemeClr val="lt1"/>
+            </a:fontRef>
+          </p:style>
+          <p:txBody>
+            <a:bodyPr rtlCol="0" anchor="ctr"/>
+            <a:lstStyle/>
+            <a:p>
+              <a:pPr algn="ctr"/>
+              <a:endParaRPr lang="zh-CN" altLang="en-US"/>
+            </a:p>
+          </p:txBody>
+        </p:sp>
+        <p:sp>
+          <p:nvSpPr>
+            <p:cNvPr id="8" name="椭圆 7">
+              <a:extLst>
+                <a:ext uri="{FF2B5EF4-FFF2-40B4-BE49-F238E27FC236}">
+                  <a16:creationId xmlns:a16="http://schemas.microsoft.com/office/drawing/2014/main" id="{BAABB75E-6D1B-4526-91DD-D3AB859016C3}"/>
+                </a:ext>
+              </a:extLst>
+            </p:cNvPr>
+            <p:cNvSpPr/>
+            <p:nvPr/>
+          </p:nvSpPr>
+          <p:spPr>
+            <a:xfrm>
+              <a:off x="8482445" y="5621482"/>
+              <a:ext cx="207818" cy="207818"/>
+            </a:xfrm>
+            <a:prstGeom prst="ellipse">
+              <a:avLst/>
+            </a:prstGeom>
+            <a:solidFill>
+              <a:schemeClr val="accent4">
+                <a:lumMod val="60000"/>
+                <a:lumOff val="40000"/>
+              </a:schemeClr>
+            </a:solidFill>
+            <a:ln>
+              <a:noFill/>
+            </a:ln>
+          </p:spPr>
+          <p:style>
+            <a:lnRef idx="2">
+              <a:schemeClr val="accent1">
+                <a:shade val="50000"/>
+              </a:schemeClr>
+            </a:lnRef>
+            <a:fillRef idx="1">
+              <a:schemeClr val="accent1"/>
+            </a:fillRef>
+            <a:effectRef idx="0">
+              <a:schemeClr val="accent1"/>
+            </a:effectRef>
+            <a:fontRef idx="minor">
+              <a:schemeClr val="lt1"/>
+            </a:fontRef>
+          </p:style>
+          <p:txBody>
+            <a:bodyPr rtlCol="0" anchor="ctr"/>
+            <a:lstStyle/>
+            <a:p>
+              <a:pPr algn="ctr"/>
+              <a:endParaRPr lang="zh-CN" altLang="en-US"/>
+            </a:p>
+          </p:txBody>
+        </p:sp>
+        <p:sp>
+          <p:nvSpPr>
+            <p:cNvPr id="9" name="椭圆 8">
+              <a:extLst>
+                <a:ext uri="{FF2B5EF4-FFF2-40B4-BE49-F238E27FC236}">
+                  <a16:creationId xmlns:a16="http://schemas.microsoft.com/office/drawing/2014/main" id="{BDF5EAC6-F4CA-4F9A-8C35-84ABBD7C4495}"/>
+                </a:ext>
+              </a:extLst>
+            </p:cNvPr>
+            <p:cNvSpPr/>
+            <p:nvPr/>
+          </p:nvSpPr>
+          <p:spPr>
+            <a:xfrm>
+              <a:off x="8916554" y="4471555"/>
+              <a:ext cx="207818" cy="207818"/>
+            </a:xfrm>
+            <a:prstGeom prst="ellipse">
+              <a:avLst/>
+            </a:prstGeom>
+            <a:solidFill>
+              <a:schemeClr val="accent4">
+                <a:lumMod val="60000"/>
+                <a:lumOff val="40000"/>
+              </a:schemeClr>
+            </a:solidFill>
+            <a:ln>
+              <a:noFill/>
+            </a:ln>
+          </p:spPr>
+          <p:style>
+            <a:lnRef idx="2">
+              <a:schemeClr val="accent1">
+                <a:shade val="50000"/>
+              </a:schemeClr>
+            </a:lnRef>
+            <a:fillRef idx="1">
+              <a:schemeClr val="accent1"/>
+            </a:fillRef>
+            <a:effectRef idx="0">
+              <a:schemeClr val="accent1"/>
+            </a:effectRef>
+            <a:fontRef idx="minor">
+              <a:schemeClr val="lt1"/>
+            </a:fontRef>
+          </p:style>
+          <p:txBody>
+            <a:bodyPr rtlCol="0" anchor="ctr"/>
+            <a:lstStyle/>
+            <a:p>
+              <a:pPr algn="ctr"/>
+              <a:endParaRPr lang="zh-CN" altLang="en-US"/>
+            </a:p>
+          </p:txBody>
+        </p:sp>
+        <p:sp>
+          <p:nvSpPr>
+            <p:cNvPr id="10" name="椭圆 9">
+              <a:extLst>
+                <a:ext uri="{FF2B5EF4-FFF2-40B4-BE49-F238E27FC236}">
+                  <a16:creationId xmlns:a16="http://schemas.microsoft.com/office/drawing/2014/main" id="{FD7544EB-70F1-40D3-9988-7870F853656B}"/>
+                </a:ext>
+              </a:extLst>
+            </p:cNvPr>
+            <p:cNvSpPr/>
+            <p:nvPr/>
+          </p:nvSpPr>
+          <p:spPr>
+            <a:xfrm>
+              <a:off x="6496627" y="4891809"/>
+              <a:ext cx="207818" cy="207818"/>
+            </a:xfrm>
+            <a:prstGeom prst="ellipse">
+              <a:avLst/>
+            </a:prstGeom>
+            <a:solidFill>
+              <a:schemeClr val="accent4">
+                <a:lumMod val="60000"/>
+                <a:lumOff val="40000"/>
+              </a:schemeClr>
+            </a:solidFill>
+            <a:ln>
+              <a:noFill/>
+            </a:ln>
+          </p:spPr>
+          <p:style>
+            <a:lnRef idx="2">
+              <a:schemeClr val="accent1">
+                <a:shade val="50000"/>
+              </a:schemeClr>
+            </a:lnRef>
+            <a:fillRef idx="1">
+              <a:schemeClr val="accent1"/>
+            </a:fillRef>
+            <a:effectRef idx="0">
+              <a:schemeClr val="accent1"/>
+            </a:effectRef>
+            <a:fontRef idx="minor">
+              <a:schemeClr val="lt1"/>
+            </a:fontRef>
+          </p:style>
+          <p:txBody>
+            <a:bodyPr rtlCol="0" anchor="ctr"/>
+            <a:lstStyle/>
+            <a:p>
+              <a:pPr algn="ctr"/>
+              <a:endParaRPr lang="zh-CN" altLang="en-US"/>
+            </a:p>
+          </p:txBody>
+        </p:sp>
+        <p:sp>
+          <p:nvSpPr>
+            <p:cNvPr id="11" name="矩形 10">
+              <a:extLst>
+                <a:ext uri="{FF2B5EF4-FFF2-40B4-BE49-F238E27FC236}">
+                  <a16:creationId xmlns:a16="http://schemas.microsoft.com/office/drawing/2014/main" id="{C407959D-35F9-4260-B388-CACFA494486A}"/>
+                </a:ext>
+              </a:extLst>
+            </p:cNvPr>
+            <p:cNvSpPr/>
+            <p:nvPr/>
+          </p:nvSpPr>
+          <p:spPr>
+            <a:xfrm>
+              <a:off x="6096000" y="3429000"/>
+              <a:ext cx="3454400" cy="2679700"/>
+            </a:xfrm>
+            <a:prstGeom prst="rect">
+              <a:avLst/>
+            </a:prstGeom>
+            <a:noFill/>
+            <a:ln>
+              <a:solidFill>
+                <a:schemeClr val="bg2">
+                  <a:lumMod val="75000"/>
+                </a:schemeClr>
+              </a:solidFill>
+              <a:prstDash val="dash"/>
+            </a:ln>
+          </p:spPr>
+          <p:style>
+            <a:lnRef idx="2">
+              <a:schemeClr val="accent1">
+                <a:shade val="50000"/>
+              </a:schemeClr>
+            </a:lnRef>
+            <a:fillRef idx="1">
+              <a:schemeClr val="accent1"/>
+            </a:fillRef>
+            <a:effectRef idx="0">
+              <a:schemeClr val="accent1"/>
+            </a:effectRef>
+            <a:fontRef idx="minor">
+              <a:schemeClr val="lt1"/>
+            </a:fontRef>
+          </p:style>
+          <p:txBody>
+            <a:bodyPr rtlCol="0" anchor="ctr"/>
+            <a:lstStyle/>
+            <a:p>
+              <a:pPr algn="ctr"/>
+              <a:endParaRPr lang="zh-CN" altLang="en-US"/>
+            </a:p>
+          </p:txBody>
+        </p:sp>
+        <p:sp>
+          <p:nvSpPr>
+            <p:cNvPr id="13" name="椭圆 12">
+              <a:extLst>
+                <a:ext uri="{FF2B5EF4-FFF2-40B4-BE49-F238E27FC236}">
+                  <a16:creationId xmlns:a16="http://schemas.microsoft.com/office/drawing/2014/main" id="{DA2628BD-4239-4860-847C-02ACF1C513F0}"/>
+                </a:ext>
+              </a:extLst>
+            </p:cNvPr>
+            <p:cNvSpPr/>
+            <p:nvPr/>
+          </p:nvSpPr>
+          <p:spPr>
+            <a:xfrm>
+              <a:off x="4466936" y="3820391"/>
+              <a:ext cx="207818" cy="207818"/>
+            </a:xfrm>
+            <a:prstGeom prst="ellipse">
+              <a:avLst/>
+            </a:prstGeom>
+            <a:solidFill>
+              <a:schemeClr val="accent4">
+                <a:lumMod val="60000"/>
+                <a:lumOff val="40000"/>
+              </a:schemeClr>
+            </a:solidFill>
+            <a:ln>
+              <a:noFill/>
+            </a:ln>
+          </p:spPr>
+          <p:style>
+            <a:lnRef idx="2">
+              <a:schemeClr val="accent1">
+                <a:shade val="50000"/>
+              </a:schemeClr>
+            </a:lnRef>
+            <a:fillRef idx="1">
+              <a:schemeClr val="accent1"/>
+            </a:fillRef>
+            <a:effectRef idx="0">
+              <a:schemeClr val="accent1"/>
+            </a:effectRef>
+            <a:fontRef idx="minor">
+              <a:schemeClr val="lt1"/>
+            </a:fontRef>
+          </p:style>
+          <p:txBody>
+            <a:bodyPr rtlCol="0" anchor="ctr"/>
+            <a:lstStyle/>
+            <a:p>
+              <a:pPr algn="ctr"/>
+              <a:endParaRPr lang="zh-CN" altLang="en-US"/>
+            </a:p>
+          </p:txBody>
+        </p:sp>
+        <p:sp>
+          <p:nvSpPr>
+            <p:cNvPr id="14" name="椭圆 13">
+              <a:extLst>
+                <a:ext uri="{FF2B5EF4-FFF2-40B4-BE49-F238E27FC236}">
+                  <a16:creationId xmlns:a16="http://schemas.microsoft.com/office/drawing/2014/main" id="{E023166B-8A7F-4480-A412-B120000AC291}"/>
+                </a:ext>
+              </a:extLst>
+            </p:cNvPr>
+            <p:cNvSpPr/>
+            <p:nvPr/>
+          </p:nvSpPr>
+          <p:spPr>
+            <a:xfrm>
+              <a:off x="4570845" y="4891809"/>
+              <a:ext cx="207818" cy="207818"/>
+            </a:xfrm>
+            <a:prstGeom prst="ellipse">
+              <a:avLst/>
+            </a:prstGeom>
+            <a:solidFill>
+              <a:schemeClr val="accent4">
+                <a:lumMod val="60000"/>
+                <a:lumOff val="40000"/>
+              </a:schemeClr>
+            </a:solidFill>
+            <a:ln>
+              <a:noFill/>
+            </a:ln>
+          </p:spPr>
+          <p:style>
+            <a:lnRef idx="2">
+              <a:schemeClr val="accent1">
+                <a:shade val="50000"/>
+              </a:schemeClr>
+            </a:lnRef>
+            <a:fillRef idx="1">
+              <a:schemeClr val="accent1"/>
+            </a:fillRef>
+            <a:effectRef idx="0">
+              <a:schemeClr val="accent1"/>
+            </a:effectRef>
+            <a:fontRef idx="minor">
+              <a:schemeClr val="lt1"/>
+            </a:fontRef>
+          </p:style>
+          <p:txBody>
+            <a:bodyPr rtlCol="0" anchor="ctr"/>
+            <a:lstStyle/>
+            <a:p>
+              <a:pPr algn="ctr"/>
+              <a:endParaRPr lang="zh-CN" altLang="en-US"/>
+            </a:p>
+          </p:txBody>
+        </p:sp>
+        <p:sp>
+          <p:nvSpPr>
+            <p:cNvPr id="15" name="椭圆 14">
+              <a:extLst>
+                <a:ext uri="{FF2B5EF4-FFF2-40B4-BE49-F238E27FC236}">
+                  <a16:creationId xmlns:a16="http://schemas.microsoft.com/office/drawing/2014/main" id="{720F1344-6D08-479E-90B4-7D2C25422317}"/>
+                </a:ext>
+              </a:extLst>
+            </p:cNvPr>
+            <p:cNvSpPr/>
+            <p:nvPr/>
+          </p:nvSpPr>
+          <p:spPr>
+            <a:xfrm>
+              <a:off x="3744190" y="5316682"/>
+              <a:ext cx="207818" cy="207818"/>
+            </a:xfrm>
+            <a:prstGeom prst="ellipse">
+              <a:avLst/>
+            </a:prstGeom>
+            <a:solidFill>
+              <a:schemeClr val="accent4">
+                <a:lumMod val="60000"/>
+                <a:lumOff val="40000"/>
+              </a:schemeClr>
+            </a:solidFill>
+            <a:ln>
+              <a:noFill/>
+            </a:ln>
+          </p:spPr>
+          <p:style>
+            <a:lnRef idx="2">
+              <a:schemeClr val="accent1">
+                <a:shade val="50000"/>
+              </a:schemeClr>
+            </a:lnRef>
+            <a:fillRef idx="1">
+              <a:schemeClr val="accent1"/>
+            </a:fillRef>
+            <a:effectRef idx="0">
+              <a:schemeClr val="accent1"/>
+            </a:effectRef>
+            <a:fontRef idx="minor">
+              <a:schemeClr val="lt1"/>
+            </a:fontRef>
+          </p:style>
+          <p:txBody>
+            <a:bodyPr rtlCol="0" anchor="ctr"/>
+            <a:lstStyle/>
+            <a:p>
+              <a:pPr algn="ctr"/>
+              <a:endParaRPr lang="zh-CN" altLang="en-US"/>
+            </a:p>
+          </p:txBody>
+        </p:sp>
+        <p:sp>
+          <p:nvSpPr>
+            <p:cNvPr id="16" name="椭圆 15">
+              <a:extLst>
+                <a:ext uri="{FF2B5EF4-FFF2-40B4-BE49-F238E27FC236}">
+                  <a16:creationId xmlns:a16="http://schemas.microsoft.com/office/drawing/2014/main" id="{6EA842A6-61A7-4B4E-9DA8-E30A13CA6B3E}"/>
+                </a:ext>
+              </a:extLst>
+            </p:cNvPr>
+            <p:cNvSpPr/>
+            <p:nvPr/>
+          </p:nvSpPr>
+          <p:spPr>
+            <a:xfrm>
+              <a:off x="5028045" y="5621482"/>
+              <a:ext cx="207818" cy="207818"/>
+            </a:xfrm>
+            <a:prstGeom prst="ellipse">
+              <a:avLst/>
+            </a:prstGeom>
+            <a:solidFill>
+              <a:schemeClr val="accent4">
+                <a:lumMod val="60000"/>
+                <a:lumOff val="40000"/>
+              </a:schemeClr>
+            </a:solidFill>
+            <a:ln>
+              <a:noFill/>
+            </a:ln>
+          </p:spPr>
+          <p:style>
+            <a:lnRef idx="2">
+              <a:schemeClr val="accent1">
+                <a:shade val="50000"/>
+              </a:schemeClr>
+            </a:lnRef>
+            <a:fillRef idx="1">
+              <a:schemeClr val="accent1"/>
+            </a:fillRef>
+            <a:effectRef idx="0">
+              <a:schemeClr val="accent1"/>
+            </a:effectRef>
+            <a:fontRef idx="minor">
+              <a:schemeClr val="lt1"/>
+            </a:fontRef>
+          </p:style>
+          <p:txBody>
+            <a:bodyPr rtlCol="0" anchor="ctr"/>
+            <a:lstStyle/>
+            <a:p>
+              <a:pPr algn="ctr"/>
+              <a:endParaRPr lang="zh-CN" altLang="en-US"/>
+            </a:p>
+          </p:txBody>
+        </p:sp>
+        <p:sp>
+          <p:nvSpPr>
+            <p:cNvPr id="17" name="椭圆 16">
+              <a:extLst>
+                <a:ext uri="{FF2B5EF4-FFF2-40B4-BE49-F238E27FC236}">
+                  <a16:creationId xmlns:a16="http://schemas.microsoft.com/office/drawing/2014/main" id="{F54DA404-5DBF-45A7-84F2-451CCB44F29C}"/>
+                </a:ext>
+              </a:extLst>
+            </p:cNvPr>
+            <p:cNvSpPr/>
+            <p:nvPr/>
+          </p:nvSpPr>
+          <p:spPr>
+            <a:xfrm>
+              <a:off x="5462154" y="4471555"/>
+              <a:ext cx="207818" cy="207818"/>
+            </a:xfrm>
+            <a:prstGeom prst="ellipse">
+              <a:avLst/>
+            </a:prstGeom>
+            <a:solidFill>
+              <a:schemeClr val="accent4">
+                <a:lumMod val="60000"/>
+                <a:lumOff val="40000"/>
+              </a:schemeClr>
+            </a:solidFill>
+            <a:ln>
+              <a:noFill/>
+            </a:ln>
+          </p:spPr>
+          <p:style>
+            <a:lnRef idx="2">
+              <a:schemeClr val="accent1">
+                <a:shade val="50000"/>
+              </a:schemeClr>
+            </a:lnRef>
+            <a:fillRef idx="1">
+              <a:schemeClr val="accent1"/>
+            </a:fillRef>
+            <a:effectRef idx="0">
+              <a:schemeClr val="accent1"/>
+            </a:effectRef>
+            <a:fontRef idx="minor">
+              <a:schemeClr val="lt1"/>
+            </a:fontRef>
+          </p:style>
+          <p:txBody>
+            <a:bodyPr rtlCol="0" anchor="ctr"/>
+            <a:lstStyle/>
+            <a:p>
+              <a:pPr algn="ctr"/>
+              <a:endParaRPr lang="zh-CN" altLang="en-US"/>
+            </a:p>
+          </p:txBody>
+        </p:sp>
+        <p:sp>
+          <p:nvSpPr>
+            <p:cNvPr id="18" name="椭圆 17">
+              <a:extLst>
+                <a:ext uri="{FF2B5EF4-FFF2-40B4-BE49-F238E27FC236}">
+                  <a16:creationId xmlns:a16="http://schemas.microsoft.com/office/drawing/2014/main" id="{93AFDA1D-A142-4496-8A07-2799FA2957D0}"/>
+                </a:ext>
+              </a:extLst>
+            </p:cNvPr>
+            <p:cNvSpPr/>
+            <p:nvPr/>
+          </p:nvSpPr>
+          <p:spPr>
+            <a:xfrm>
+              <a:off x="3042227" y="4891809"/>
+              <a:ext cx="207818" cy="207818"/>
+            </a:xfrm>
+            <a:prstGeom prst="ellipse">
+              <a:avLst/>
+            </a:prstGeom>
+            <a:solidFill>
+              <a:schemeClr val="accent4">
+                <a:lumMod val="60000"/>
+                <a:lumOff val="40000"/>
+              </a:schemeClr>
+            </a:solidFill>
+            <a:ln>
+              <a:noFill/>
+            </a:ln>
+          </p:spPr>
+          <p:style>
+            <a:lnRef idx="2">
+              <a:schemeClr val="accent1">
+                <a:shade val="50000"/>
+              </a:schemeClr>
+            </a:lnRef>
+            <a:fillRef idx="1">
+              <a:schemeClr val="accent1"/>
+            </a:fillRef>
+            <a:effectRef idx="0">
+              <a:schemeClr val="accent1"/>
+            </a:effectRef>
+            <a:fontRef idx="minor">
+              <a:schemeClr val="lt1"/>
+            </a:fontRef>
+          </p:style>
+          <p:txBody>
+            <a:bodyPr rtlCol="0" anchor="ctr"/>
+            <a:lstStyle/>
+            <a:p>
+              <a:pPr algn="ctr"/>
+              <a:endParaRPr lang="zh-CN" altLang="en-US"/>
+            </a:p>
+          </p:txBody>
+        </p:sp>
+        <p:sp>
+          <p:nvSpPr>
+            <p:cNvPr id="19" name="矩形 18">
+              <a:extLst>
+                <a:ext uri="{FF2B5EF4-FFF2-40B4-BE49-F238E27FC236}">
+                  <a16:creationId xmlns:a16="http://schemas.microsoft.com/office/drawing/2014/main" id="{67F75A5F-F7E9-422C-8E41-9F9B6B7F3A4C}"/>
+                </a:ext>
+              </a:extLst>
+            </p:cNvPr>
+            <p:cNvSpPr/>
+            <p:nvPr/>
+          </p:nvSpPr>
+          <p:spPr>
+            <a:xfrm>
+              <a:off x="2641600" y="3429000"/>
+              <a:ext cx="3454400" cy="2679700"/>
+            </a:xfrm>
+            <a:prstGeom prst="rect">
+              <a:avLst/>
+            </a:prstGeom>
+            <a:noFill/>
+            <a:ln>
+              <a:solidFill>
+                <a:schemeClr val="bg2">
+                  <a:lumMod val="75000"/>
+                </a:schemeClr>
+              </a:solidFill>
+              <a:prstDash val="dash"/>
+            </a:ln>
+          </p:spPr>
+          <p:style>
+            <a:lnRef idx="2">
+              <a:schemeClr val="accent1">
+                <a:shade val="50000"/>
+              </a:schemeClr>
+            </a:lnRef>
+            <a:fillRef idx="1">
+              <a:schemeClr val="accent1"/>
+            </a:fillRef>
+            <a:effectRef idx="0">
+              <a:schemeClr val="accent1"/>
+            </a:effectRef>
+            <a:fontRef idx="minor">
+              <a:schemeClr val="lt1"/>
+            </a:fontRef>
+          </p:style>
+          <p:txBody>
+            <a:bodyPr rtlCol="0" anchor="ctr"/>
+            <a:lstStyle/>
+            <a:p>
+              <a:pPr algn="ctr"/>
+              <a:endParaRPr lang="zh-CN" altLang="en-US"/>
+            </a:p>
+          </p:txBody>
+        </p:sp>
+        <p:sp>
+          <p:nvSpPr>
+            <p:cNvPr id="20" name="椭圆 19">
+              <a:extLst>
+                <a:ext uri="{FF2B5EF4-FFF2-40B4-BE49-F238E27FC236}">
+                  <a16:creationId xmlns:a16="http://schemas.microsoft.com/office/drawing/2014/main" id="{A6E46042-A85B-4863-BE47-90E34EB67D6C}"/>
+                </a:ext>
+              </a:extLst>
+            </p:cNvPr>
+            <p:cNvSpPr/>
+            <p:nvPr/>
+          </p:nvSpPr>
+          <p:spPr>
+            <a:xfrm>
+              <a:off x="6389253" y="995218"/>
+              <a:ext cx="207818" cy="207818"/>
+            </a:xfrm>
+            <a:prstGeom prst="ellipse">
+              <a:avLst/>
+            </a:prstGeom>
+            <a:solidFill>
+              <a:schemeClr val="accent4">
+                <a:lumMod val="50000"/>
+              </a:schemeClr>
+            </a:solidFill>
+            <a:ln>
+              <a:noFill/>
+            </a:ln>
+          </p:spPr>
+          <p:style>
+            <a:lnRef idx="2">
+              <a:schemeClr val="accent1">
+                <a:shade val="50000"/>
+              </a:schemeClr>
+            </a:lnRef>
+            <a:fillRef idx="1">
+              <a:schemeClr val="accent1"/>
+            </a:fillRef>
+            <a:effectRef idx="0">
+              <a:schemeClr val="accent1"/>
+            </a:effectRef>
+            <a:fontRef idx="minor">
+              <a:schemeClr val="lt1"/>
+            </a:fontRef>
+          </p:style>
+          <p:txBody>
+            <a:bodyPr rtlCol="0" anchor="ctr"/>
+            <a:lstStyle/>
+            <a:p>
+              <a:pPr algn="ctr"/>
+              <a:endParaRPr lang="zh-CN" altLang="en-US"/>
+            </a:p>
+          </p:txBody>
+        </p:sp>
+        <p:sp>
+          <p:nvSpPr>
+            <p:cNvPr id="21" name="椭圆 20">
+              <a:extLst>
+                <a:ext uri="{FF2B5EF4-FFF2-40B4-BE49-F238E27FC236}">
+                  <a16:creationId xmlns:a16="http://schemas.microsoft.com/office/drawing/2014/main" id="{C375F989-A182-406F-BE91-74FE5FB13578}"/>
+                </a:ext>
+              </a:extLst>
+            </p:cNvPr>
+            <p:cNvSpPr/>
+            <p:nvPr/>
+          </p:nvSpPr>
+          <p:spPr>
+            <a:xfrm>
+              <a:off x="7921336" y="1140691"/>
+              <a:ext cx="207818" cy="207818"/>
+            </a:xfrm>
+            <a:prstGeom prst="ellipse">
+              <a:avLst/>
+            </a:prstGeom>
+            <a:solidFill>
+              <a:schemeClr val="accent4">
+                <a:lumMod val="60000"/>
+                <a:lumOff val="40000"/>
+              </a:schemeClr>
+            </a:solidFill>
+            <a:ln>
+              <a:noFill/>
+            </a:ln>
+          </p:spPr>
+          <p:style>
+            <a:lnRef idx="2">
+              <a:schemeClr val="accent1">
+                <a:shade val="50000"/>
+              </a:schemeClr>
+            </a:lnRef>
+            <a:fillRef idx="1">
+              <a:schemeClr val="accent1"/>
+            </a:fillRef>
+            <a:effectRef idx="0">
+              <a:schemeClr val="accent1"/>
+            </a:effectRef>
+            <a:fontRef idx="minor">
+              <a:schemeClr val="lt1"/>
+            </a:fontRef>
+          </p:style>
+          <p:txBody>
+            <a:bodyPr rtlCol="0" anchor="ctr"/>
+            <a:lstStyle/>
+            <a:p>
+              <a:pPr algn="ctr"/>
+              <a:endParaRPr lang="zh-CN" altLang="en-US"/>
+            </a:p>
+          </p:txBody>
+        </p:sp>
+        <p:sp>
+          <p:nvSpPr>
+            <p:cNvPr id="22" name="椭圆 21">
+              <a:extLst>
+                <a:ext uri="{FF2B5EF4-FFF2-40B4-BE49-F238E27FC236}">
+                  <a16:creationId xmlns:a16="http://schemas.microsoft.com/office/drawing/2014/main" id="{44A99C7E-FBC8-47BD-AC5F-50AFA000FA78}"/>
+                </a:ext>
+              </a:extLst>
+            </p:cNvPr>
+            <p:cNvSpPr/>
+            <p:nvPr/>
+          </p:nvSpPr>
+          <p:spPr>
+            <a:xfrm>
+              <a:off x="8025245" y="2212109"/>
+              <a:ext cx="207818" cy="207818"/>
+            </a:xfrm>
+            <a:prstGeom prst="ellipse">
+              <a:avLst/>
+            </a:prstGeom>
+            <a:solidFill>
+              <a:schemeClr val="accent4">
+                <a:lumMod val="60000"/>
+                <a:lumOff val="40000"/>
+              </a:schemeClr>
+            </a:solidFill>
+            <a:ln>
+              <a:noFill/>
+            </a:ln>
+          </p:spPr>
+          <p:style>
+            <a:lnRef idx="2">
+              <a:schemeClr val="accent1">
+                <a:shade val="50000"/>
+              </a:schemeClr>
+            </a:lnRef>
+            <a:fillRef idx="1">
+              <a:schemeClr val="accent1"/>
+            </a:fillRef>
+            <a:effectRef idx="0">
+              <a:schemeClr val="accent1"/>
+            </a:effectRef>
+            <a:fontRef idx="minor">
+              <a:schemeClr val="lt1"/>
+            </a:fontRef>
+          </p:style>
+          <p:txBody>
+            <a:bodyPr rtlCol="0" anchor="ctr"/>
+            <a:lstStyle/>
+            <a:p>
+              <a:pPr algn="ctr"/>
+              <a:endParaRPr lang="zh-CN" altLang="en-US"/>
+            </a:p>
+          </p:txBody>
+        </p:sp>
+        <p:sp>
+          <p:nvSpPr>
+            <p:cNvPr id="23" name="椭圆 22">
+              <a:extLst>
+                <a:ext uri="{FF2B5EF4-FFF2-40B4-BE49-F238E27FC236}">
+                  <a16:creationId xmlns:a16="http://schemas.microsoft.com/office/drawing/2014/main" id="{39B4C838-1E20-413A-8E7B-C56B0BD5EB7A}"/>
+                </a:ext>
+              </a:extLst>
+            </p:cNvPr>
+            <p:cNvSpPr/>
+            <p:nvPr/>
+          </p:nvSpPr>
+          <p:spPr>
+            <a:xfrm>
+              <a:off x="7198590" y="2636982"/>
+              <a:ext cx="207818" cy="207818"/>
+            </a:xfrm>
+            <a:prstGeom prst="ellipse">
+              <a:avLst/>
+            </a:prstGeom>
+            <a:solidFill>
+              <a:schemeClr val="accent4">
+                <a:lumMod val="60000"/>
+                <a:lumOff val="40000"/>
+              </a:schemeClr>
+            </a:solidFill>
+            <a:ln>
+              <a:noFill/>
+            </a:ln>
+          </p:spPr>
+          <p:style>
+            <a:lnRef idx="2">
+              <a:schemeClr val="accent1">
+                <a:shade val="50000"/>
+              </a:schemeClr>
+            </a:lnRef>
+            <a:fillRef idx="1">
+              <a:schemeClr val="accent1"/>
+            </a:fillRef>
+            <a:effectRef idx="0">
+              <a:schemeClr val="accent1"/>
+            </a:effectRef>
+            <a:fontRef idx="minor">
+              <a:schemeClr val="lt1"/>
+            </a:fontRef>
+          </p:style>
+          <p:txBody>
+            <a:bodyPr rtlCol="0" anchor="ctr"/>
+            <a:lstStyle/>
+            <a:p>
+              <a:pPr algn="ctr"/>
+              <a:endParaRPr lang="zh-CN" altLang="en-US"/>
+            </a:p>
+          </p:txBody>
+        </p:sp>
+        <p:sp>
+          <p:nvSpPr>
+            <p:cNvPr id="24" name="椭圆 23">
+              <a:extLst>
+                <a:ext uri="{FF2B5EF4-FFF2-40B4-BE49-F238E27FC236}">
+                  <a16:creationId xmlns:a16="http://schemas.microsoft.com/office/drawing/2014/main" id="{1343F6CE-D2D2-4FC8-9C12-C7AE90A3C3EA}"/>
+                </a:ext>
+              </a:extLst>
+            </p:cNvPr>
+            <p:cNvSpPr/>
+            <p:nvPr/>
+          </p:nvSpPr>
+          <p:spPr>
+            <a:xfrm>
+              <a:off x="8482445" y="2941782"/>
+              <a:ext cx="207818" cy="207818"/>
+            </a:xfrm>
+            <a:prstGeom prst="ellipse">
+              <a:avLst/>
+            </a:prstGeom>
+            <a:solidFill>
+              <a:schemeClr val="accent4">
+                <a:lumMod val="60000"/>
+                <a:lumOff val="40000"/>
+              </a:schemeClr>
+            </a:solidFill>
+            <a:ln>
+              <a:noFill/>
+            </a:ln>
+          </p:spPr>
+          <p:style>
+            <a:lnRef idx="2">
+              <a:schemeClr val="accent1">
+                <a:shade val="50000"/>
+              </a:schemeClr>
+            </a:lnRef>
+            <a:fillRef idx="1">
+              <a:schemeClr val="accent1"/>
+            </a:fillRef>
+            <a:effectRef idx="0">
+              <a:schemeClr val="accent1"/>
+            </a:effectRef>
+            <a:fontRef idx="minor">
+              <a:schemeClr val="lt1"/>
+            </a:fontRef>
+          </p:style>
+          <p:txBody>
+            <a:bodyPr rtlCol="0" anchor="ctr"/>
+            <a:lstStyle/>
+            <a:p>
+              <a:pPr algn="ctr"/>
+              <a:endParaRPr lang="zh-CN" altLang="en-US"/>
+            </a:p>
+          </p:txBody>
+        </p:sp>
+        <p:sp>
+          <p:nvSpPr>
+            <p:cNvPr id="25" name="椭圆 24">
+              <a:extLst>
+                <a:ext uri="{FF2B5EF4-FFF2-40B4-BE49-F238E27FC236}">
+                  <a16:creationId xmlns:a16="http://schemas.microsoft.com/office/drawing/2014/main" id="{9980B84F-85CB-4405-9A9E-B179425A5C9E}"/>
+                </a:ext>
+              </a:extLst>
+            </p:cNvPr>
+            <p:cNvSpPr/>
+            <p:nvPr/>
+          </p:nvSpPr>
+          <p:spPr>
+            <a:xfrm>
+              <a:off x="8916554" y="1791855"/>
+              <a:ext cx="207818" cy="207818"/>
+            </a:xfrm>
+            <a:prstGeom prst="ellipse">
+              <a:avLst/>
+            </a:prstGeom>
+            <a:solidFill>
+              <a:schemeClr val="accent4">
+                <a:lumMod val="60000"/>
+                <a:lumOff val="40000"/>
+              </a:schemeClr>
+            </a:solidFill>
+            <a:ln>
+              <a:noFill/>
+            </a:ln>
+          </p:spPr>
+          <p:style>
+            <a:lnRef idx="2">
+              <a:schemeClr val="accent1">
+                <a:shade val="50000"/>
+              </a:schemeClr>
+            </a:lnRef>
+            <a:fillRef idx="1">
+              <a:schemeClr val="accent1"/>
+            </a:fillRef>
+            <a:effectRef idx="0">
+              <a:schemeClr val="accent1"/>
+            </a:effectRef>
+            <a:fontRef idx="minor">
+              <a:schemeClr val="lt1"/>
+            </a:fontRef>
+          </p:style>
+          <p:txBody>
+            <a:bodyPr rtlCol="0" anchor="ctr"/>
+            <a:lstStyle/>
+            <a:p>
+              <a:pPr algn="ctr"/>
+              <a:endParaRPr lang="zh-CN" altLang="en-US"/>
+            </a:p>
+          </p:txBody>
+        </p:sp>
+        <p:sp>
+          <p:nvSpPr>
+            <p:cNvPr id="26" name="椭圆 25">
+              <a:extLst>
+                <a:ext uri="{FF2B5EF4-FFF2-40B4-BE49-F238E27FC236}">
+                  <a16:creationId xmlns:a16="http://schemas.microsoft.com/office/drawing/2014/main" id="{407C87E4-947E-4501-BAE5-5D65EC28DB0D}"/>
+                </a:ext>
+              </a:extLst>
+            </p:cNvPr>
+            <p:cNvSpPr/>
+            <p:nvPr/>
+          </p:nvSpPr>
+          <p:spPr>
+            <a:xfrm>
+              <a:off x="6496627" y="2212109"/>
+              <a:ext cx="207818" cy="207818"/>
+            </a:xfrm>
+            <a:prstGeom prst="ellipse">
+              <a:avLst/>
+            </a:prstGeom>
+            <a:solidFill>
+              <a:schemeClr val="accent4">
+                <a:lumMod val="60000"/>
+                <a:lumOff val="40000"/>
+              </a:schemeClr>
+            </a:solidFill>
+            <a:ln>
+              <a:noFill/>
+            </a:ln>
+          </p:spPr>
+          <p:style>
+            <a:lnRef idx="2">
+              <a:schemeClr val="accent1">
+                <a:shade val="50000"/>
+              </a:schemeClr>
+            </a:lnRef>
+            <a:fillRef idx="1">
+              <a:schemeClr val="accent1"/>
+            </a:fillRef>
+            <a:effectRef idx="0">
+              <a:schemeClr val="accent1"/>
+            </a:effectRef>
+            <a:fontRef idx="minor">
+              <a:schemeClr val="lt1"/>
+            </a:fontRef>
+          </p:style>
+          <p:txBody>
+            <a:bodyPr rtlCol="0" anchor="ctr"/>
+            <a:lstStyle/>
+            <a:p>
+              <a:pPr algn="ctr"/>
+              <a:endParaRPr lang="zh-CN" altLang="en-US"/>
+            </a:p>
+          </p:txBody>
+        </p:sp>
+        <p:sp>
+          <p:nvSpPr>
+            <p:cNvPr id="27" name="矩形 26">
+              <a:extLst>
+                <a:ext uri="{FF2B5EF4-FFF2-40B4-BE49-F238E27FC236}">
+                  <a16:creationId xmlns:a16="http://schemas.microsoft.com/office/drawing/2014/main" id="{9153B460-EE02-4E1B-A845-1754BE5D66B7}"/>
+                </a:ext>
+              </a:extLst>
+            </p:cNvPr>
+            <p:cNvSpPr/>
+            <p:nvPr/>
+          </p:nvSpPr>
+          <p:spPr>
+            <a:xfrm>
+              <a:off x="6096000" y="749300"/>
+              <a:ext cx="3454400" cy="2679700"/>
+            </a:xfrm>
+            <a:prstGeom prst="rect">
+              <a:avLst/>
+            </a:prstGeom>
+            <a:noFill/>
+            <a:ln>
+              <a:solidFill>
+                <a:schemeClr val="bg2">
+                  <a:lumMod val="75000"/>
+                </a:schemeClr>
+              </a:solidFill>
+              <a:prstDash val="dash"/>
+            </a:ln>
+          </p:spPr>
+          <p:style>
+            <a:lnRef idx="2">
+              <a:schemeClr val="accent1">
+                <a:shade val="50000"/>
+              </a:schemeClr>
+            </a:lnRef>
+            <a:fillRef idx="1">
+              <a:schemeClr val="accent1"/>
+            </a:fillRef>
+            <a:effectRef idx="0">
+              <a:schemeClr val="accent1"/>
+            </a:effectRef>
+            <a:fontRef idx="minor">
+              <a:schemeClr val="lt1"/>
+            </a:fontRef>
+          </p:style>
+          <p:txBody>
+            <a:bodyPr rtlCol="0" anchor="ctr"/>
+            <a:lstStyle/>
+            <a:p>
+              <a:pPr algn="ctr"/>
+              <a:endParaRPr lang="zh-CN" altLang="en-US"/>
+            </a:p>
+          </p:txBody>
+        </p:sp>
+        <p:sp>
+          <p:nvSpPr>
+            <p:cNvPr id="29" name="椭圆 28">
+              <a:extLst>
+                <a:ext uri="{FF2B5EF4-FFF2-40B4-BE49-F238E27FC236}">
+                  <a16:creationId xmlns:a16="http://schemas.microsoft.com/office/drawing/2014/main" id="{7C7E1AF7-AB92-43D2-B204-9FB564629F25}"/>
+                </a:ext>
+              </a:extLst>
+            </p:cNvPr>
+            <p:cNvSpPr/>
+            <p:nvPr/>
+          </p:nvSpPr>
+          <p:spPr>
+            <a:xfrm>
+              <a:off x="4466936" y="1140691"/>
+              <a:ext cx="207818" cy="207818"/>
+            </a:xfrm>
+            <a:prstGeom prst="ellipse">
+              <a:avLst/>
+            </a:prstGeom>
+            <a:solidFill>
+              <a:schemeClr val="accent4">
+                <a:lumMod val="60000"/>
+                <a:lumOff val="40000"/>
+              </a:schemeClr>
+            </a:solidFill>
+            <a:ln>
+              <a:noFill/>
+            </a:ln>
+          </p:spPr>
+          <p:style>
+            <a:lnRef idx="2">
+              <a:schemeClr val="accent1">
+                <a:shade val="50000"/>
+              </a:schemeClr>
+            </a:lnRef>
+            <a:fillRef idx="1">
+              <a:schemeClr val="accent1"/>
+            </a:fillRef>
+            <a:effectRef idx="0">
+              <a:schemeClr val="accent1"/>
+            </a:effectRef>
+            <a:fontRef idx="minor">
+              <a:schemeClr val="lt1"/>
+            </a:fontRef>
+          </p:style>
+          <p:txBody>
+            <a:bodyPr rtlCol="0" anchor="ctr"/>
+            <a:lstStyle/>
+            <a:p>
+              <a:pPr algn="ctr"/>
+              <a:endParaRPr lang="zh-CN" altLang="en-US"/>
+            </a:p>
+          </p:txBody>
+        </p:sp>
+        <p:sp>
+          <p:nvSpPr>
+            <p:cNvPr id="30" name="椭圆 29">
+              <a:extLst>
+                <a:ext uri="{FF2B5EF4-FFF2-40B4-BE49-F238E27FC236}">
+                  <a16:creationId xmlns:a16="http://schemas.microsoft.com/office/drawing/2014/main" id="{2CC91C6F-2CCD-4768-9EB8-C093C1E63679}"/>
+                </a:ext>
+              </a:extLst>
+            </p:cNvPr>
+            <p:cNvSpPr/>
+            <p:nvPr/>
+          </p:nvSpPr>
+          <p:spPr>
+            <a:xfrm>
+              <a:off x="4570845" y="2212109"/>
+              <a:ext cx="207818" cy="207818"/>
+            </a:xfrm>
+            <a:prstGeom prst="ellipse">
+              <a:avLst/>
+            </a:prstGeom>
+            <a:solidFill>
+              <a:schemeClr val="accent4">
+                <a:lumMod val="60000"/>
+                <a:lumOff val="40000"/>
+              </a:schemeClr>
+            </a:solidFill>
+            <a:ln>
+              <a:noFill/>
+            </a:ln>
+          </p:spPr>
+          <p:style>
+            <a:lnRef idx="2">
+              <a:schemeClr val="accent1">
+                <a:shade val="50000"/>
+              </a:schemeClr>
+            </a:lnRef>
+            <a:fillRef idx="1">
+              <a:schemeClr val="accent1"/>
+            </a:fillRef>
+            <a:effectRef idx="0">
+              <a:schemeClr val="accent1"/>
+            </a:effectRef>
+            <a:fontRef idx="minor">
+              <a:schemeClr val="lt1"/>
+            </a:fontRef>
+          </p:style>
+          <p:txBody>
+            <a:bodyPr rtlCol="0" anchor="ctr"/>
+            <a:lstStyle/>
+            <a:p>
+              <a:pPr algn="ctr"/>
+              <a:endParaRPr lang="zh-CN" altLang="en-US"/>
+            </a:p>
+          </p:txBody>
+        </p:sp>
+        <p:sp>
+          <p:nvSpPr>
+            <p:cNvPr id="31" name="椭圆 30">
+              <a:extLst>
+                <a:ext uri="{FF2B5EF4-FFF2-40B4-BE49-F238E27FC236}">
+                  <a16:creationId xmlns:a16="http://schemas.microsoft.com/office/drawing/2014/main" id="{DB4F175F-7279-4C81-8452-DA9A7ED23FBB}"/>
+                </a:ext>
+              </a:extLst>
+            </p:cNvPr>
+            <p:cNvSpPr/>
+            <p:nvPr/>
+          </p:nvSpPr>
+          <p:spPr>
+            <a:xfrm>
+              <a:off x="3744190" y="2636982"/>
+              <a:ext cx="207818" cy="207818"/>
+            </a:xfrm>
+            <a:prstGeom prst="ellipse">
+              <a:avLst/>
+            </a:prstGeom>
+            <a:solidFill>
+              <a:schemeClr val="accent4">
+                <a:lumMod val="60000"/>
+                <a:lumOff val="40000"/>
+              </a:schemeClr>
+            </a:solidFill>
+            <a:ln>
+              <a:noFill/>
+            </a:ln>
+          </p:spPr>
+          <p:style>
+            <a:lnRef idx="2">
+              <a:schemeClr val="accent1">
+                <a:shade val="50000"/>
+              </a:schemeClr>
+            </a:lnRef>
+            <a:fillRef idx="1">
+              <a:schemeClr val="accent1"/>
+            </a:fillRef>
+            <a:effectRef idx="0">
+              <a:schemeClr val="accent1"/>
+            </a:effectRef>
+            <a:fontRef idx="minor">
+              <a:schemeClr val="lt1"/>
+            </a:fontRef>
+          </p:style>
+          <p:txBody>
+            <a:bodyPr rtlCol="0" anchor="ctr"/>
+            <a:lstStyle/>
+            <a:p>
+              <a:pPr algn="ctr"/>
+              <a:endParaRPr lang="zh-CN" altLang="en-US"/>
+            </a:p>
+          </p:txBody>
+        </p:sp>
+        <p:sp>
+          <p:nvSpPr>
+            <p:cNvPr id="32" name="椭圆 31">
+              <a:extLst>
+                <a:ext uri="{FF2B5EF4-FFF2-40B4-BE49-F238E27FC236}">
+                  <a16:creationId xmlns:a16="http://schemas.microsoft.com/office/drawing/2014/main" id="{94701B27-9A33-459D-B425-8204621CFFE1}"/>
+                </a:ext>
+              </a:extLst>
+            </p:cNvPr>
+            <p:cNvSpPr/>
+            <p:nvPr/>
+          </p:nvSpPr>
+          <p:spPr>
+            <a:xfrm>
+              <a:off x="5028045" y="2941782"/>
+              <a:ext cx="207818" cy="207818"/>
+            </a:xfrm>
+            <a:prstGeom prst="ellipse">
+              <a:avLst/>
+            </a:prstGeom>
+            <a:solidFill>
+              <a:schemeClr val="accent4">
+                <a:lumMod val="60000"/>
+                <a:lumOff val="40000"/>
+              </a:schemeClr>
+            </a:solidFill>
+            <a:ln>
+              <a:noFill/>
+            </a:ln>
+          </p:spPr>
+          <p:style>
+            <a:lnRef idx="2">
+              <a:schemeClr val="accent1">
+                <a:shade val="50000"/>
+              </a:schemeClr>
+            </a:lnRef>
+            <a:fillRef idx="1">
+              <a:schemeClr val="accent1"/>
+            </a:fillRef>
+            <a:effectRef idx="0">
+              <a:schemeClr val="accent1"/>
+            </a:effectRef>
+            <a:fontRef idx="minor">
+              <a:schemeClr val="lt1"/>
+            </a:fontRef>
+          </p:style>
+          <p:txBody>
+            <a:bodyPr rtlCol="0" anchor="ctr"/>
+            <a:lstStyle/>
+            <a:p>
+              <a:pPr algn="ctr"/>
+              <a:endParaRPr lang="zh-CN" altLang="en-US"/>
+            </a:p>
+          </p:txBody>
+        </p:sp>
+        <p:sp>
+          <p:nvSpPr>
+            <p:cNvPr id="33" name="椭圆 32">
+              <a:extLst>
+                <a:ext uri="{FF2B5EF4-FFF2-40B4-BE49-F238E27FC236}">
+                  <a16:creationId xmlns:a16="http://schemas.microsoft.com/office/drawing/2014/main" id="{396F9EEA-7542-4ACE-ABD8-2217165710BD}"/>
+                </a:ext>
+              </a:extLst>
+            </p:cNvPr>
+            <p:cNvSpPr/>
+            <p:nvPr/>
+          </p:nvSpPr>
+          <p:spPr>
+            <a:xfrm>
+              <a:off x="5462154" y="1791855"/>
+              <a:ext cx="207818" cy="207818"/>
+            </a:xfrm>
+            <a:prstGeom prst="ellipse">
+              <a:avLst/>
+            </a:prstGeom>
+            <a:solidFill>
+              <a:schemeClr val="accent4">
+                <a:lumMod val="60000"/>
+                <a:lumOff val="40000"/>
+              </a:schemeClr>
+            </a:solidFill>
+            <a:ln>
+              <a:noFill/>
+            </a:ln>
+          </p:spPr>
+          <p:style>
+            <a:lnRef idx="2">
+              <a:schemeClr val="accent1">
+                <a:shade val="50000"/>
+              </a:schemeClr>
+            </a:lnRef>
+            <a:fillRef idx="1">
+              <a:schemeClr val="accent1"/>
+            </a:fillRef>
+            <a:effectRef idx="0">
+              <a:schemeClr val="accent1"/>
+            </a:effectRef>
+            <a:fontRef idx="minor">
+              <a:schemeClr val="lt1"/>
+            </a:fontRef>
+          </p:style>
+          <p:txBody>
+            <a:bodyPr rtlCol="0" anchor="ctr"/>
+            <a:lstStyle/>
+            <a:p>
+              <a:pPr algn="ctr"/>
+              <a:endParaRPr lang="zh-CN" altLang="en-US"/>
+            </a:p>
+          </p:txBody>
+        </p:sp>
+        <p:sp>
+          <p:nvSpPr>
+            <p:cNvPr id="34" name="椭圆 33">
+              <a:extLst>
+                <a:ext uri="{FF2B5EF4-FFF2-40B4-BE49-F238E27FC236}">
+                  <a16:creationId xmlns:a16="http://schemas.microsoft.com/office/drawing/2014/main" id="{EB06BC0A-B9BB-4090-9AD0-55AFDDD185D0}"/>
+                </a:ext>
+              </a:extLst>
+            </p:cNvPr>
+            <p:cNvSpPr/>
+            <p:nvPr/>
+          </p:nvSpPr>
+          <p:spPr>
+            <a:xfrm>
+              <a:off x="3042227" y="2212109"/>
+              <a:ext cx="207818" cy="207818"/>
+            </a:xfrm>
+            <a:prstGeom prst="ellipse">
+              <a:avLst/>
+            </a:prstGeom>
+            <a:solidFill>
+              <a:schemeClr val="accent4">
+                <a:lumMod val="60000"/>
+                <a:lumOff val="40000"/>
+              </a:schemeClr>
+            </a:solidFill>
+            <a:ln>
+              <a:noFill/>
+            </a:ln>
+          </p:spPr>
+          <p:style>
+            <a:lnRef idx="2">
+              <a:schemeClr val="accent1">
+                <a:shade val="50000"/>
+              </a:schemeClr>
+            </a:lnRef>
+            <a:fillRef idx="1">
+              <a:schemeClr val="accent1"/>
+            </a:fillRef>
+            <a:effectRef idx="0">
+              <a:schemeClr val="accent1"/>
+            </a:effectRef>
+            <a:fontRef idx="minor">
+              <a:schemeClr val="lt1"/>
+            </a:fontRef>
+          </p:style>
+          <p:txBody>
+            <a:bodyPr rtlCol="0" anchor="ctr"/>
+            <a:lstStyle/>
+            <a:p>
+              <a:pPr algn="ctr"/>
+              <a:endParaRPr lang="zh-CN" altLang="en-US"/>
+            </a:p>
+          </p:txBody>
+        </p:sp>
+        <p:sp>
+          <p:nvSpPr>
+            <p:cNvPr id="35" name="矩形 34">
+              <a:extLst>
+                <a:ext uri="{FF2B5EF4-FFF2-40B4-BE49-F238E27FC236}">
+                  <a16:creationId xmlns:a16="http://schemas.microsoft.com/office/drawing/2014/main" id="{2930A7B8-0D53-46FE-A960-E53053C3E230}"/>
+                </a:ext>
+              </a:extLst>
+            </p:cNvPr>
+            <p:cNvSpPr/>
+            <p:nvPr/>
+          </p:nvSpPr>
+          <p:spPr>
+            <a:xfrm>
+              <a:off x="2641600" y="749300"/>
+              <a:ext cx="3454400" cy="2679700"/>
+            </a:xfrm>
+            <a:prstGeom prst="rect">
+              <a:avLst/>
+            </a:prstGeom>
+            <a:noFill/>
+            <a:ln>
+              <a:solidFill>
+                <a:schemeClr val="bg2">
+                  <a:lumMod val="75000"/>
+                </a:schemeClr>
+              </a:solidFill>
+              <a:prstDash val="dash"/>
+            </a:ln>
+          </p:spPr>
+          <p:style>
+            <a:lnRef idx="2">
+              <a:schemeClr val="accent1">
+                <a:shade val="50000"/>
+              </a:schemeClr>
+            </a:lnRef>
+            <a:fillRef idx="1">
+              <a:schemeClr val="accent1"/>
+            </a:fillRef>
+            <a:effectRef idx="0">
+              <a:schemeClr val="accent1"/>
+            </a:effectRef>
+            <a:fontRef idx="minor">
+              <a:schemeClr val="lt1"/>
+            </a:fontRef>
+          </p:style>
+          <p:txBody>
+            <a:bodyPr rtlCol="0" anchor="ctr"/>
+            <a:lstStyle/>
+            <a:p>
+              <a:pPr algn="ctr"/>
+              <a:endParaRPr lang="zh-CN" altLang="en-US"/>
+            </a:p>
+          </p:txBody>
+        </p:sp>
+        <p:sp>
+          <p:nvSpPr>
+            <p:cNvPr id="36" name="椭圆 35">
+              <a:extLst>
+                <a:ext uri="{FF2B5EF4-FFF2-40B4-BE49-F238E27FC236}">
+                  <a16:creationId xmlns:a16="http://schemas.microsoft.com/office/drawing/2014/main" id="{9EFAF1BB-61E1-4FE3-9662-23E11AC1EA45}"/>
+                </a:ext>
+              </a:extLst>
+            </p:cNvPr>
+            <p:cNvSpPr/>
+            <p:nvPr/>
+          </p:nvSpPr>
+          <p:spPr>
+            <a:xfrm>
+              <a:off x="2950152" y="3643746"/>
+              <a:ext cx="207818" cy="207818"/>
+            </a:xfrm>
+            <a:prstGeom prst="ellipse">
+              <a:avLst/>
+            </a:prstGeom>
+            <a:solidFill>
+              <a:schemeClr val="accent4">
+                <a:lumMod val="50000"/>
+              </a:schemeClr>
+            </a:solidFill>
+            <a:ln>
+              <a:noFill/>
+            </a:ln>
+          </p:spPr>
+          <p:style>
+            <a:lnRef idx="2">
+              <a:schemeClr val="accent1">
+                <a:shade val="50000"/>
+              </a:schemeClr>
+            </a:lnRef>
+            <a:fillRef idx="1">
+              <a:schemeClr val="accent1"/>
+            </a:fillRef>
+            <a:effectRef idx="0">
+              <a:schemeClr val="accent1"/>
+            </a:effectRef>
+            <a:fontRef idx="minor">
+              <a:schemeClr val="lt1"/>
+            </a:fontRef>
+          </p:style>
+          <p:txBody>
+            <a:bodyPr rtlCol="0" anchor="ctr"/>
+            <a:lstStyle/>
+            <a:p>
+              <a:pPr algn="ctr"/>
+              <a:endParaRPr lang="zh-CN" altLang="en-US"/>
+            </a:p>
+          </p:txBody>
+        </p:sp>
+        <p:sp>
+          <p:nvSpPr>
+            <p:cNvPr id="37" name="椭圆 36">
+              <a:extLst>
+                <a:ext uri="{FF2B5EF4-FFF2-40B4-BE49-F238E27FC236}">
+                  <a16:creationId xmlns:a16="http://schemas.microsoft.com/office/drawing/2014/main" id="{D6A02809-830C-451B-9D51-F169A8158CBA}"/>
+                </a:ext>
+              </a:extLst>
+            </p:cNvPr>
+            <p:cNvSpPr/>
+            <p:nvPr/>
+          </p:nvSpPr>
+          <p:spPr>
+            <a:xfrm>
+              <a:off x="2944955" y="995218"/>
+              <a:ext cx="207818" cy="207818"/>
+            </a:xfrm>
+            <a:prstGeom prst="ellipse">
+              <a:avLst/>
+            </a:prstGeom>
+            <a:solidFill>
+              <a:schemeClr val="accent4">
+                <a:lumMod val="50000"/>
+              </a:schemeClr>
+            </a:solidFill>
+            <a:ln>
+              <a:noFill/>
+            </a:ln>
+          </p:spPr>
+          <p:style>
+            <a:lnRef idx="2">
+              <a:schemeClr val="accent1">
+                <a:shade val="50000"/>
+              </a:schemeClr>
+            </a:lnRef>
+            <a:fillRef idx="1">
+              <a:schemeClr val="accent1"/>
+            </a:fillRef>
+            <a:effectRef idx="0">
+              <a:schemeClr val="accent1"/>
+            </a:effectRef>
+            <a:fontRef idx="minor">
+              <a:schemeClr val="lt1"/>
+            </a:fontRef>
+          </p:style>
+          <p:txBody>
+            <a:bodyPr rtlCol="0" anchor="ctr"/>
+            <a:lstStyle/>
+            <a:p>
+              <a:pPr algn="ctr"/>
+              <a:endParaRPr lang="zh-CN" altLang="en-US"/>
+            </a:p>
+          </p:txBody>
+        </p:sp>
+        <p:cxnSp>
+          <p:nvCxnSpPr>
+            <p:cNvPr id="39" name="直接连接符 38">
+              <a:extLst>
+                <a:ext uri="{FF2B5EF4-FFF2-40B4-BE49-F238E27FC236}">
+                  <a16:creationId xmlns:a16="http://schemas.microsoft.com/office/drawing/2014/main" id="{2FEC506A-1001-45E7-A98D-4A26D9C96F17}"/>
+                </a:ext>
+              </a:extLst>
+            </p:cNvPr>
+            <p:cNvCxnSpPr>
+              <a:cxnSpLocks/>
+            </p:cNvCxnSpPr>
+            <p:nvPr/>
+          </p:nvCxnSpPr>
+          <p:spPr>
+            <a:xfrm>
+              <a:off x="6704445" y="3755737"/>
+              <a:ext cx="1118755" cy="135545"/>
+            </a:xfrm>
+            <a:prstGeom prst="line">
+              <a:avLst/>
+            </a:prstGeom>
+            <a:ln w="28575">
+              <a:solidFill>
+                <a:srgbClr val="FF0000"/>
+              </a:solidFill>
+            </a:ln>
+          </p:spPr>
+          <p:style>
+            <a:lnRef idx="1">
+              <a:schemeClr val="accent1"/>
+            </a:lnRef>
+            <a:fillRef idx="0">
+              <a:schemeClr val="accent1"/>
+            </a:fillRef>
+            <a:effectRef idx="0">
+              <a:schemeClr val="accent1"/>
+            </a:effectRef>
+            <a:fontRef idx="minor">
+              <a:schemeClr val="tx1"/>
+            </a:fontRef>
+          </p:style>
+        </p:cxnSp>
+        <p:cxnSp>
+          <p:nvCxnSpPr>
+            <p:cNvPr id="42" name="直接箭头连接符 41">
+              <a:extLst>
+                <a:ext uri="{FF2B5EF4-FFF2-40B4-BE49-F238E27FC236}">
+                  <a16:creationId xmlns:a16="http://schemas.microsoft.com/office/drawing/2014/main" id="{A703E9C3-8D57-49C8-9699-8002B2A9D3B6}"/>
+                </a:ext>
+              </a:extLst>
+            </p:cNvPr>
+            <p:cNvCxnSpPr/>
+            <p:nvPr/>
+          </p:nvCxnSpPr>
+          <p:spPr>
+            <a:xfrm flipV="1">
+              <a:off x="6616988" y="2883477"/>
+              <a:ext cx="1146464" cy="798946"/>
+            </a:xfrm>
+            <a:prstGeom prst="straightConnector1">
+              <a:avLst/>
+            </a:prstGeom>
+            <a:ln>
+              <a:solidFill>
+                <a:srgbClr val="00B0F0"/>
+              </a:solidFill>
+              <a:headEnd type="stealth"/>
+              <a:tailEnd type="stealth"/>
+            </a:ln>
+          </p:spPr>
+          <p:style>
+            <a:lnRef idx="1">
+              <a:schemeClr val="accent1"/>
+            </a:lnRef>
+            <a:fillRef idx="0">
+              <a:schemeClr val="accent1"/>
+            </a:fillRef>
+            <a:effectRef idx="0">
+              <a:schemeClr val="accent1"/>
+            </a:effectRef>
+            <a:fontRef idx="minor">
+              <a:schemeClr val="tx1"/>
+            </a:fontRef>
+          </p:style>
+        </p:cxnSp>
+        <p:sp>
+          <p:nvSpPr>
+            <p:cNvPr id="43" name="文本框 42">
+              <a:extLst>
+                <a:ext uri="{FF2B5EF4-FFF2-40B4-BE49-F238E27FC236}">
+                  <a16:creationId xmlns:a16="http://schemas.microsoft.com/office/drawing/2014/main" id="{6B77D7F6-B446-48F4-96C0-BE4B04C7B281}"/>
+                </a:ext>
+              </a:extLst>
+            </p:cNvPr>
+            <p:cNvSpPr txBox="1"/>
+            <p:nvPr/>
+          </p:nvSpPr>
+          <p:spPr>
+            <a:xfrm>
+              <a:off x="7160122" y="3179612"/>
+              <a:ext cx="494145" cy="369332"/>
+            </a:xfrm>
+            <a:prstGeom prst="rect">
+              <a:avLst/>
+            </a:prstGeom>
+            <a:noFill/>
+          </p:spPr>
+          <p:txBody>
+            <a:bodyPr wrap="square" rtlCol="0">
+              <a:spAutoFit/>
+            </a:bodyPr>
+            <a:lstStyle/>
+            <a:p>
+              <a:r>
+                <a:rPr lang="en-US" altLang="zh-CN" dirty="0"/>
+                <a:t>5A</a:t>
+              </a:r>
+              <a:endParaRPr lang="zh-CN" altLang="en-US" dirty="0"/>
+            </a:p>
+          </p:txBody>
+        </p:sp>
+        <p:cxnSp>
+          <p:nvCxnSpPr>
+            <p:cNvPr id="47" name="直接连接符 46">
+              <a:extLst>
+                <a:ext uri="{FF2B5EF4-FFF2-40B4-BE49-F238E27FC236}">
+                  <a16:creationId xmlns:a16="http://schemas.microsoft.com/office/drawing/2014/main" id="{3E5C2BA6-8ED9-4E4F-B281-0A46D497A244}"/>
+                </a:ext>
+              </a:extLst>
+            </p:cNvPr>
+            <p:cNvCxnSpPr>
+              <a:cxnSpLocks/>
+            </p:cNvCxnSpPr>
+            <p:nvPr/>
+          </p:nvCxnSpPr>
+          <p:spPr>
+            <a:xfrm>
+              <a:off x="6522606" y="3924300"/>
+              <a:ext cx="40988" cy="864523"/>
+            </a:xfrm>
+            <a:prstGeom prst="line">
+              <a:avLst/>
+            </a:prstGeom>
+            <a:ln w="28575">
+              <a:solidFill>
+                <a:srgbClr val="FF0000"/>
+              </a:solidFill>
+            </a:ln>
+          </p:spPr>
+          <p:style>
+            <a:lnRef idx="1">
+              <a:schemeClr val="accent1"/>
+            </a:lnRef>
+            <a:fillRef idx="0">
+              <a:schemeClr val="accent1"/>
+            </a:fillRef>
+            <a:effectRef idx="0">
+              <a:schemeClr val="accent1"/>
+            </a:effectRef>
+            <a:fontRef idx="minor">
+              <a:schemeClr val="tx1"/>
+            </a:fontRef>
+          </p:style>
+        </p:cxnSp>
+        <p:cxnSp>
+          <p:nvCxnSpPr>
+            <p:cNvPr id="53" name="直接连接符 52">
+              <a:extLst>
+                <a:ext uri="{FF2B5EF4-FFF2-40B4-BE49-F238E27FC236}">
+                  <a16:creationId xmlns:a16="http://schemas.microsoft.com/office/drawing/2014/main" id="{EB48A05B-5181-487B-8A58-BAF6E8F5BE00}"/>
+                </a:ext>
+              </a:extLst>
+            </p:cNvPr>
+            <p:cNvCxnSpPr>
+              <a:cxnSpLocks/>
+            </p:cNvCxnSpPr>
+            <p:nvPr/>
+          </p:nvCxnSpPr>
+          <p:spPr>
+            <a:xfrm flipV="1">
+              <a:off x="6553776" y="2860128"/>
+              <a:ext cx="634712" cy="712096"/>
+            </a:xfrm>
+            <a:prstGeom prst="line">
+              <a:avLst/>
+            </a:prstGeom>
+            <a:ln w="28575">
+              <a:solidFill>
+                <a:srgbClr val="FF0000"/>
+              </a:solidFill>
+            </a:ln>
+          </p:spPr>
+          <p:style>
+            <a:lnRef idx="1">
+              <a:schemeClr val="accent1"/>
+            </a:lnRef>
+            <a:fillRef idx="0">
+              <a:schemeClr val="accent1"/>
+            </a:fillRef>
+            <a:effectRef idx="0">
+              <a:schemeClr val="accent1"/>
+            </a:effectRef>
+            <a:fontRef idx="minor">
+              <a:schemeClr val="tx1"/>
+            </a:fontRef>
+          </p:style>
+        </p:cxnSp>
+        <p:cxnSp>
+          <p:nvCxnSpPr>
+            <p:cNvPr id="56" name="直接连接符 55">
+              <a:extLst>
+                <a:ext uri="{FF2B5EF4-FFF2-40B4-BE49-F238E27FC236}">
+                  <a16:creationId xmlns:a16="http://schemas.microsoft.com/office/drawing/2014/main" id="{48C7CF20-3058-4D75-A28C-581CCA0FE3C3}"/>
+                </a:ext>
+              </a:extLst>
+            </p:cNvPr>
+            <p:cNvCxnSpPr>
+              <a:cxnSpLocks/>
+            </p:cNvCxnSpPr>
+            <p:nvPr/>
+          </p:nvCxnSpPr>
+          <p:spPr>
+            <a:xfrm flipV="1">
+              <a:off x="6485515" y="2502419"/>
+              <a:ext cx="78079" cy="1058198"/>
+            </a:xfrm>
+            <a:prstGeom prst="line">
+              <a:avLst/>
+            </a:prstGeom>
+            <a:ln w="28575">
+              <a:solidFill>
+                <a:srgbClr val="FF0000"/>
+              </a:solidFill>
+            </a:ln>
+          </p:spPr>
+          <p:style>
+            <a:lnRef idx="1">
+              <a:schemeClr val="accent1"/>
+            </a:lnRef>
+            <a:fillRef idx="0">
+              <a:schemeClr val="accent1"/>
+            </a:fillRef>
+            <a:effectRef idx="0">
+              <a:schemeClr val="accent1"/>
+            </a:effectRef>
+            <a:fontRef idx="minor">
+              <a:schemeClr val="tx1"/>
+            </a:fontRef>
+          </p:style>
+        </p:cxnSp>
+        <p:cxnSp>
+          <p:nvCxnSpPr>
+            <p:cNvPr id="59" name="直接连接符 58">
+              <a:extLst>
+                <a:ext uri="{FF2B5EF4-FFF2-40B4-BE49-F238E27FC236}">
+                  <a16:creationId xmlns:a16="http://schemas.microsoft.com/office/drawing/2014/main" id="{FD254817-9801-4370-B565-166338A04B49}"/>
+                </a:ext>
+              </a:extLst>
+            </p:cNvPr>
+            <p:cNvCxnSpPr>
+              <a:cxnSpLocks/>
+            </p:cNvCxnSpPr>
+            <p:nvPr/>
+          </p:nvCxnSpPr>
+          <p:spPr>
+            <a:xfrm flipH="1" flipV="1">
+              <a:off x="5273890" y="3149600"/>
+              <a:ext cx="1072574" cy="532823"/>
+            </a:xfrm>
+            <a:prstGeom prst="line">
+              <a:avLst/>
+            </a:prstGeom>
+            <a:ln w="28575">
+              <a:solidFill>
+                <a:srgbClr val="FF0000"/>
+              </a:solidFill>
+            </a:ln>
+          </p:spPr>
+          <p:style>
+            <a:lnRef idx="1">
+              <a:schemeClr val="accent1"/>
+            </a:lnRef>
+            <a:fillRef idx="0">
+              <a:schemeClr val="accent1"/>
+            </a:fillRef>
+            <a:effectRef idx="0">
+              <a:schemeClr val="accent1"/>
+            </a:effectRef>
+            <a:fontRef idx="minor">
+              <a:schemeClr val="tx1"/>
+            </a:fontRef>
+          </p:style>
+        </p:cxnSp>
+        <p:cxnSp>
+          <p:nvCxnSpPr>
+            <p:cNvPr id="62" name="直接连接符 61">
+              <a:extLst>
+                <a:ext uri="{FF2B5EF4-FFF2-40B4-BE49-F238E27FC236}">
+                  <a16:creationId xmlns:a16="http://schemas.microsoft.com/office/drawing/2014/main" id="{F2B2576A-1288-429D-A023-BCECAD7F4DD7}"/>
+                </a:ext>
+              </a:extLst>
+            </p:cNvPr>
+            <p:cNvCxnSpPr>
+              <a:cxnSpLocks/>
+            </p:cNvCxnSpPr>
+            <p:nvPr/>
+          </p:nvCxnSpPr>
+          <p:spPr>
+            <a:xfrm flipH="1">
+              <a:off x="5669395" y="3864724"/>
+              <a:ext cx="677069" cy="584839"/>
+            </a:xfrm>
+            <a:prstGeom prst="line">
+              <a:avLst/>
+            </a:prstGeom>
+            <a:ln w="28575">
+              <a:solidFill>
+                <a:srgbClr val="FF0000"/>
+              </a:solidFill>
+            </a:ln>
+          </p:spPr>
+          <p:style>
+            <a:lnRef idx="1">
+              <a:schemeClr val="accent1"/>
+            </a:lnRef>
+            <a:fillRef idx="0">
+              <a:schemeClr val="accent1"/>
+            </a:fillRef>
+            <a:effectRef idx="0">
+              <a:schemeClr val="accent1"/>
+            </a:effectRef>
+            <a:fontRef idx="minor">
+              <a:schemeClr val="tx1"/>
+            </a:fontRef>
+          </p:style>
+        </p:cxnSp>
+        <p:sp>
+          <p:nvSpPr>
+            <p:cNvPr id="40" name="椭圆 39">
+              <a:extLst>
+                <a:ext uri="{FF2B5EF4-FFF2-40B4-BE49-F238E27FC236}">
+                  <a16:creationId xmlns:a16="http://schemas.microsoft.com/office/drawing/2014/main" id="{E4D6F5FE-BAE3-42A9-91FF-03314473A259}"/>
+                </a:ext>
+              </a:extLst>
+            </p:cNvPr>
+            <p:cNvSpPr/>
+            <p:nvPr/>
+          </p:nvSpPr>
+          <p:spPr>
+            <a:xfrm>
+              <a:off x="4823114" y="2080492"/>
+              <a:ext cx="3350490" cy="3350490"/>
+            </a:xfrm>
+            <a:prstGeom prst="ellipse">
+              <a:avLst/>
+            </a:prstGeom>
+            <a:noFill/>
+            <a:ln>
+              <a:solidFill>
+                <a:srgbClr val="00B050"/>
+              </a:solidFill>
+              <a:prstDash val="lgDash"/>
+            </a:ln>
+          </p:spPr>
+          <p:style>
+            <a:lnRef idx="2">
+              <a:schemeClr val="accent1">
+                <a:shade val="50000"/>
+              </a:schemeClr>
+            </a:lnRef>
+            <a:fillRef idx="1">
+              <a:schemeClr val="accent1"/>
+            </a:fillRef>
+            <a:effectRef idx="0">
+              <a:schemeClr val="accent1"/>
+            </a:effectRef>
+            <a:fontRef idx="minor">
+              <a:schemeClr val="lt1"/>
+            </a:fontRef>
+          </p:style>
+          <p:txBody>
+            <a:bodyPr rtlCol="0" anchor="ctr"/>
+            <a:lstStyle/>
+            <a:p>
+              <a:pPr algn="ctr"/>
+              <a:endParaRPr lang="zh-CN" altLang="en-US" dirty="0"/>
+            </a:p>
+          </p:txBody>
+        </p:sp>
+      </p:grpSp>
+    </p:spTree>
+    <p:extLst>
+      <p:ext uri="{BB962C8B-B14F-4D97-AF65-F5344CB8AC3E}">
+        <p14:creationId xmlns:p14="http://schemas.microsoft.com/office/powerpoint/2010/main" val="2798748830"/>
+      </p:ext>
+    </p:extLst>
+  </p:cSld>
+  <p:clrMapOvr>
+    <a:masterClrMapping/>
+  </p:clrMapOvr>
+</p:sld>
+</file>
+
+<file path=ppt/slides/slide4.xml><?xml version="1.0" encoding="utf-8"?>
+<p:sld xmlns:a="http://schemas.openxmlformats.org/drawingml/2006/main" xmlns:r="http://schemas.openxmlformats.org/officeDocument/2006/relationships" xmlns:p="http://schemas.openxmlformats.org/presentationml/2006/main">
+  <p:cSld>
+    <p:spTree>
+      <p:nvGrpSpPr>
+        <p:cNvPr id="1" name=""/>
+        <p:cNvGrpSpPr/>
+        <p:nvPr/>
+      </p:nvGrpSpPr>
+      <p:grpSpPr>
+        <a:xfrm>
+          <a:off x="0" y="0"/>
+          <a:ext cx="0" cy="0"/>
+          <a:chOff x="0" y="0"/>
+          <a:chExt cx="0" cy="0"/>
+        </a:xfrm>
+      </p:grpSpPr>
+      <p:grpSp>
+        <p:nvGrpSpPr>
+          <p:cNvPr id="32" name="组合 31">
+            <a:extLst>
+              <a:ext uri="{FF2B5EF4-FFF2-40B4-BE49-F238E27FC236}">
+                <a16:creationId xmlns:a16="http://schemas.microsoft.com/office/drawing/2014/main" id="{4F832713-C8C5-4930-B62F-82E1A9705E46}"/>
+              </a:ext>
+            </a:extLst>
+          </p:cNvPr>
+          <p:cNvGrpSpPr/>
+          <p:nvPr/>
+        </p:nvGrpSpPr>
+        <p:grpSpPr>
+          <a:xfrm>
+            <a:off x="3370570" y="1078538"/>
+            <a:ext cx="4302990" cy="3738562"/>
+            <a:chOff x="3370570" y="1078538"/>
+            <a:chExt cx="4302990" cy="3738562"/>
+          </a:xfrm>
+        </p:grpSpPr>
+        <p:sp>
+          <p:nvSpPr>
+            <p:cNvPr id="4" name="椭圆 3">
+              <a:extLst>
+                <a:ext uri="{FF2B5EF4-FFF2-40B4-BE49-F238E27FC236}">
+                  <a16:creationId xmlns:a16="http://schemas.microsoft.com/office/drawing/2014/main" id="{0C793E20-AD9F-4AC1-8576-E1AD2B10AAD3}"/>
+                </a:ext>
+              </a:extLst>
+            </p:cNvPr>
+            <p:cNvSpPr/>
+            <p:nvPr/>
+          </p:nvSpPr>
+          <p:spPr>
+            <a:xfrm>
+              <a:off x="4943638" y="2631546"/>
+              <a:ext cx="207818" cy="207818"/>
+            </a:xfrm>
+            <a:prstGeom prst="ellipse">
+              <a:avLst/>
+            </a:prstGeom>
+            <a:solidFill>
+              <a:schemeClr val="accent4">
+                <a:lumMod val="50000"/>
+              </a:schemeClr>
+            </a:solidFill>
+            <a:ln>
+              <a:noFill/>
+            </a:ln>
+          </p:spPr>
+          <p:style>
+            <a:lnRef idx="2">
+              <a:schemeClr val="accent1">
+                <a:shade val="50000"/>
+              </a:schemeClr>
+            </a:lnRef>
+            <a:fillRef idx="1">
+              <a:schemeClr val="accent1"/>
+            </a:fillRef>
+            <a:effectRef idx="0">
+              <a:schemeClr val="accent1"/>
+            </a:effectRef>
+            <a:fontRef idx="minor">
+              <a:schemeClr val="lt1"/>
+            </a:fontRef>
+          </p:style>
+          <p:txBody>
+            <a:bodyPr rtlCol="0" anchor="ctr"/>
+            <a:lstStyle/>
+            <a:p>
+              <a:pPr algn="ctr"/>
+              <a:endParaRPr lang="zh-CN" altLang="en-US"/>
+            </a:p>
+          </p:txBody>
+        </p:sp>
+        <p:sp>
+          <p:nvSpPr>
+            <p:cNvPr id="5" name="椭圆 4">
+              <a:extLst>
+                <a:ext uri="{FF2B5EF4-FFF2-40B4-BE49-F238E27FC236}">
+                  <a16:creationId xmlns:a16="http://schemas.microsoft.com/office/drawing/2014/main" id="{6BDF857F-730C-4C0F-9C24-DB13A2395657}"/>
+                </a:ext>
+              </a:extLst>
+            </p:cNvPr>
+            <p:cNvSpPr/>
+            <p:nvPr/>
+          </p:nvSpPr>
+          <p:spPr>
+            <a:xfrm>
+              <a:off x="6470524" y="2808191"/>
+              <a:ext cx="207818" cy="207818"/>
+            </a:xfrm>
+            <a:prstGeom prst="ellipse">
+              <a:avLst/>
+            </a:prstGeom>
+            <a:solidFill>
+              <a:schemeClr val="accent4">
+                <a:lumMod val="60000"/>
+                <a:lumOff val="40000"/>
+              </a:schemeClr>
+            </a:solidFill>
+            <a:ln>
+              <a:noFill/>
+            </a:ln>
+          </p:spPr>
+          <p:style>
+            <a:lnRef idx="2">
+              <a:schemeClr val="accent1">
+                <a:shade val="50000"/>
+              </a:schemeClr>
+            </a:lnRef>
+            <a:fillRef idx="1">
+              <a:schemeClr val="accent1"/>
+            </a:fillRef>
+            <a:effectRef idx="0">
+              <a:schemeClr val="accent1"/>
+            </a:effectRef>
+            <a:fontRef idx="minor">
+              <a:schemeClr val="lt1"/>
+            </a:fontRef>
+          </p:style>
+          <p:txBody>
+            <a:bodyPr rtlCol="0" anchor="ctr"/>
+            <a:lstStyle/>
+            <a:p>
+              <a:pPr algn="ctr"/>
+              <a:endParaRPr lang="zh-CN" altLang="en-US"/>
+            </a:p>
+          </p:txBody>
+        </p:sp>
+        <p:sp>
+          <p:nvSpPr>
+            <p:cNvPr id="6" name="椭圆 5">
+              <a:extLst>
+                <a:ext uri="{FF2B5EF4-FFF2-40B4-BE49-F238E27FC236}">
+                  <a16:creationId xmlns:a16="http://schemas.microsoft.com/office/drawing/2014/main" id="{11A46351-BFB2-4312-B51F-C86C1CC2369A}"/>
+                </a:ext>
+              </a:extLst>
+            </p:cNvPr>
+            <p:cNvSpPr/>
+            <p:nvPr/>
+          </p:nvSpPr>
+          <p:spPr>
+            <a:xfrm>
+              <a:off x="6574433" y="3879609"/>
+              <a:ext cx="207818" cy="207818"/>
+            </a:xfrm>
+            <a:prstGeom prst="ellipse">
+              <a:avLst/>
+            </a:prstGeom>
+            <a:solidFill>
+              <a:schemeClr val="accent4">
+                <a:lumMod val="60000"/>
+                <a:lumOff val="40000"/>
+              </a:schemeClr>
+            </a:solidFill>
+            <a:ln>
+              <a:noFill/>
+            </a:ln>
+          </p:spPr>
+          <p:style>
+            <a:lnRef idx="2">
+              <a:schemeClr val="accent1">
+                <a:shade val="50000"/>
+              </a:schemeClr>
+            </a:lnRef>
+            <a:fillRef idx="1">
+              <a:schemeClr val="accent1"/>
+            </a:fillRef>
+            <a:effectRef idx="0">
+              <a:schemeClr val="accent1"/>
+            </a:effectRef>
+            <a:fontRef idx="minor">
+              <a:schemeClr val="lt1"/>
+            </a:fontRef>
+          </p:style>
+          <p:txBody>
+            <a:bodyPr rtlCol="0" anchor="ctr"/>
+            <a:lstStyle/>
+            <a:p>
+              <a:pPr algn="ctr"/>
+              <a:endParaRPr lang="zh-CN" altLang="en-US"/>
+            </a:p>
+          </p:txBody>
+        </p:sp>
+        <p:sp>
+          <p:nvSpPr>
+            <p:cNvPr id="7" name="椭圆 6">
+              <a:extLst>
+                <a:ext uri="{FF2B5EF4-FFF2-40B4-BE49-F238E27FC236}">
+                  <a16:creationId xmlns:a16="http://schemas.microsoft.com/office/drawing/2014/main" id="{BA08A1AA-4D39-449E-8769-F9D904465BE1}"/>
+                </a:ext>
+              </a:extLst>
+            </p:cNvPr>
+            <p:cNvSpPr/>
+            <p:nvPr/>
+          </p:nvSpPr>
+          <p:spPr>
+            <a:xfrm>
+              <a:off x="5747778" y="4304482"/>
+              <a:ext cx="207818" cy="207818"/>
+            </a:xfrm>
+            <a:prstGeom prst="ellipse">
+              <a:avLst/>
+            </a:prstGeom>
+            <a:solidFill>
+              <a:schemeClr val="accent4">
+                <a:lumMod val="60000"/>
+                <a:lumOff val="40000"/>
+              </a:schemeClr>
+            </a:solidFill>
+            <a:ln>
+              <a:noFill/>
+            </a:ln>
+          </p:spPr>
+          <p:style>
+            <a:lnRef idx="2">
+              <a:schemeClr val="accent1">
+                <a:shade val="50000"/>
+              </a:schemeClr>
+            </a:lnRef>
+            <a:fillRef idx="1">
+              <a:schemeClr val="accent1"/>
+            </a:fillRef>
+            <a:effectRef idx="0">
+              <a:schemeClr val="accent1"/>
+            </a:effectRef>
+            <a:fontRef idx="minor">
+              <a:schemeClr val="lt1"/>
+            </a:fontRef>
+          </p:style>
+          <p:txBody>
+            <a:bodyPr rtlCol="0" anchor="ctr"/>
+            <a:lstStyle/>
+            <a:p>
+              <a:pPr algn="ctr"/>
+              <a:endParaRPr lang="zh-CN" altLang="en-US"/>
+            </a:p>
+          </p:txBody>
+        </p:sp>
+        <p:sp>
+          <p:nvSpPr>
+            <p:cNvPr id="8" name="椭圆 7">
+              <a:extLst>
+                <a:ext uri="{FF2B5EF4-FFF2-40B4-BE49-F238E27FC236}">
+                  <a16:creationId xmlns:a16="http://schemas.microsoft.com/office/drawing/2014/main" id="{B949B81A-437C-44C2-B56B-11D9A142A13C}"/>
+                </a:ext>
+              </a:extLst>
+            </p:cNvPr>
+            <p:cNvSpPr/>
+            <p:nvPr/>
+          </p:nvSpPr>
+          <p:spPr>
+            <a:xfrm>
+              <a:off x="7031633" y="4609282"/>
+              <a:ext cx="207818" cy="207818"/>
+            </a:xfrm>
+            <a:prstGeom prst="ellipse">
+              <a:avLst/>
+            </a:prstGeom>
+            <a:solidFill>
+              <a:schemeClr val="accent4">
+                <a:lumMod val="60000"/>
+                <a:lumOff val="40000"/>
+              </a:schemeClr>
+            </a:solidFill>
+            <a:ln>
+              <a:noFill/>
+            </a:ln>
+          </p:spPr>
+          <p:style>
+            <a:lnRef idx="2">
+              <a:schemeClr val="accent1">
+                <a:shade val="50000"/>
+              </a:schemeClr>
+            </a:lnRef>
+            <a:fillRef idx="1">
+              <a:schemeClr val="accent1"/>
+            </a:fillRef>
+            <a:effectRef idx="0">
+              <a:schemeClr val="accent1"/>
+            </a:effectRef>
+            <a:fontRef idx="minor">
+              <a:schemeClr val="lt1"/>
+            </a:fontRef>
+          </p:style>
+          <p:txBody>
+            <a:bodyPr rtlCol="0" anchor="ctr"/>
+            <a:lstStyle/>
+            <a:p>
+              <a:pPr algn="ctr"/>
+              <a:endParaRPr lang="zh-CN" altLang="en-US"/>
+            </a:p>
+          </p:txBody>
+        </p:sp>
+        <p:sp>
+          <p:nvSpPr>
+            <p:cNvPr id="9" name="椭圆 8">
+              <a:extLst>
+                <a:ext uri="{FF2B5EF4-FFF2-40B4-BE49-F238E27FC236}">
+                  <a16:creationId xmlns:a16="http://schemas.microsoft.com/office/drawing/2014/main" id="{F4C838BF-FB73-4D15-9EF0-2DCF6BEDECE3}"/>
+                </a:ext>
+              </a:extLst>
+            </p:cNvPr>
+            <p:cNvSpPr/>
+            <p:nvPr/>
+          </p:nvSpPr>
+          <p:spPr>
+            <a:xfrm>
+              <a:off x="7465742" y="3459355"/>
+              <a:ext cx="207818" cy="207818"/>
+            </a:xfrm>
+            <a:prstGeom prst="ellipse">
+              <a:avLst/>
+            </a:prstGeom>
+            <a:solidFill>
+              <a:schemeClr val="accent4">
+                <a:lumMod val="60000"/>
+                <a:lumOff val="40000"/>
+              </a:schemeClr>
+            </a:solidFill>
+            <a:ln>
+              <a:noFill/>
+            </a:ln>
+          </p:spPr>
+          <p:style>
+            <a:lnRef idx="2">
+              <a:schemeClr val="accent1">
+                <a:shade val="50000"/>
+              </a:schemeClr>
+            </a:lnRef>
+            <a:fillRef idx="1">
+              <a:schemeClr val="accent1"/>
+            </a:fillRef>
+            <a:effectRef idx="0">
+              <a:schemeClr val="accent1"/>
+            </a:effectRef>
+            <a:fontRef idx="minor">
+              <a:schemeClr val="lt1"/>
+            </a:fontRef>
+          </p:style>
+          <p:txBody>
+            <a:bodyPr rtlCol="0" anchor="ctr"/>
+            <a:lstStyle/>
+            <a:p>
+              <a:pPr algn="ctr"/>
+              <a:endParaRPr lang="zh-CN" altLang="en-US"/>
+            </a:p>
+          </p:txBody>
+        </p:sp>
+        <p:sp>
+          <p:nvSpPr>
+            <p:cNvPr id="10" name="椭圆 9">
+              <a:extLst>
+                <a:ext uri="{FF2B5EF4-FFF2-40B4-BE49-F238E27FC236}">
+                  <a16:creationId xmlns:a16="http://schemas.microsoft.com/office/drawing/2014/main" id="{9CD71BD6-9704-49F7-B44A-DBCC038F5125}"/>
+                </a:ext>
+              </a:extLst>
+            </p:cNvPr>
+            <p:cNvSpPr/>
+            <p:nvPr/>
+          </p:nvSpPr>
+          <p:spPr>
+            <a:xfrm>
+              <a:off x="5045815" y="3879609"/>
+              <a:ext cx="207818" cy="207818"/>
+            </a:xfrm>
+            <a:prstGeom prst="ellipse">
+              <a:avLst/>
+            </a:prstGeom>
+            <a:solidFill>
+              <a:schemeClr val="accent4">
+                <a:lumMod val="60000"/>
+                <a:lumOff val="40000"/>
+              </a:schemeClr>
+            </a:solidFill>
+            <a:ln>
+              <a:noFill/>
+            </a:ln>
+          </p:spPr>
+          <p:style>
+            <a:lnRef idx="2">
+              <a:schemeClr val="accent1">
+                <a:shade val="50000"/>
+              </a:schemeClr>
+            </a:lnRef>
+            <a:fillRef idx="1">
+              <a:schemeClr val="accent1"/>
+            </a:fillRef>
+            <a:effectRef idx="0">
+              <a:schemeClr val="accent1"/>
+            </a:effectRef>
+            <a:fontRef idx="minor">
+              <a:schemeClr val="lt1"/>
+            </a:fontRef>
+          </p:style>
+          <p:txBody>
+            <a:bodyPr rtlCol="0" anchor="ctr"/>
+            <a:lstStyle/>
+            <a:p>
+              <a:pPr algn="ctr"/>
+              <a:endParaRPr lang="zh-CN" altLang="en-US"/>
+            </a:p>
+          </p:txBody>
+        </p:sp>
+        <p:cxnSp>
+          <p:nvCxnSpPr>
+            <p:cNvPr id="11" name="直接连接符 10">
+              <a:extLst>
+                <a:ext uri="{FF2B5EF4-FFF2-40B4-BE49-F238E27FC236}">
+                  <a16:creationId xmlns:a16="http://schemas.microsoft.com/office/drawing/2014/main" id="{771B1ADF-45FA-464B-9D70-ADBC3A65D25B}"/>
+                </a:ext>
+              </a:extLst>
+            </p:cNvPr>
+            <p:cNvCxnSpPr>
+              <a:cxnSpLocks/>
+            </p:cNvCxnSpPr>
+            <p:nvPr/>
+          </p:nvCxnSpPr>
+          <p:spPr>
+            <a:xfrm>
+              <a:off x="5249231" y="2753783"/>
+              <a:ext cx="1123518" cy="140133"/>
+            </a:xfrm>
+            <a:prstGeom prst="line">
+              <a:avLst/>
+            </a:prstGeom>
+            <a:ln w="28575">
+              <a:solidFill>
+                <a:srgbClr val="FF0000"/>
+              </a:solidFill>
+            </a:ln>
+          </p:spPr>
+          <p:style>
+            <a:lnRef idx="1">
+              <a:schemeClr val="accent1"/>
+            </a:lnRef>
+            <a:fillRef idx="0">
+              <a:schemeClr val="accent1"/>
+            </a:fillRef>
+            <a:effectRef idx="0">
+              <a:schemeClr val="accent1"/>
+            </a:effectRef>
+            <a:fontRef idx="minor">
+              <a:schemeClr val="tx1"/>
+            </a:fontRef>
+          </p:style>
+        </p:cxnSp>
+        <p:cxnSp>
+          <p:nvCxnSpPr>
+            <p:cNvPr id="12" name="直接连接符 11">
+              <a:extLst>
+                <a:ext uri="{FF2B5EF4-FFF2-40B4-BE49-F238E27FC236}">
+                  <a16:creationId xmlns:a16="http://schemas.microsoft.com/office/drawing/2014/main" id="{0AC259CC-77C5-4214-AB54-1882954FE093}"/>
+                </a:ext>
+              </a:extLst>
+            </p:cNvPr>
+            <p:cNvCxnSpPr>
+              <a:cxnSpLocks/>
+            </p:cNvCxnSpPr>
+            <p:nvPr/>
+          </p:nvCxnSpPr>
+          <p:spPr>
+            <a:xfrm>
+              <a:off x="5064864" y="2912100"/>
+              <a:ext cx="69273" cy="882650"/>
+            </a:xfrm>
+            <a:prstGeom prst="line">
+              <a:avLst/>
+            </a:prstGeom>
+            <a:ln w="28575">
+              <a:solidFill>
+                <a:srgbClr val="FF0000"/>
+              </a:solidFill>
+            </a:ln>
+          </p:spPr>
+          <p:style>
+            <a:lnRef idx="1">
+              <a:schemeClr val="accent1"/>
+            </a:lnRef>
+            <a:fillRef idx="0">
+              <a:schemeClr val="accent1"/>
+            </a:fillRef>
+            <a:effectRef idx="0">
+              <a:schemeClr val="accent1"/>
+            </a:effectRef>
+            <a:fontRef idx="minor">
+              <a:schemeClr val="tx1"/>
+            </a:fontRef>
+          </p:style>
+        </p:cxnSp>
+        <p:cxnSp>
+          <p:nvCxnSpPr>
+            <p:cNvPr id="13" name="直接连接符 12">
+              <a:extLst>
+                <a:ext uri="{FF2B5EF4-FFF2-40B4-BE49-F238E27FC236}">
+                  <a16:creationId xmlns:a16="http://schemas.microsoft.com/office/drawing/2014/main" id="{A3BD127D-0AE4-4A61-95F4-13C40BD3B048}"/>
+                </a:ext>
+              </a:extLst>
+            </p:cNvPr>
+            <p:cNvCxnSpPr>
+              <a:cxnSpLocks/>
+            </p:cNvCxnSpPr>
+            <p:nvPr/>
+          </p:nvCxnSpPr>
+          <p:spPr>
+            <a:xfrm>
+              <a:off x="5249231" y="4060584"/>
+              <a:ext cx="469107" cy="273916"/>
+            </a:xfrm>
+            <a:prstGeom prst="line">
+              <a:avLst/>
+            </a:prstGeom>
+            <a:ln w="12700">
+              <a:solidFill>
+                <a:srgbClr val="FF0000"/>
+              </a:solidFill>
+              <a:prstDash val="solid"/>
+            </a:ln>
+          </p:spPr>
+          <p:style>
+            <a:lnRef idx="1">
+              <a:schemeClr val="accent1"/>
+            </a:lnRef>
+            <a:fillRef idx="0">
+              <a:schemeClr val="accent1"/>
+            </a:fillRef>
+            <a:effectRef idx="0">
+              <a:schemeClr val="accent1"/>
+            </a:effectRef>
+            <a:fontRef idx="minor">
+              <a:schemeClr val="tx1"/>
+            </a:fontRef>
+          </p:style>
+        </p:cxnSp>
+        <p:cxnSp>
+          <p:nvCxnSpPr>
+            <p:cNvPr id="14" name="直接连接符 13">
+              <a:extLst>
+                <a:ext uri="{FF2B5EF4-FFF2-40B4-BE49-F238E27FC236}">
+                  <a16:creationId xmlns:a16="http://schemas.microsoft.com/office/drawing/2014/main" id="{32A7A0E6-5C75-4473-8071-E5EE34A3FD05}"/>
+                </a:ext>
+              </a:extLst>
+            </p:cNvPr>
+            <p:cNvCxnSpPr>
+              <a:cxnSpLocks/>
+            </p:cNvCxnSpPr>
+            <p:nvPr/>
+          </p:nvCxnSpPr>
+          <p:spPr>
+            <a:xfrm flipV="1">
+              <a:off x="5991388" y="4075450"/>
+              <a:ext cx="583045" cy="287625"/>
+            </a:xfrm>
+            <a:prstGeom prst="line">
+              <a:avLst/>
+            </a:prstGeom>
+            <a:ln w="12700">
+              <a:solidFill>
+                <a:srgbClr val="FF0000"/>
+              </a:solidFill>
+              <a:prstDash val="solid"/>
+            </a:ln>
+          </p:spPr>
+          <p:style>
+            <a:lnRef idx="1">
+              <a:schemeClr val="accent1"/>
+            </a:lnRef>
+            <a:fillRef idx="0">
+              <a:schemeClr val="accent1"/>
+            </a:fillRef>
+            <a:effectRef idx="0">
+              <a:schemeClr val="accent1"/>
+            </a:effectRef>
+            <a:fontRef idx="minor">
+              <a:schemeClr val="tx1"/>
+            </a:fontRef>
+          </p:style>
+        </p:cxnSp>
+        <p:cxnSp>
+          <p:nvCxnSpPr>
+            <p:cNvPr id="15" name="直接连接符 14">
+              <a:extLst>
+                <a:ext uri="{FF2B5EF4-FFF2-40B4-BE49-F238E27FC236}">
+                  <a16:creationId xmlns:a16="http://schemas.microsoft.com/office/drawing/2014/main" id="{A6448C31-8605-4E52-8944-924474B85126}"/>
+                </a:ext>
+              </a:extLst>
+            </p:cNvPr>
+            <p:cNvCxnSpPr>
+              <a:cxnSpLocks/>
+            </p:cNvCxnSpPr>
+            <p:nvPr/>
+          </p:nvCxnSpPr>
+          <p:spPr>
+            <a:xfrm>
+              <a:off x="5330987" y="3970097"/>
+              <a:ext cx="1166090" cy="13421"/>
+            </a:xfrm>
+            <a:prstGeom prst="line">
+              <a:avLst/>
+            </a:prstGeom>
+            <a:ln w="12700">
+              <a:solidFill>
+                <a:srgbClr val="FF0000"/>
+              </a:solidFill>
+              <a:prstDash val="solid"/>
+            </a:ln>
+          </p:spPr>
+          <p:style>
+            <a:lnRef idx="1">
+              <a:schemeClr val="accent1"/>
+            </a:lnRef>
+            <a:fillRef idx="0">
+              <a:schemeClr val="accent1"/>
+            </a:fillRef>
+            <a:effectRef idx="0">
+              <a:schemeClr val="accent1"/>
+            </a:effectRef>
+            <a:fontRef idx="minor">
+              <a:schemeClr val="tx1"/>
+            </a:fontRef>
+          </p:style>
+        </p:cxnSp>
+        <p:cxnSp>
+          <p:nvCxnSpPr>
+            <p:cNvPr id="16" name="直接连接符 15">
+              <a:extLst>
+                <a:ext uri="{FF2B5EF4-FFF2-40B4-BE49-F238E27FC236}">
+                  <a16:creationId xmlns:a16="http://schemas.microsoft.com/office/drawing/2014/main" id="{896A3FAD-70D0-41AE-9E8E-B38449E41F62}"/>
+                </a:ext>
+              </a:extLst>
+            </p:cNvPr>
+            <p:cNvCxnSpPr>
+              <a:cxnSpLocks/>
+            </p:cNvCxnSpPr>
+            <p:nvPr/>
+          </p:nvCxnSpPr>
+          <p:spPr>
+            <a:xfrm flipV="1">
+              <a:off x="5249231" y="3002118"/>
+              <a:ext cx="1180307" cy="870781"/>
+            </a:xfrm>
+            <a:prstGeom prst="line">
+              <a:avLst/>
+            </a:prstGeom>
+            <a:ln w="12700">
+              <a:solidFill>
+                <a:srgbClr val="FF0000"/>
+              </a:solidFill>
+              <a:prstDash val="solid"/>
+            </a:ln>
+          </p:spPr>
+          <p:style>
+            <a:lnRef idx="1">
+              <a:schemeClr val="accent1"/>
+            </a:lnRef>
+            <a:fillRef idx="0">
+              <a:schemeClr val="accent1"/>
+            </a:fillRef>
+            <a:effectRef idx="0">
+              <a:schemeClr val="accent1"/>
+            </a:effectRef>
+            <a:fontRef idx="minor">
+              <a:schemeClr val="tx1"/>
+            </a:fontRef>
+          </p:style>
+        </p:cxnSp>
+        <p:cxnSp>
+          <p:nvCxnSpPr>
+            <p:cNvPr id="17" name="直接连接符 16">
+              <a:extLst>
+                <a:ext uri="{FF2B5EF4-FFF2-40B4-BE49-F238E27FC236}">
+                  <a16:creationId xmlns:a16="http://schemas.microsoft.com/office/drawing/2014/main" id="{A0F34A62-CEB7-42E9-A7E4-CB8A13DAF055}"/>
+                </a:ext>
+              </a:extLst>
+            </p:cNvPr>
+            <p:cNvCxnSpPr>
+              <a:cxnSpLocks/>
+            </p:cNvCxnSpPr>
+            <p:nvPr/>
+          </p:nvCxnSpPr>
+          <p:spPr>
+            <a:xfrm flipH="1" flipV="1">
+              <a:off x="6595430" y="3077201"/>
+              <a:ext cx="56359" cy="730376"/>
+            </a:xfrm>
+            <a:prstGeom prst="line">
+              <a:avLst/>
+            </a:prstGeom>
+            <a:ln w="12700">
+              <a:solidFill>
+                <a:srgbClr val="FF0000"/>
+              </a:solidFill>
+              <a:prstDash val="solid"/>
+            </a:ln>
+          </p:spPr>
+          <p:style>
+            <a:lnRef idx="1">
+              <a:schemeClr val="accent1"/>
+            </a:lnRef>
+            <a:fillRef idx="0">
+              <a:schemeClr val="accent1"/>
+            </a:fillRef>
+            <a:effectRef idx="0">
+              <a:schemeClr val="accent1"/>
+            </a:effectRef>
+            <a:fontRef idx="minor">
+              <a:schemeClr val="tx1"/>
+            </a:fontRef>
+          </p:style>
+        </p:cxnSp>
+        <p:cxnSp>
+          <p:nvCxnSpPr>
+            <p:cNvPr id="18" name="直接连接符 17">
+              <a:extLst>
+                <a:ext uri="{FF2B5EF4-FFF2-40B4-BE49-F238E27FC236}">
+                  <a16:creationId xmlns:a16="http://schemas.microsoft.com/office/drawing/2014/main" id="{E3F7F898-8C7A-40F1-A6BA-75CF1661DDD3}"/>
+                </a:ext>
+              </a:extLst>
+            </p:cNvPr>
+            <p:cNvCxnSpPr>
+              <a:cxnSpLocks/>
+            </p:cNvCxnSpPr>
+            <p:nvPr/>
+          </p:nvCxnSpPr>
+          <p:spPr>
+            <a:xfrm flipH="1" flipV="1">
+              <a:off x="6702589" y="2959725"/>
+              <a:ext cx="727939" cy="499630"/>
+            </a:xfrm>
+            <a:prstGeom prst="line">
+              <a:avLst/>
+            </a:prstGeom>
+            <a:ln w="12700">
+              <a:solidFill>
+                <a:srgbClr val="FF0000"/>
+              </a:solidFill>
+              <a:prstDash val="solid"/>
+            </a:ln>
+          </p:spPr>
+          <p:style>
+            <a:lnRef idx="1">
+              <a:schemeClr val="accent1"/>
+            </a:lnRef>
+            <a:fillRef idx="0">
+              <a:schemeClr val="accent1"/>
+            </a:fillRef>
+            <a:effectRef idx="0">
+              <a:schemeClr val="accent1"/>
+            </a:effectRef>
+            <a:fontRef idx="minor">
+              <a:schemeClr val="tx1"/>
+            </a:fontRef>
+          </p:style>
+        </p:cxnSp>
+        <p:cxnSp>
+          <p:nvCxnSpPr>
+            <p:cNvPr id="19" name="直接连接符 18">
+              <a:extLst>
+                <a:ext uri="{FF2B5EF4-FFF2-40B4-BE49-F238E27FC236}">
+                  <a16:creationId xmlns:a16="http://schemas.microsoft.com/office/drawing/2014/main" id="{38296261-3550-4B7C-A779-13AFC4498A17}"/>
+                </a:ext>
+              </a:extLst>
+            </p:cNvPr>
+            <p:cNvCxnSpPr>
+              <a:cxnSpLocks/>
+            </p:cNvCxnSpPr>
+            <p:nvPr/>
+          </p:nvCxnSpPr>
+          <p:spPr>
+            <a:xfrm flipH="1">
+              <a:off x="6859608" y="3616950"/>
+              <a:ext cx="570920" cy="330777"/>
+            </a:xfrm>
+            <a:prstGeom prst="line">
+              <a:avLst/>
+            </a:prstGeom>
+            <a:ln w="12700">
+              <a:solidFill>
+                <a:srgbClr val="FF0000"/>
+              </a:solidFill>
+              <a:prstDash val="solid"/>
+            </a:ln>
+          </p:spPr>
+          <p:style>
+            <a:lnRef idx="1">
+              <a:schemeClr val="accent1"/>
+            </a:lnRef>
+            <a:fillRef idx="0">
+              <a:schemeClr val="accent1"/>
+            </a:fillRef>
+            <a:effectRef idx="0">
+              <a:schemeClr val="accent1"/>
+            </a:effectRef>
+            <a:fontRef idx="minor">
+              <a:schemeClr val="tx1"/>
+            </a:fontRef>
+          </p:style>
+        </p:cxnSp>
+        <p:cxnSp>
+          <p:nvCxnSpPr>
+            <p:cNvPr id="20" name="直接连接符 19">
+              <a:extLst>
+                <a:ext uri="{FF2B5EF4-FFF2-40B4-BE49-F238E27FC236}">
+                  <a16:creationId xmlns:a16="http://schemas.microsoft.com/office/drawing/2014/main" id="{441746DB-189F-4D56-85B4-B6DC3F2EA3B6}"/>
+                </a:ext>
+              </a:extLst>
+            </p:cNvPr>
+            <p:cNvCxnSpPr>
+              <a:cxnSpLocks/>
+            </p:cNvCxnSpPr>
+            <p:nvPr/>
+          </p:nvCxnSpPr>
+          <p:spPr>
+            <a:xfrm flipH="1" flipV="1">
+              <a:off x="6782252" y="4105323"/>
+              <a:ext cx="249381" cy="457778"/>
+            </a:xfrm>
+            <a:prstGeom prst="line">
+              <a:avLst/>
+            </a:prstGeom>
+            <a:ln w="12700">
+              <a:solidFill>
+                <a:srgbClr val="FF0000"/>
+              </a:solidFill>
+              <a:prstDash val="solid"/>
+            </a:ln>
+          </p:spPr>
+          <p:style>
+            <a:lnRef idx="1">
+              <a:schemeClr val="accent1"/>
+            </a:lnRef>
+            <a:fillRef idx="0">
+              <a:schemeClr val="accent1"/>
+            </a:fillRef>
+            <a:effectRef idx="0">
+              <a:schemeClr val="accent1"/>
+            </a:effectRef>
+            <a:fontRef idx="minor">
+              <a:schemeClr val="tx1"/>
+            </a:fontRef>
+          </p:style>
+        </p:cxnSp>
+        <p:cxnSp>
+          <p:nvCxnSpPr>
+            <p:cNvPr id="21" name="直接连接符 20">
+              <a:extLst>
+                <a:ext uri="{FF2B5EF4-FFF2-40B4-BE49-F238E27FC236}">
+                  <a16:creationId xmlns:a16="http://schemas.microsoft.com/office/drawing/2014/main" id="{580F2CEF-CC8E-4BCC-AFB6-F41DFC712FFF}"/>
+                </a:ext>
+              </a:extLst>
+            </p:cNvPr>
+            <p:cNvCxnSpPr>
+              <a:cxnSpLocks/>
+            </p:cNvCxnSpPr>
+            <p:nvPr/>
+          </p:nvCxnSpPr>
+          <p:spPr>
+            <a:xfrm flipH="1" flipV="1">
+              <a:off x="5991388" y="4477376"/>
+              <a:ext cx="1000125" cy="235815"/>
+            </a:xfrm>
+            <a:prstGeom prst="line">
+              <a:avLst/>
+            </a:prstGeom>
+            <a:ln w="12700">
+              <a:solidFill>
+                <a:srgbClr val="FF0000"/>
+              </a:solidFill>
+              <a:prstDash val="solid"/>
+            </a:ln>
+          </p:spPr>
+          <p:style>
+            <a:lnRef idx="1">
+              <a:schemeClr val="accent1"/>
+            </a:lnRef>
+            <a:fillRef idx="0">
+              <a:schemeClr val="accent1"/>
+            </a:fillRef>
+            <a:effectRef idx="0">
+              <a:schemeClr val="accent1"/>
+            </a:effectRef>
+            <a:fontRef idx="minor">
+              <a:schemeClr val="tx1"/>
+            </a:fontRef>
+          </p:style>
+        </p:cxnSp>
+        <p:cxnSp>
+          <p:nvCxnSpPr>
+            <p:cNvPr id="22" name="直接连接符 21">
+              <a:extLst>
+                <a:ext uri="{FF2B5EF4-FFF2-40B4-BE49-F238E27FC236}">
+                  <a16:creationId xmlns:a16="http://schemas.microsoft.com/office/drawing/2014/main" id="{DAB8D4FD-3EE1-4F36-8973-CD99DC6F9CA8}"/>
+                </a:ext>
+              </a:extLst>
+            </p:cNvPr>
+            <p:cNvCxnSpPr>
+              <a:cxnSpLocks/>
+            </p:cNvCxnSpPr>
+            <p:nvPr/>
+          </p:nvCxnSpPr>
+          <p:spPr>
+            <a:xfrm flipV="1">
+              <a:off x="7191250" y="3702676"/>
+              <a:ext cx="352714" cy="860425"/>
+            </a:xfrm>
+            <a:prstGeom prst="line">
+              <a:avLst/>
+            </a:prstGeom>
+            <a:ln w="12700">
+              <a:solidFill>
+                <a:srgbClr val="FF0000"/>
+              </a:solidFill>
+              <a:prstDash val="solid"/>
+            </a:ln>
+          </p:spPr>
+          <p:style>
+            <a:lnRef idx="1">
+              <a:schemeClr val="accent1"/>
+            </a:lnRef>
+            <a:fillRef idx="0">
+              <a:schemeClr val="accent1"/>
+            </a:fillRef>
+            <a:effectRef idx="0">
+              <a:schemeClr val="accent1"/>
+            </a:effectRef>
+            <a:fontRef idx="minor">
+              <a:schemeClr val="tx1"/>
+            </a:fontRef>
+          </p:style>
+        </p:cxnSp>
+        <p:cxnSp>
+          <p:nvCxnSpPr>
+            <p:cNvPr id="24" name="直接箭头连接符 23">
+              <a:extLst>
+                <a:ext uri="{FF2B5EF4-FFF2-40B4-BE49-F238E27FC236}">
+                  <a16:creationId xmlns:a16="http://schemas.microsoft.com/office/drawing/2014/main" id="{9A726136-BF93-4F74-85FC-9720E6697BFC}"/>
+                </a:ext>
+              </a:extLst>
+            </p:cNvPr>
+            <p:cNvCxnSpPr/>
+            <p:nvPr/>
+          </p:nvCxnSpPr>
+          <p:spPr>
+            <a:xfrm flipV="1">
+              <a:off x="5174546" y="1832600"/>
+              <a:ext cx="1146464" cy="798946"/>
+            </a:xfrm>
+            <a:prstGeom prst="straightConnector1">
+              <a:avLst/>
+            </a:prstGeom>
+            <a:ln>
+              <a:solidFill>
+                <a:srgbClr val="00B0F0"/>
+              </a:solidFill>
+              <a:headEnd type="stealth"/>
+              <a:tailEnd type="stealth"/>
+            </a:ln>
+          </p:spPr>
+          <p:style>
+            <a:lnRef idx="1">
+              <a:schemeClr val="accent1"/>
+            </a:lnRef>
+            <a:fillRef idx="0">
+              <a:schemeClr val="accent1"/>
+            </a:fillRef>
+            <a:effectRef idx="0">
+              <a:schemeClr val="accent1"/>
+            </a:effectRef>
+            <a:fontRef idx="minor">
+              <a:schemeClr val="tx1"/>
+            </a:fontRef>
+          </p:style>
+        </p:cxnSp>
+        <p:sp>
+          <p:nvSpPr>
+            <p:cNvPr id="25" name="文本框 24">
+              <a:extLst>
+                <a:ext uri="{FF2B5EF4-FFF2-40B4-BE49-F238E27FC236}">
+                  <a16:creationId xmlns:a16="http://schemas.microsoft.com/office/drawing/2014/main" id="{C4AA99E2-8716-4F0D-906A-5B3B94F2E30F}"/>
+                </a:ext>
+              </a:extLst>
+            </p:cNvPr>
+            <p:cNvSpPr txBox="1"/>
+            <p:nvPr/>
+          </p:nvSpPr>
+          <p:spPr>
+            <a:xfrm>
+              <a:off x="5330984" y="1975824"/>
+              <a:ext cx="494145" cy="369332"/>
+            </a:xfrm>
+            <a:prstGeom prst="rect">
+              <a:avLst/>
+            </a:prstGeom>
+            <a:noFill/>
+          </p:spPr>
+          <p:txBody>
+            <a:bodyPr wrap="square" rtlCol="0">
+              <a:spAutoFit/>
+            </a:bodyPr>
+            <a:lstStyle/>
+            <a:p>
+              <a:r>
+                <a:rPr lang="en-US" altLang="zh-CN" dirty="0"/>
+                <a:t>5A</a:t>
+              </a:r>
+              <a:endParaRPr lang="zh-CN" altLang="en-US" dirty="0"/>
+            </a:p>
+          </p:txBody>
+        </p:sp>
+        <p:sp>
+          <p:nvSpPr>
+            <p:cNvPr id="26" name="等腰三角形 25">
+              <a:extLst>
+                <a:ext uri="{FF2B5EF4-FFF2-40B4-BE49-F238E27FC236}">
+                  <a16:creationId xmlns:a16="http://schemas.microsoft.com/office/drawing/2014/main" id="{1DA74782-6D87-4F42-9533-CF8BD9CE568B}"/>
+                </a:ext>
+              </a:extLst>
+            </p:cNvPr>
+            <p:cNvSpPr/>
+            <p:nvPr/>
+          </p:nvSpPr>
+          <p:spPr>
+            <a:xfrm>
+              <a:off x="5146195" y="2837111"/>
+              <a:ext cx="1168923" cy="914401"/>
+            </a:xfrm>
+            <a:custGeom>
+              <a:avLst/>
+              <a:gdLst>
+                <a:gd name="connsiteX0" fmla="*/ 0 w 1150070"/>
+                <a:gd name="connsiteY0" fmla="*/ 1479012 h 1479012"/>
+                <a:gd name="connsiteX1" fmla="*/ 575035 w 1150070"/>
+                <a:gd name="connsiteY1" fmla="*/ 0 h 1479012"/>
+                <a:gd name="connsiteX2" fmla="*/ 1150070 w 1150070"/>
+                <a:gd name="connsiteY2" fmla="*/ 1479012 h 1479012"/>
+                <a:gd name="connsiteX3" fmla="*/ 0 w 1150070"/>
+                <a:gd name="connsiteY3" fmla="*/ 1479012 h 1479012"/>
+                <a:gd name="connsiteX0" fmla="*/ 0 w 1395167"/>
+                <a:gd name="connsiteY0" fmla="*/ 781428 h 1479012"/>
+                <a:gd name="connsiteX1" fmla="*/ 820132 w 1395167"/>
+                <a:gd name="connsiteY1" fmla="*/ 0 h 1479012"/>
+                <a:gd name="connsiteX2" fmla="*/ 1395167 w 1395167"/>
+                <a:gd name="connsiteY2" fmla="*/ 1479012 h 1479012"/>
+                <a:gd name="connsiteX3" fmla="*/ 0 w 1395167"/>
+                <a:gd name="connsiteY3" fmla="*/ 781428 h 1479012"/>
+                <a:gd name="connsiteX0" fmla="*/ 0 w 820132"/>
+                <a:gd name="connsiteY0" fmla="*/ 781428 h 1629841"/>
+                <a:gd name="connsiteX1" fmla="*/ 820132 w 820132"/>
+                <a:gd name="connsiteY1" fmla="*/ 0 h 1629841"/>
+                <a:gd name="connsiteX2" fmla="*/ 94268 w 820132"/>
+                <a:gd name="connsiteY2" fmla="*/ 1629841 h 1629841"/>
+                <a:gd name="connsiteX3" fmla="*/ 0 w 820132"/>
+                <a:gd name="connsiteY3" fmla="*/ 781428 h 1629841"/>
+                <a:gd name="connsiteX0" fmla="*/ 0 w 1150070"/>
+                <a:gd name="connsiteY0" fmla="*/ 0 h 848413"/>
+                <a:gd name="connsiteX1" fmla="*/ 1150070 w 1150070"/>
+                <a:gd name="connsiteY1" fmla="*/ 66985 h 848413"/>
+                <a:gd name="connsiteX2" fmla="*/ 94268 w 1150070"/>
+                <a:gd name="connsiteY2" fmla="*/ 848413 h 848413"/>
+                <a:gd name="connsiteX3" fmla="*/ 0 w 1150070"/>
+                <a:gd name="connsiteY3" fmla="*/ 0 h 848413"/>
+                <a:gd name="connsiteX0" fmla="*/ 0 w 1168923"/>
+                <a:gd name="connsiteY0" fmla="*/ 0 h 914401"/>
+                <a:gd name="connsiteX1" fmla="*/ 1168923 w 1168923"/>
+                <a:gd name="connsiteY1" fmla="*/ 132973 h 914401"/>
+                <a:gd name="connsiteX2" fmla="*/ 113121 w 1168923"/>
+                <a:gd name="connsiteY2" fmla="*/ 914401 h 914401"/>
+                <a:gd name="connsiteX3" fmla="*/ 0 w 1168923"/>
+                <a:gd name="connsiteY3" fmla="*/ 0 h 914401"/>
+              </a:gdLst>
+              <a:ahLst/>
+              <a:cxnLst>
+                <a:cxn ang="0">
+                  <a:pos x="connsiteX0" y="connsiteY0"/>
+                </a:cxn>
+                <a:cxn ang="0">
+                  <a:pos x="connsiteX1" y="connsiteY1"/>
+                </a:cxn>
+                <a:cxn ang="0">
+                  <a:pos x="connsiteX2" y="connsiteY2"/>
+                </a:cxn>
+                <a:cxn ang="0">
+                  <a:pos x="connsiteX3" y="connsiteY3"/>
+                </a:cxn>
+              </a:cxnLst>
+              <a:rect l="l" t="t" r="r" b="b"/>
+              <a:pathLst>
+                <a:path w="1168923" h="914401">
+                  <a:moveTo>
+                    <a:pt x="0" y="0"/>
+                  </a:moveTo>
+                  <a:lnTo>
+                    <a:pt x="1168923" y="132973"/>
+                  </a:lnTo>
+                  <a:lnTo>
+                    <a:pt x="113121" y="914401"/>
+                  </a:lnTo>
+                  <a:lnTo>
+                    <a:pt x="0" y="0"/>
+                  </a:lnTo>
+                  <a:close/>
+                </a:path>
+              </a:pathLst>
+            </a:custGeom>
+            <a:solidFill>
+              <a:schemeClr val="accent2">
+                <a:lumMod val="60000"/>
+                <a:lumOff val="40000"/>
+              </a:schemeClr>
+            </a:solidFill>
+            <a:ln>
+              <a:noFill/>
+            </a:ln>
+          </p:spPr>
+          <p:style>
+            <a:lnRef idx="2">
+              <a:schemeClr val="accent1">
+                <a:shade val="50000"/>
+              </a:schemeClr>
+            </a:lnRef>
+            <a:fillRef idx="1">
+              <a:schemeClr val="accent1"/>
+            </a:fillRef>
+            <a:effectRef idx="0">
+              <a:schemeClr val="accent1"/>
+            </a:effectRef>
+            <a:fontRef idx="minor">
+              <a:schemeClr val="lt1"/>
+            </a:fontRef>
+          </p:style>
+          <p:txBody>
+            <a:bodyPr rtlCol="0" anchor="ctr"/>
+            <a:lstStyle/>
+            <a:p>
+              <a:pPr algn="ctr"/>
+              <a:endParaRPr lang="zh-CN" altLang="en-US"/>
+            </a:p>
+          </p:txBody>
+        </p:sp>
+        <p:sp>
+          <p:nvSpPr>
+            <p:cNvPr id="27" name="等腰三角形 25">
+              <a:extLst>
+                <a:ext uri="{FF2B5EF4-FFF2-40B4-BE49-F238E27FC236}">
+                  <a16:creationId xmlns:a16="http://schemas.microsoft.com/office/drawing/2014/main" id="{F28AC64B-704B-4694-9510-11C330F28DB9}"/>
+                </a:ext>
+              </a:extLst>
+            </p:cNvPr>
+            <p:cNvSpPr/>
+            <p:nvPr/>
+          </p:nvSpPr>
+          <p:spPr>
+            <a:xfrm>
+              <a:off x="5352258" y="3084329"/>
+              <a:ext cx="1168923" cy="800281"/>
+            </a:xfrm>
+            <a:custGeom>
+              <a:avLst/>
+              <a:gdLst>
+                <a:gd name="connsiteX0" fmla="*/ 0 w 1150070"/>
+                <a:gd name="connsiteY0" fmla="*/ 1479012 h 1479012"/>
+                <a:gd name="connsiteX1" fmla="*/ 575035 w 1150070"/>
+                <a:gd name="connsiteY1" fmla="*/ 0 h 1479012"/>
+                <a:gd name="connsiteX2" fmla="*/ 1150070 w 1150070"/>
+                <a:gd name="connsiteY2" fmla="*/ 1479012 h 1479012"/>
+                <a:gd name="connsiteX3" fmla="*/ 0 w 1150070"/>
+                <a:gd name="connsiteY3" fmla="*/ 1479012 h 1479012"/>
+                <a:gd name="connsiteX0" fmla="*/ 0 w 1395167"/>
+                <a:gd name="connsiteY0" fmla="*/ 781428 h 1479012"/>
+                <a:gd name="connsiteX1" fmla="*/ 820132 w 1395167"/>
+                <a:gd name="connsiteY1" fmla="*/ 0 h 1479012"/>
+                <a:gd name="connsiteX2" fmla="*/ 1395167 w 1395167"/>
+                <a:gd name="connsiteY2" fmla="*/ 1479012 h 1479012"/>
+                <a:gd name="connsiteX3" fmla="*/ 0 w 1395167"/>
+                <a:gd name="connsiteY3" fmla="*/ 781428 h 1479012"/>
+                <a:gd name="connsiteX0" fmla="*/ 0 w 820132"/>
+                <a:gd name="connsiteY0" fmla="*/ 781428 h 1629841"/>
+                <a:gd name="connsiteX1" fmla="*/ 820132 w 820132"/>
+                <a:gd name="connsiteY1" fmla="*/ 0 h 1629841"/>
+                <a:gd name="connsiteX2" fmla="*/ 94268 w 820132"/>
+                <a:gd name="connsiteY2" fmla="*/ 1629841 h 1629841"/>
+                <a:gd name="connsiteX3" fmla="*/ 0 w 820132"/>
+                <a:gd name="connsiteY3" fmla="*/ 781428 h 1629841"/>
+                <a:gd name="connsiteX0" fmla="*/ 0 w 1150070"/>
+                <a:gd name="connsiteY0" fmla="*/ 0 h 848413"/>
+                <a:gd name="connsiteX1" fmla="*/ 1150070 w 1150070"/>
+                <a:gd name="connsiteY1" fmla="*/ 66985 h 848413"/>
+                <a:gd name="connsiteX2" fmla="*/ 94268 w 1150070"/>
+                <a:gd name="connsiteY2" fmla="*/ 848413 h 848413"/>
+                <a:gd name="connsiteX3" fmla="*/ 0 w 1150070"/>
+                <a:gd name="connsiteY3" fmla="*/ 0 h 848413"/>
+                <a:gd name="connsiteX0" fmla="*/ 0 w 1168923"/>
+                <a:gd name="connsiteY0" fmla="*/ 0 h 914401"/>
+                <a:gd name="connsiteX1" fmla="*/ 1168923 w 1168923"/>
+                <a:gd name="connsiteY1" fmla="*/ 132973 h 914401"/>
+                <a:gd name="connsiteX2" fmla="*/ 113121 w 1168923"/>
+                <a:gd name="connsiteY2" fmla="*/ 914401 h 914401"/>
+                <a:gd name="connsiteX3" fmla="*/ 0 w 1168923"/>
+                <a:gd name="connsiteY3" fmla="*/ 0 h 914401"/>
+                <a:gd name="connsiteX0" fmla="*/ 0 w 1989055"/>
+                <a:gd name="connsiteY0" fmla="*/ 0 h 791852"/>
+                <a:gd name="connsiteX1" fmla="*/ 1989055 w 1989055"/>
+                <a:gd name="connsiteY1" fmla="*/ 10424 h 791852"/>
+                <a:gd name="connsiteX2" fmla="*/ 933253 w 1989055"/>
+                <a:gd name="connsiteY2" fmla="*/ 791852 h 791852"/>
+                <a:gd name="connsiteX3" fmla="*/ 0 w 1989055"/>
+                <a:gd name="connsiteY3" fmla="*/ 0 h 791852"/>
+                <a:gd name="connsiteX0" fmla="*/ 0 w 1150070"/>
+                <a:gd name="connsiteY0" fmla="*/ 800281 h 1592133"/>
+                <a:gd name="connsiteX1" fmla="*/ 1150070 w 1150070"/>
+                <a:gd name="connsiteY1" fmla="*/ 0 h 1592133"/>
+                <a:gd name="connsiteX2" fmla="*/ 933253 w 1150070"/>
+                <a:gd name="connsiteY2" fmla="*/ 1592133 h 1592133"/>
+                <a:gd name="connsiteX3" fmla="*/ 0 w 1150070"/>
+                <a:gd name="connsiteY3" fmla="*/ 800281 h 1592133"/>
+                <a:gd name="connsiteX0" fmla="*/ 0 w 1168923"/>
+                <a:gd name="connsiteY0" fmla="*/ 800281 h 800281"/>
+                <a:gd name="connsiteX1" fmla="*/ 1150070 w 1168923"/>
+                <a:gd name="connsiteY1" fmla="*/ 0 h 800281"/>
+                <a:gd name="connsiteX2" fmla="*/ 1168923 w 1168923"/>
+                <a:gd name="connsiteY2" fmla="*/ 781428 h 800281"/>
+                <a:gd name="connsiteX3" fmla="*/ 0 w 1168923"/>
+                <a:gd name="connsiteY3" fmla="*/ 800281 h 800281"/>
+              </a:gdLst>
+              <a:ahLst/>
+              <a:cxnLst>
+                <a:cxn ang="0">
+                  <a:pos x="connsiteX0" y="connsiteY0"/>
+                </a:cxn>
+                <a:cxn ang="0">
+                  <a:pos x="connsiteX1" y="connsiteY1"/>
+                </a:cxn>
+                <a:cxn ang="0">
+                  <a:pos x="connsiteX2" y="connsiteY2"/>
+                </a:cxn>
+                <a:cxn ang="0">
+                  <a:pos x="connsiteX3" y="connsiteY3"/>
+                </a:cxn>
+              </a:cxnLst>
+              <a:rect l="l" t="t" r="r" b="b"/>
+              <a:pathLst>
+                <a:path w="1168923" h="800281">
+                  <a:moveTo>
+                    <a:pt x="0" y="800281"/>
+                  </a:moveTo>
+                  <a:lnTo>
+                    <a:pt x="1150070" y="0"/>
+                  </a:lnTo>
+                  <a:lnTo>
+                    <a:pt x="1168923" y="781428"/>
+                  </a:lnTo>
+                  <a:lnTo>
+                    <a:pt x="0" y="800281"/>
+                  </a:lnTo>
+                  <a:close/>
+                </a:path>
+              </a:pathLst>
+            </a:custGeom>
+            <a:solidFill>
+              <a:schemeClr val="accent2">
+                <a:lumMod val="60000"/>
+                <a:lumOff val="40000"/>
+              </a:schemeClr>
+            </a:solidFill>
+            <a:ln>
+              <a:noFill/>
+            </a:ln>
+          </p:spPr>
+          <p:style>
+            <a:lnRef idx="2">
+              <a:schemeClr val="accent1">
+                <a:shade val="50000"/>
+              </a:schemeClr>
+            </a:lnRef>
+            <a:fillRef idx="1">
+              <a:schemeClr val="accent1"/>
+            </a:fillRef>
+            <a:effectRef idx="0">
+              <a:schemeClr val="accent1"/>
+            </a:effectRef>
+            <a:fontRef idx="minor">
+              <a:schemeClr val="lt1"/>
+            </a:fontRef>
+          </p:style>
+          <p:txBody>
+            <a:bodyPr rtlCol="0" anchor="ctr"/>
+            <a:lstStyle/>
+            <a:p>
+              <a:pPr algn="ctr"/>
+              <a:endParaRPr lang="zh-CN" altLang="en-US"/>
+            </a:p>
+          </p:txBody>
+        </p:sp>
+        <p:sp>
+          <p:nvSpPr>
+            <p:cNvPr id="28" name="等腰三角形 25">
+              <a:extLst>
+                <a:ext uri="{FF2B5EF4-FFF2-40B4-BE49-F238E27FC236}">
+                  <a16:creationId xmlns:a16="http://schemas.microsoft.com/office/drawing/2014/main" id="{940C8788-7A54-4C82-839B-8DE9ED3770CD}"/>
+                </a:ext>
+              </a:extLst>
+            </p:cNvPr>
+            <p:cNvSpPr/>
+            <p:nvPr/>
+          </p:nvSpPr>
+          <p:spPr>
+            <a:xfrm>
+              <a:off x="6664054" y="3059625"/>
+              <a:ext cx="725864" cy="781428"/>
+            </a:xfrm>
+            <a:custGeom>
+              <a:avLst/>
+              <a:gdLst>
+                <a:gd name="connsiteX0" fmla="*/ 0 w 1150070"/>
+                <a:gd name="connsiteY0" fmla="*/ 1479012 h 1479012"/>
+                <a:gd name="connsiteX1" fmla="*/ 575035 w 1150070"/>
+                <a:gd name="connsiteY1" fmla="*/ 0 h 1479012"/>
+                <a:gd name="connsiteX2" fmla="*/ 1150070 w 1150070"/>
+                <a:gd name="connsiteY2" fmla="*/ 1479012 h 1479012"/>
+                <a:gd name="connsiteX3" fmla="*/ 0 w 1150070"/>
+                <a:gd name="connsiteY3" fmla="*/ 1479012 h 1479012"/>
+                <a:gd name="connsiteX0" fmla="*/ 0 w 1395167"/>
+                <a:gd name="connsiteY0" fmla="*/ 781428 h 1479012"/>
+                <a:gd name="connsiteX1" fmla="*/ 820132 w 1395167"/>
+                <a:gd name="connsiteY1" fmla="*/ 0 h 1479012"/>
+                <a:gd name="connsiteX2" fmla="*/ 1395167 w 1395167"/>
+                <a:gd name="connsiteY2" fmla="*/ 1479012 h 1479012"/>
+                <a:gd name="connsiteX3" fmla="*/ 0 w 1395167"/>
+                <a:gd name="connsiteY3" fmla="*/ 781428 h 1479012"/>
+                <a:gd name="connsiteX0" fmla="*/ 0 w 820132"/>
+                <a:gd name="connsiteY0" fmla="*/ 781428 h 1629841"/>
+                <a:gd name="connsiteX1" fmla="*/ 820132 w 820132"/>
+                <a:gd name="connsiteY1" fmla="*/ 0 h 1629841"/>
+                <a:gd name="connsiteX2" fmla="*/ 94268 w 820132"/>
+                <a:gd name="connsiteY2" fmla="*/ 1629841 h 1629841"/>
+                <a:gd name="connsiteX3" fmla="*/ 0 w 820132"/>
+                <a:gd name="connsiteY3" fmla="*/ 781428 h 1629841"/>
+                <a:gd name="connsiteX0" fmla="*/ 0 w 1150070"/>
+                <a:gd name="connsiteY0" fmla="*/ 0 h 848413"/>
+                <a:gd name="connsiteX1" fmla="*/ 1150070 w 1150070"/>
+                <a:gd name="connsiteY1" fmla="*/ 66985 h 848413"/>
+                <a:gd name="connsiteX2" fmla="*/ 94268 w 1150070"/>
+                <a:gd name="connsiteY2" fmla="*/ 848413 h 848413"/>
+                <a:gd name="connsiteX3" fmla="*/ 0 w 1150070"/>
+                <a:gd name="connsiteY3" fmla="*/ 0 h 848413"/>
+                <a:gd name="connsiteX0" fmla="*/ 0 w 1168923"/>
+                <a:gd name="connsiteY0" fmla="*/ 0 h 914401"/>
+                <a:gd name="connsiteX1" fmla="*/ 1168923 w 1168923"/>
+                <a:gd name="connsiteY1" fmla="*/ 132973 h 914401"/>
+                <a:gd name="connsiteX2" fmla="*/ 113121 w 1168923"/>
+                <a:gd name="connsiteY2" fmla="*/ 914401 h 914401"/>
+                <a:gd name="connsiteX3" fmla="*/ 0 w 1168923"/>
+                <a:gd name="connsiteY3" fmla="*/ 0 h 914401"/>
+                <a:gd name="connsiteX0" fmla="*/ 0 w 1989055"/>
+                <a:gd name="connsiteY0" fmla="*/ 0 h 791852"/>
+                <a:gd name="connsiteX1" fmla="*/ 1989055 w 1989055"/>
+                <a:gd name="connsiteY1" fmla="*/ 10424 h 791852"/>
+                <a:gd name="connsiteX2" fmla="*/ 933253 w 1989055"/>
+                <a:gd name="connsiteY2" fmla="*/ 791852 h 791852"/>
+                <a:gd name="connsiteX3" fmla="*/ 0 w 1989055"/>
+                <a:gd name="connsiteY3" fmla="*/ 0 h 791852"/>
+                <a:gd name="connsiteX0" fmla="*/ 0 w 1150070"/>
+                <a:gd name="connsiteY0" fmla="*/ 800281 h 1592133"/>
+                <a:gd name="connsiteX1" fmla="*/ 1150070 w 1150070"/>
+                <a:gd name="connsiteY1" fmla="*/ 0 h 1592133"/>
+                <a:gd name="connsiteX2" fmla="*/ 933253 w 1150070"/>
+                <a:gd name="connsiteY2" fmla="*/ 1592133 h 1592133"/>
+                <a:gd name="connsiteX3" fmla="*/ 0 w 1150070"/>
+                <a:gd name="connsiteY3" fmla="*/ 800281 h 1592133"/>
+                <a:gd name="connsiteX0" fmla="*/ 0 w 1168923"/>
+                <a:gd name="connsiteY0" fmla="*/ 800281 h 800281"/>
+                <a:gd name="connsiteX1" fmla="*/ 1150070 w 1168923"/>
+                <a:gd name="connsiteY1" fmla="*/ 0 h 800281"/>
+                <a:gd name="connsiteX2" fmla="*/ 1168923 w 1168923"/>
+                <a:gd name="connsiteY2" fmla="*/ 781428 h 800281"/>
+                <a:gd name="connsiteX3" fmla="*/ 0 w 1168923"/>
+                <a:gd name="connsiteY3" fmla="*/ 800281 h 800281"/>
+                <a:gd name="connsiteX0" fmla="*/ 1593130 w 2762053"/>
+                <a:gd name="connsiteY0" fmla="*/ 1177354 h 1177354"/>
+                <a:gd name="connsiteX1" fmla="*/ 0 w 2762053"/>
+                <a:gd name="connsiteY1" fmla="*/ 0 h 1177354"/>
+                <a:gd name="connsiteX2" fmla="*/ 2762053 w 2762053"/>
+                <a:gd name="connsiteY2" fmla="*/ 1158501 h 1177354"/>
+                <a:gd name="connsiteX3" fmla="*/ 1593130 w 2762053"/>
+                <a:gd name="connsiteY3" fmla="*/ 1177354 h 1177354"/>
+                <a:gd name="connsiteX0" fmla="*/ 94268 w 2762053"/>
+                <a:gd name="connsiteY0" fmla="*/ 781428 h 1158501"/>
+                <a:gd name="connsiteX1" fmla="*/ 0 w 2762053"/>
+                <a:gd name="connsiteY1" fmla="*/ 0 h 1158501"/>
+                <a:gd name="connsiteX2" fmla="*/ 2762053 w 2762053"/>
+                <a:gd name="connsiteY2" fmla="*/ 1158501 h 1158501"/>
+                <a:gd name="connsiteX3" fmla="*/ 94268 w 2762053"/>
+                <a:gd name="connsiteY3" fmla="*/ 781428 h 1158501"/>
+                <a:gd name="connsiteX0" fmla="*/ 94268 w 791851"/>
+                <a:gd name="connsiteY0" fmla="*/ 781428 h 781428"/>
+                <a:gd name="connsiteX1" fmla="*/ 0 w 791851"/>
+                <a:gd name="connsiteY1" fmla="*/ 0 h 781428"/>
+                <a:gd name="connsiteX2" fmla="*/ 791851 w 791851"/>
+                <a:gd name="connsiteY2" fmla="*/ 508052 h 781428"/>
+                <a:gd name="connsiteX3" fmla="*/ 94268 w 791851"/>
+                <a:gd name="connsiteY3" fmla="*/ 781428 h 781428"/>
+                <a:gd name="connsiteX0" fmla="*/ 94268 w 725864"/>
+                <a:gd name="connsiteY0" fmla="*/ 781428 h 781428"/>
+                <a:gd name="connsiteX1" fmla="*/ 0 w 725864"/>
+                <a:gd name="connsiteY1" fmla="*/ 0 h 781428"/>
+                <a:gd name="connsiteX2" fmla="*/ 725864 w 725864"/>
+                <a:gd name="connsiteY2" fmla="*/ 489198 h 781428"/>
+                <a:gd name="connsiteX3" fmla="*/ 94268 w 725864"/>
+                <a:gd name="connsiteY3" fmla="*/ 781428 h 781428"/>
+              </a:gdLst>
+              <a:ahLst/>
+              <a:cxnLst>
+                <a:cxn ang="0">
+                  <a:pos x="connsiteX0" y="connsiteY0"/>
+                </a:cxn>
+                <a:cxn ang="0">
+                  <a:pos x="connsiteX1" y="connsiteY1"/>
+                </a:cxn>
+                <a:cxn ang="0">
+                  <a:pos x="connsiteX2" y="connsiteY2"/>
+                </a:cxn>
+                <a:cxn ang="0">
+                  <a:pos x="connsiteX3" y="connsiteY3"/>
+                </a:cxn>
+              </a:cxnLst>
+              <a:rect l="l" t="t" r="r" b="b"/>
+              <a:pathLst>
+                <a:path w="725864" h="781428">
+                  <a:moveTo>
+                    <a:pt x="94268" y="781428"/>
+                  </a:moveTo>
+                  <a:lnTo>
+                    <a:pt x="0" y="0"/>
+                  </a:lnTo>
+                  <a:lnTo>
+                    <a:pt x="725864" y="489198"/>
+                  </a:lnTo>
+                  <a:lnTo>
+                    <a:pt x="94268" y="781428"/>
+                  </a:lnTo>
+                  <a:close/>
+                </a:path>
+              </a:pathLst>
+            </a:custGeom>
+            <a:solidFill>
+              <a:schemeClr val="accent2">
+                <a:lumMod val="60000"/>
+                <a:lumOff val="40000"/>
+              </a:schemeClr>
+            </a:solidFill>
+            <a:ln>
+              <a:noFill/>
+            </a:ln>
+          </p:spPr>
+          <p:style>
+            <a:lnRef idx="2">
+              <a:schemeClr val="accent1">
+                <a:shade val="50000"/>
+              </a:schemeClr>
+            </a:lnRef>
+            <a:fillRef idx="1">
+              <a:schemeClr val="accent1"/>
+            </a:fillRef>
+            <a:effectRef idx="0">
+              <a:schemeClr val="accent1"/>
+            </a:effectRef>
+            <a:fontRef idx="minor">
+              <a:schemeClr val="lt1"/>
+            </a:fontRef>
+          </p:style>
+          <p:txBody>
+            <a:bodyPr rtlCol="0" anchor="ctr"/>
+            <a:lstStyle/>
+            <a:p>
+              <a:pPr algn="ctr"/>
+              <a:endParaRPr lang="zh-CN" altLang="en-US"/>
+            </a:p>
+          </p:txBody>
+        </p:sp>
+        <p:sp>
+          <p:nvSpPr>
+            <p:cNvPr id="29" name="等腰三角形 25">
+              <a:extLst>
+                <a:ext uri="{FF2B5EF4-FFF2-40B4-BE49-F238E27FC236}">
+                  <a16:creationId xmlns:a16="http://schemas.microsoft.com/office/drawing/2014/main" id="{AB0E2D50-9BAB-40CA-B902-32F21AFFD33E}"/>
+                </a:ext>
+              </a:extLst>
+            </p:cNvPr>
+            <p:cNvSpPr/>
+            <p:nvPr/>
+          </p:nvSpPr>
+          <p:spPr>
+            <a:xfrm>
+              <a:off x="5361809" y="4045469"/>
+              <a:ext cx="1093509" cy="244102"/>
+            </a:xfrm>
+            <a:custGeom>
+              <a:avLst/>
+              <a:gdLst>
+                <a:gd name="connsiteX0" fmla="*/ 0 w 1150070"/>
+                <a:gd name="connsiteY0" fmla="*/ 1479012 h 1479012"/>
+                <a:gd name="connsiteX1" fmla="*/ 575035 w 1150070"/>
+                <a:gd name="connsiteY1" fmla="*/ 0 h 1479012"/>
+                <a:gd name="connsiteX2" fmla="*/ 1150070 w 1150070"/>
+                <a:gd name="connsiteY2" fmla="*/ 1479012 h 1479012"/>
+                <a:gd name="connsiteX3" fmla="*/ 0 w 1150070"/>
+                <a:gd name="connsiteY3" fmla="*/ 1479012 h 1479012"/>
+                <a:gd name="connsiteX0" fmla="*/ 0 w 1395167"/>
+                <a:gd name="connsiteY0" fmla="*/ 781428 h 1479012"/>
+                <a:gd name="connsiteX1" fmla="*/ 820132 w 1395167"/>
+                <a:gd name="connsiteY1" fmla="*/ 0 h 1479012"/>
+                <a:gd name="connsiteX2" fmla="*/ 1395167 w 1395167"/>
+                <a:gd name="connsiteY2" fmla="*/ 1479012 h 1479012"/>
+                <a:gd name="connsiteX3" fmla="*/ 0 w 1395167"/>
+                <a:gd name="connsiteY3" fmla="*/ 781428 h 1479012"/>
+                <a:gd name="connsiteX0" fmla="*/ 0 w 820132"/>
+                <a:gd name="connsiteY0" fmla="*/ 781428 h 1629841"/>
+                <a:gd name="connsiteX1" fmla="*/ 820132 w 820132"/>
+                <a:gd name="connsiteY1" fmla="*/ 0 h 1629841"/>
+                <a:gd name="connsiteX2" fmla="*/ 94268 w 820132"/>
+                <a:gd name="connsiteY2" fmla="*/ 1629841 h 1629841"/>
+                <a:gd name="connsiteX3" fmla="*/ 0 w 820132"/>
+                <a:gd name="connsiteY3" fmla="*/ 781428 h 1629841"/>
+                <a:gd name="connsiteX0" fmla="*/ 0 w 1150070"/>
+                <a:gd name="connsiteY0" fmla="*/ 0 h 848413"/>
+                <a:gd name="connsiteX1" fmla="*/ 1150070 w 1150070"/>
+                <a:gd name="connsiteY1" fmla="*/ 66985 h 848413"/>
+                <a:gd name="connsiteX2" fmla="*/ 94268 w 1150070"/>
+                <a:gd name="connsiteY2" fmla="*/ 848413 h 848413"/>
+                <a:gd name="connsiteX3" fmla="*/ 0 w 1150070"/>
+                <a:gd name="connsiteY3" fmla="*/ 0 h 848413"/>
+                <a:gd name="connsiteX0" fmla="*/ 0 w 1168923"/>
+                <a:gd name="connsiteY0" fmla="*/ 0 h 914401"/>
+                <a:gd name="connsiteX1" fmla="*/ 1168923 w 1168923"/>
+                <a:gd name="connsiteY1" fmla="*/ 132973 h 914401"/>
+                <a:gd name="connsiteX2" fmla="*/ 113121 w 1168923"/>
+                <a:gd name="connsiteY2" fmla="*/ 914401 h 914401"/>
+                <a:gd name="connsiteX3" fmla="*/ 0 w 1168923"/>
+                <a:gd name="connsiteY3" fmla="*/ 0 h 914401"/>
+                <a:gd name="connsiteX0" fmla="*/ 0 w 1989055"/>
+                <a:gd name="connsiteY0" fmla="*/ 0 h 791852"/>
+                <a:gd name="connsiteX1" fmla="*/ 1989055 w 1989055"/>
+                <a:gd name="connsiteY1" fmla="*/ 10424 h 791852"/>
+                <a:gd name="connsiteX2" fmla="*/ 933253 w 1989055"/>
+                <a:gd name="connsiteY2" fmla="*/ 791852 h 791852"/>
+                <a:gd name="connsiteX3" fmla="*/ 0 w 1989055"/>
+                <a:gd name="connsiteY3" fmla="*/ 0 h 791852"/>
+                <a:gd name="connsiteX0" fmla="*/ 0 w 1150070"/>
+                <a:gd name="connsiteY0" fmla="*/ 800281 h 1592133"/>
+                <a:gd name="connsiteX1" fmla="*/ 1150070 w 1150070"/>
+                <a:gd name="connsiteY1" fmla="*/ 0 h 1592133"/>
+                <a:gd name="connsiteX2" fmla="*/ 933253 w 1150070"/>
+                <a:gd name="connsiteY2" fmla="*/ 1592133 h 1592133"/>
+                <a:gd name="connsiteX3" fmla="*/ 0 w 1150070"/>
+                <a:gd name="connsiteY3" fmla="*/ 800281 h 1592133"/>
+                <a:gd name="connsiteX0" fmla="*/ 0 w 1168923"/>
+                <a:gd name="connsiteY0" fmla="*/ 800281 h 800281"/>
+                <a:gd name="connsiteX1" fmla="*/ 1150070 w 1168923"/>
+                <a:gd name="connsiteY1" fmla="*/ 0 h 800281"/>
+                <a:gd name="connsiteX2" fmla="*/ 1168923 w 1168923"/>
+                <a:gd name="connsiteY2" fmla="*/ 781428 h 800281"/>
+                <a:gd name="connsiteX3" fmla="*/ 0 w 1168923"/>
+                <a:gd name="connsiteY3" fmla="*/ 800281 h 800281"/>
+                <a:gd name="connsiteX0" fmla="*/ 1593130 w 2762053"/>
+                <a:gd name="connsiteY0" fmla="*/ 1177354 h 1177354"/>
+                <a:gd name="connsiteX1" fmla="*/ 0 w 2762053"/>
+                <a:gd name="connsiteY1" fmla="*/ 0 h 1177354"/>
+                <a:gd name="connsiteX2" fmla="*/ 2762053 w 2762053"/>
+                <a:gd name="connsiteY2" fmla="*/ 1158501 h 1177354"/>
+                <a:gd name="connsiteX3" fmla="*/ 1593130 w 2762053"/>
+                <a:gd name="connsiteY3" fmla="*/ 1177354 h 1177354"/>
+                <a:gd name="connsiteX0" fmla="*/ 94268 w 2762053"/>
+                <a:gd name="connsiteY0" fmla="*/ 781428 h 1158501"/>
+                <a:gd name="connsiteX1" fmla="*/ 0 w 2762053"/>
+                <a:gd name="connsiteY1" fmla="*/ 0 h 1158501"/>
+                <a:gd name="connsiteX2" fmla="*/ 2762053 w 2762053"/>
+                <a:gd name="connsiteY2" fmla="*/ 1158501 h 1158501"/>
+                <a:gd name="connsiteX3" fmla="*/ 94268 w 2762053"/>
+                <a:gd name="connsiteY3" fmla="*/ 781428 h 1158501"/>
+                <a:gd name="connsiteX0" fmla="*/ 94268 w 791851"/>
+                <a:gd name="connsiteY0" fmla="*/ 781428 h 781428"/>
+                <a:gd name="connsiteX1" fmla="*/ 0 w 791851"/>
+                <a:gd name="connsiteY1" fmla="*/ 0 h 781428"/>
+                <a:gd name="connsiteX2" fmla="*/ 791851 w 791851"/>
+                <a:gd name="connsiteY2" fmla="*/ 508052 h 781428"/>
+                <a:gd name="connsiteX3" fmla="*/ 94268 w 791851"/>
+                <a:gd name="connsiteY3" fmla="*/ 781428 h 781428"/>
+                <a:gd name="connsiteX0" fmla="*/ 94268 w 725864"/>
+                <a:gd name="connsiteY0" fmla="*/ 781428 h 781428"/>
+                <a:gd name="connsiteX1" fmla="*/ 0 w 725864"/>
+                <a:gd name="connsiteY1" fmla="*/ 0 h 781428"/>
+                <a:gd name="connsiteX2" fmla="*/ 725864 w 725864"/>
+                <a:gd name="connsiteY2" fmla="*/ 489198 h 781428"/>
+                <a:gd name="connsiteX3" fmla="*/ 94268 w 725864"/>
+                <a:gd name="connsiteY3" fmla="*/ 781428 h 781428"/>
+                <a:gd name="connsiteX0" fmla="*/ 725864 w 1357460"/>
+                <a:gd name="connsiteY0" fmla="*/ 1328183 h 1328183"/>
+                <a:gd name="connsiteX1" fmla="*/ 0 w 1357460"/>
+                <a:gd name="connsiteY1" fmla="*/ 0 h 1328183"/>
+                <a:gd name="connsiteX2" fmla="*/ 1357460 w 1357460"/>
+                <a:gd name="connsiteY2" fmla="*/ 1035953 h 1328183"/>
+                <a:gd name="connsiteX3" fmla="*/ 725864 w 1357460"/>
+                <a:gd name="connsiteY3" fmla="*/ 1328183 h 1328183"/>
+                <a:gd name="connsiteX0" fmla="*/ 0 w 1941922"/>
+                <a:gd name="connsiteY0" fmla="*/ 404356 h 1035953"/>
+                <a:gd name="connsiteX1" fmla="*/ 584462 w 1941922"/>
+                <a:gd name="connsiteY1" fmla="*/ 0 h 1035953"/>
+                <a:gd name="connsiteX2" fmla="*/ 1941922 w 1941922"/>
+                <a:gd name="connsiteY2" fmla="*/ 1035953 h 1035953"/>
+                <a:gd name="connsiteX3" fmla="*/ 0 w 1941922"/>
+                <a:gd name="connsiteY3" fmla="*/ 404356 h 1035953"/>
+                <a:gd name="connsiteX0" fmla="*/ 0 w 584462"/>
+                <a:gd name="connsiteY0" fmla="*/ 404356 h 875698"/>
+                <a:gd name="connsiteX1" fmla="*/ 584462 w 584462"/>
+                <a:gd name="connsiteY1" fmla="*/ 0 h 875698"/>
+                <a:gd name="connsiteX2" fmla="*/ 254524 w 584462"/>
+                <a:gd name="connsiteY2" fmla="*/ 875698 h 875698"/>
+                <a:gd name="connsiteX3" fmla="*/ 0 w 584462"/>
+                <a:gd name="connsiteY3" fmla="*/ 404356 h 875698"/>
+                <a:gd name="connsiteX0" fmla="*/ 75414 w 329938"/>
+                <a:gd name="connsiteY0" fmla="*/ 1281049 h 1752391"/>
+                <a:gd name="connsiteX1" fmla="*/ 0 w 329938"/>
+                <a:gd name="connsiteY1" fmla="*/ 0 h 1752391"/>
+                <a:gd name="connsiteX2" fmla="*/ 329938 w 329938"/>
+                <a:gd name="connsiteY2" fmla="*/ 1752391 h 1752391"/>
+                <a:gd name="connsiteX3" fmla="*/ 75414 w 329938"/>
+                <a:gd name="connsiteY3" fmla="*/ 1281049 h 1752391"/>
+                <a:gd name="connsiteX0" fmla="*/ 0 w 933254"/>
+                <a:gd name="connsiteY0" fmla="*/ 310088 h 1752391"/>
+                <a:gd name="connsiteX1" fmla="*/ 603316 w 933254"/>
+                <a:gd name="connsiteY1" fmla="*/ 0 h 1752391"/>
+                <a:gd name="connsiteX2" fmla="*/ 933254 w 933254"/>
+                <a:gd name="connsiteY2" fmla="*/ 1752391 h 1752391"/>
+                <a:gd name="connsiteX3" fmla="*/ 0 w 933254"/>
+                <a:gd name="connsiteY3" fmla="*/ 310088 h 1752391"/>
+                <a:gd name="connsiteX0" fmla="*/ 0 w 914400"/>
+                <a:gd name="connsiteY0" fmla="*/ 310088 h 517480"/>
+                <a:gd name="connsiteX1" fmla="*/ 603316 w 914400"/>
+                <a:gd name="connsiteY1" fmla="*/ 0 h 517480"/>
+                <a:gd name="connsiteX2" fmla="*/ 914400 w 914400"/>
+                <a:gd name="connsiteY2" fmla="*/ 517480 h 517480"/>
+                <a:gd name="connsiteX3" fmla="*/ 0 w 914400"/>
+                <a:gd name="connsiteY3" fmla="*/ 310088 h 517480"/>
+                <a:gd name="connsiteX0" fmla="*/ 0 w 1847654"/>
+                <a:gd name="connsiteY0" fmla="*/ 1054805 h 1262197"/>
+                <a:gd name="connsiteX1" fmla="*/ 1847654 w 1847654"/>
+                <a:gd name="connsiteY1" fmla="*/ 0 h 1262197"/>
+                <a:gd name="connsiteX2" fmla="*/ 914400 w 1847654"/>
+                <a:gd name="connsiteY2" fmla="*/ 1262197 h 1262197"/>
+                <a:gd name="connsiteX3" fmla="*/ 0 w 1847654"/>
+                <a:gd name="connsiteY3" fmla="*/ 1054805 h 1262197"/>
+                <a:gd name="connsiteX0" fmla="*/ 0 w 1093509"/>
+                <a:gd name="connsiteY0" fmla="*/ 8430 h 1262197"/>
+                <a:gd name="connsiteX1" fmla="*/ 1093509 w 1093509"/>
+                <a:gd name="connsiteY1" fmla="*/ 0 h 1262197"/>
+                <a:gd name="connsiteX2" fmla="*/ 160255 w 1093509"/>
+                <a:gd name="connsiteY2" fmla="*/ 1262197 h 1262197"/>
+                <a:gd name="connsiteX3" fmla="*/ 0 w 1093509"/>
+                <a:gd name="connsiteY3" fmla="*/ 8430 h 1262197"/>
+                <a:gd name="connsiteX0" fmla="*/ 0 w 1093509"/>
+                <a:gd name="connsiteY0" fmla="*/ 8430 h 366651"/>
+                <a:gd name="connsiteX1" fmla="*/ 1093509 w 1093509"/>
+                <a:gd name="connsiteY1" fmla="*/ 0 h 366651"/>
+                <a:gd name="connsiteX2" fmla="*/ 622169 w 1093509"/>
+                <a:gd name="connsiteY2" fmla="*/ 366651 h 366651"/>
+                <a:gd name="connsiteX3" fmla="*/ 0 w 1093509"/>
+                <a:gd name="connsiteY3" fmla="*/ 8430 h 366651"/>
+                <a:gd name="connsiteX0" fmla="*/ 0 w 1093509"/>
+                <a:gd name="connsiteY0" fmla="*/ 8430 h 244102"/>
+                <a:gd name="connsiteX1" fmla="*/ 1093509 w 1093509"/>
+                <a:gd name="connsiteY1" fmla="*/ 0 h 244102"/>
+                <a:gd name="connsiteX2" fmla="*/ 471340 w 1093509"/>
+                <a:gd name="connsiteY2" fmla="*/ 244102 h 244102"/>
+                <a:gd name="connsiteX3" fmla="*/ 0 w 1093509"/>
+                <a:gd name="connsiteY3" fmla="*/ 8430 h 244102"/>
+              </a:gdLst>
+              <a:ahLst/>
+              <a:cxnLst>
+                <a:cxn ang="0">
+                  <a:pos x="connsiteX0" y="connsiteY0"/>
+                </a:cxn>
+                <a:cxn ang="0">
+                  <a:pos x="connsiteX1" y="connsiteY1"/>
+                </a:cxn>
+                <a:cxn ang="0">
+                  <a:pos x="connsiteX2" y="connsiteY2"/>
+                </a:cxn>
+                <a:cxn ang="0">
+                  <a:pos x="connsiteX3" y="connsiteY3"/>
+                </a:cxn>
+              </a:cxnLst>
+              <a:rect l="l" t="t" r="r" b="b"/>
+              <a:pathLst>
+                <a:path w="1093509" h="244102">
+                  <a:moveTo>
+                    <a:pt x="0" y="8430"/>
+                  </a:moveTo>
+                  <a:lnTo>
+                    <a:pt x="1093509" y="0"/>
+                  </a:lnTo>
+                  <a:lnTo>
+                    <a:pt x="471340" y="244102"/>
+                  </a:lnTo>
+                  <a:lnTo>
+                    <a:pt x="0" y="8430"/>
+                  </a:lnTo>
+                  <a:close/>
+                </a:path>
+              </a:pathLst>
+            </a:custGeom>
+            <a:solidFill>
+              <a:schemeClr val="accent2">
+                <a:lumMod val="60000"/>
+                <a:lumOff val="40000"/>
+              </a:schemeClr>
+            </a:solidFill>
+            <a:ln>
+              <a:noFill/>
+            </a:ln>
+          </p:spPr>
+          <p:style>
+            <a:lnRef idx="2">
+              <a:schemeClr val="accent1">
+                <a:shade val="50000"/>
+              </a:schemeClr>
+            </a:lnRef>
+            <a:fillRef idx="1">
+              <a:schemeClr val="accent1"/>
+            </a:fillRef>
+            <a:effectRef idx="0">
+              <a:schemeClr val="accent1"/>
+            </a:effectRef>
+            <a:fontRef idx="minor">
+              <a:schemeClr val="lt1"/>
+            </a:fontRef>
+          </p:style>
+          <p:txBody>
+            <a:bodyPr rtlCol="0" anchor="ctr"/>
+            <a:lstStyle/>
+            <a:p>
+              <a:pPr algn="ctr"/>
+              <a:endParaRPr lang="zh-CN" altLang="en-US"/>
+            </a:p>
+          </p:txBody>
+        </p:sp>
+        <p:sp>
+          <p:nvSpPr>
+            <p:cNvPr id="30" name="等腰三角形 25">
+              <a:extLst>
+                <a:ext uri="{FF2B5EF4-FFF2-40B4-BE49-F238E27FC236}">
+                  <a16:creationId xmlns:a16="http://schemas.microsoft.com/office/drawing/2014/main" id="{06867E7D-FF0D-47ED-98DE-3401D5ACB76A}"/>
+                </a:ext>
+              </a:extLst>
+            </p:cNvPr>
+            <p:cNvSpPr/>
+            <p:nvPr/>
+          </p:nvSpPr>
+          <p:spPr>
+            <a:xfrm>
+              <a:off x="6033612" y="4119108"/>
+              <a:ext cx="923827" cy="498626"/>
+            </a:xfrm>
+            <a:custGeom>
+              <a:avLst/>
+              <a:gdLst>
+                <a:gd name="connsiteX0" fmla="*/ 0 w 1150070"/>
+                <a:gd name="connsiteY0" fmla="*/ 1479012 h 1479012"/>
+                <a:gd name="connsiteX1" fmla="*/ 575035 w 1150070"/>
+                <a:gd name="connsiteY1" fmla="*/ 0 h 1479012"/>
+                <a:gd name="connsiteX2" fmla="*/ 1150070 w 1150070"/>
+                <a:gd name="connsiteY2" fmla="*/ 1479012 h 1479012"/>
+                <a:gd name="connsiteX3" fmla="*/ 0 w 1150070"/>
+                <a:gd name="connsiteY3" fmla="*/ 1479012 h 1479012"/>
+                <a:gd name="connsiteX0" fmla="*/ 0 w 1395167"/>
+                <a:gd name="connsiteY0" fmla="*/ 781428 h 1479012"/>
+                <a:gd name="connsiteX1" fmla="*/ 820132 w 1395167"/>
+                <a:gd name="connsiteY1" fmla="*/ 0 h 1479012"/>
+                <a:gd name="connsiteX2" fmla="*/ 1395167 w 1395167"/>
+                <a:gd name="connsiteY2" fmla="*/ 1479012 h 1479012"/>
+                <a:gd name="connsiteX3" fmla="*/ 0 w 1395167"/>
+                <a:gd name="connsiteY3" fmla="*/ 781428 h 1479012"/>
+                <a:gd name="connsiteX0" fmla="*/ 0 w 820132"/>
+                <a:gd name="connsiteY0" fmla="*/ 781428 h 1629841"/>
+                <a:gd name="connsiteX1" fmla="*/ 820132 w 820132"/>
+                <a:gd name="connsiteY1" fmla="*/ 0 h 1629841"/>
+                <a:gd name="connsiteX2" fmla="*/ 94268 w 820132"/>
+                <a:gd name="connsiteY2" fmla="*/ 1629841 h 1629841"/>
+                <a:gd name="connsiteX3" fmla="*/ 0 w 820132"/>
+                <a:gd name="connsiteY3" fmla="*/ 781428 h 1629841"/>
+                <a:gd name="connsiteX0" fmla="*/ 0 w 1150070"/>
+                <a:gd name="connsiteY0" fmla="*/ 0 h 848413"/>
+                <a:gd name="connsiteX1" fmla="*/ 1150070 w 1150070"/>
+                <a:gd name="connsiteY1" fmla="*/ 66985 h 848413"/>
+                <a:gd name="connsiteX2" fmla="*/ 94268 w 1150070"/>
+                <a:gd name="connsiteY2" fmla="*/ 848413 h 848413"/>
+                <a:gd name="connsiteX3" fmla="*/ 0 w 1150070"/>
+                <a:gd name="connsiteY3" fmla="*/ 0 h 848413"/>
+                <a:gd name="connsiteX0" fmla="*/ 0 w 1168923"/>
+                <a:gd name="connsiteY0" fmla="*/ 0 h 914401"/>
+                <a:gd name="connsiteX1" fmla="*/ 1168923 w 1168923"/>
+                <a:gd name="connsiteY1" fmla="*/ 132973 h 914401"/>
+                <a:gd name="connsiteX2" fmla="*/ 113121 w 1168923"/>
+                <a:gd name="connsiteY2" fmla="*/ 914401 h 914401"/>
+                <a:gd name="connsiteX3" fmla="*/ 0 w 1168923"/>
+                <a:gd name="connsiteY3" fmla="*/ 0 h 914401"/>
+                <a:gd name="connsiteX0" fmla="*/ 0 w 1989055"/>
+                <a:gd name="connsiteY0" fmla="*/ 0 h 791852"/>
+                <a:gd name="connsiteX1" fmla="*/ 1989055 w 1989055"/>
+                <a:gd name="connsiteY1" fmla="*/ 10424 h 791852"/>
+                <a:gd name="connsiteX2" fmla="*/ 933253 w 1989055"/>
+                <a:gd name="connsiteY2" fmla="*/ 791852 h 791852"/>
+                <a:gd name="connsiteX3" fmla="*/ 0 w 1989055"/>
+                <a:gd name="connsiteY3" fmla="*/ 0 h 791852"/>
+                <a:gd name="connsiteX0" fmla="*/ 0 w 1150070"/>
+                <a:gd name="connsiteY0" fmla="*/ 800281 h 1592133"/>
+                <a:gd name="connsiteX1" fmla="*/ 1150070 w 1150070"/>
+                <a:gd name="connsiteY1" fmla="*/ 0 h 1592133"/>
+                <a:gd name="connsiteX2" fmla="*/ 933253 w 1150070"/>
+                <a:gd name="connsiteY2" fmla="*/ 1592133 h 1592133"/>
+                <a:gd name="connsiteX3" fmla="*/ 0 w 1150070"/>
+                <a:gd name="connsiteY3" fmla="*/ 800281 h 1592133"/>
+                <a:gd name="connsiteX0" fmla="*/ 0 w 1168923"/>
+                <a:gd name="connsiteY0" fmla="*/ 800281 h 800281"/>
+                <a:gd name="connsiteX1" fmla="*/ 1150070 w 1168923"/>
+                <a:gd name="connsiteY1" fmla="*/ 0 h 800281"/>
+                <a:gd name="connsiteX2" fmla="*/ 1168923 w 1168923"/>
+                <a:gd name="connsiteY2" fmla="*/ 781428 h 800281"/>
+                <a:gd name="connsiteX3" fmla="*/ 0 w 1168923"/>
+                <a:gd name="connsiteY3" fmla="*/ 800281 h 800281"/>
+                <a:gd name="connsiteX0" fmla="*/ 1593130 w 2762053"/>
+                <a:gd name="connsiteY0" fmla="*/ 1177354 h 1177354"/>
+                <a:gd name="connsiteX1" fmla="*/ 0 w 2762053"/>
+                <a:gd name="connsiteY1" fmla="*/ 0 h 1177354"/>
+                <a:gd name="connsiteX2" fmla="*/ 2762053 w 2762053"/>
+                <a:gd name="connsiteY2" fmla="*/ 1158501 h 1177354"/>
+                <a:gd name="connsiteX3" fmla="*/ 1593130 w 2762053"/>
+                <a:gd name="connsiteY3" fmla="*/ 1177354 h 1177354"/>
+                <a:gd name="connsiteX0" fmla="*/ 94268 w 2762053"/>
+                <a:gd name="connsiteY0" fmla="*/ 781428 h 1158501"/>
+                <a:gd name="connsiteX1" fmla="*/ 0 w 2762053"/>
+                <a:gd name="connsiteY1" fmla="*/ 0 h 1158501"/>
+                <a:gd name="connsiteX2" fmla="*/ 2762053 w 2762053"/>
+                <a:gd name="connsiteY2" fmla="*/ 1158501 h 1158501"/>
+                <a:gd name="connsiteX3" fmla="*/ 94268 w 2762053"/>
+                <a:gd name="connsiteY3" fmla="*/ 781428 h 1158501"/>
+                <a:gd name="connsiteX0" fmla="*/ 94268 w 791851"/>
+                <a:gd name="connsiteY0" fmla="*/ 781428 h 781428"/>
+                <a:gd name="connsiteX1" fmla="*/ 0 w 791851"/>
+                <a:gd name="connsiteY1" fmla="*/ 0 h 781428"/>
+                <a:gd name="connsiteX2" fmla="*/ 791851 w 791851"/>
+                <a:gd name="connsiteY2" fmla="*/ 508052 h 781428"/>
+                <a:gd name="connsiteX3" fmla="*/ 94268 w 791851"/>
+                <a:gd name="connsiteY3" fmla="*/ 781428 h 781428"/>
+                <a:gd name="connsiteX0" fmla="*/ 94268 w 725864"/>
+                <a:gd name="connsiteY0" fmla="*/ 781428 h 781428"/>
+                <a:gd name="connsiteX1" fmla="*/ 0 w 725864"/>
+                <a:gd name="connsiteY1" fmla="*/ 0 h 781428"/>
+                <a:gd name="connsiteX2" fmla="*/ 725864 w 725864"/>
+                <a:gd name="connsiteY2" fmla="*/ 489198 h 781428"/>
+                <a:gd name="connsiteX3" fmla="*/ 94268 w 725864"/>
+                <a:gd name="connsiteY3" fmla="*/ 781428 h 781428"/>
+                <a:gd name="connsiteX0" fmla="*/ 725864 w 1357460"/>
+                <a:gd name="connsiteY0" fmla="*/ 1328183 h 1328183"/>
+                <a:gd name="connsiteX1" fmla="*/ 0 w 1357460"/>
+                <a:gd name="connsiteY1" fmla="*/ 0 h 1328183"/>
+                <a:gd name="connsiteX2" fmla="*/ 1357460 w 1357460"/>
+                <a:gd name="connsiteY2" fmla="*/ 1035953 h 1328183"/>
+                <a:gd name="connsiteX3" fmla="*/ 725864 w 1357460"/>
+                <a:gd name="connsiteY3" fmla="*/ 1328183 h 1328183"/>
+                <a:gd name="connsiteX0" fmla="*/ 0 w 1941922"/>
+                <a:gd name="connsiteY0" fmla="*/ 404356 h 1035953"/>
+                <a:gd name="connsiteX1" fmla="*/ 584462 w 1941922"/>
+                <a:gd name="connsiteY1" fmla="*/ 0 h 1035953"/>
+                <a:gd name="connsiteX2" fmla="*/ 1941922 w 1941922"/>
+                <a:gd name="connsiteY2" fmla="*/ 1035953 h 1035953"/>
+                <a:gd name="connsiteX3" fmla="*/ 0 w 1941922"/>
+                <a:gd name="connsiteY3" fmla="*/ 404356 h 1035953"/>
+                <a:gd name="connsiteX0" fmla="*/ 0 w 584462"/>
+                <a:gd name="connsiteY0" fmla="*/ 404356 h 875698"/>
+                <a:gd name="connsiteX1" fmla="*/ 584462 w 584462"/>
+                <a:gd name="connsiteY1" fmla="*/ 0 h 875698"/>
+                <a:gd name="connsiteX2" fmla="*/ 254524 w 584462"/>
+                <a:gd name="connsiteY2" fmla="*/ 875698 h 875698"/>
+                <a:gd name="connsiteX3" fmla="*/ 0 w 584462"/>
+                <a:gd name="connsiteY3" fmla="*/ 404356 h 875698"/>
+                <a:gd name="connsiteX0" fmla="*/ 75414 w 329938"/>
+                <a:gd name="connsiteY0" fmla="*/ 1281049 h 1752391"/>
+                <a:gd name="connsiteX1" fmla="*/ 0 w 329938"/>
+                <a:gd name="connsiteY1" fmla="*/ 0 h 1752391"/>
+                <a:gd name="connsiteX2" fmla="*/ 329938 w 329938"/>
+                <a:gd name="connsiteY2" fmla="*/ 1752391 h 1752391"/>
+                <a:gd name="connsiteX3" fmla="*/ 75414 w 329938"/>
+                <a:gd name="connsiteY3" fmla="*/ 1281049 h 1752391"/>
+                <a:gd name="connsiteX0" fmla="*/ 0 w 933254"/>
+                <a:gd name="connsiteY0" fmla="*/ 310088 h 1752391"/>
+                <a:gd name="connsiteX1" fmla="*/ 603316 w 933254"/>
+                <a:gd name="connsiteY1" fmla="*/ 0 h 1752391"/>
+                <a:gd name="connsiteX2" fmla="*/ 933254 w 933254"/>
+                <a:gd name="connsiteY2" fmla="*/ 1752391 h 1752391"/>
+                <a:gd name="connsiteX3" fmla="*/ 0 w 933254"/>
+                <a:gd name="connsiteY3" fmla="*/ 310088 h 1752391"/>
+                <a:gd name="connsiteX0" fmla="*/ 0 w 914400"/>
+                <a:gd name="connsiteY0" fmla="*/ 310088 h 517480"/>
+                <a:gd name="connsiteX1" fmla="*/ 603316 w 914400"/>
+                <a:gd name="connsiteY1" fmla="*/ 0 h 517480"/>
+                <a:gd name="connsiteX2" fmla="*/ 914400 w 914400"/>
+                <a:gd name="connsiteY2" fmla="*/ 517480 h 517480"/>
+                <a:gd name="connsiteX3" fmla="*/ 0 w 914400"/>
+                <a:gd name="connsiteY3" fmla="*/ 310088 h 517480"/>
+                <a:gd name="connsiteX0" fmla="*/ 0 w 1847654"/>
+                <a:gd name="connsiteY0" fmla="*/ 1054805 h 1262197"/>
+                <a:gd name="connsiteX1" fmla="*/ 1847654 w 1847654"/>
+                <a:gd name="connsiteY1" fmla="*/ 0 h 1262197"/>
+                <a:gd name="connsiteX2" fmla="*/ 914400 w 1847654"/>
+                <a:gd name="connsiteY2" fmla="*/ 1262197 h 1262197"/>
+                <a:gd name="connsiteX3" fmla="*/ 0 w 1847654"/>
+                <a:gd name="connsiteY3" fmla="*/ 1054805 h 1262197"/>
+                <a:gd name="connsiteX0" fmla="*/ 0 w 1093509"/>
+                <a:gd name="connsiteY0" fmla="*/ 8430 h 1262197"/>
+                <a:gd name="connsiteX1" fmla="*/ 1093509 w 1093509"/>
+                <a:gd name="connsiteY1" fmla="*/ 0 h 1262197"/>
+                <a:gd name="connsiteX2" fmla="*/ 160255 w 1093509"/>
+                <a:gd name="connsiteY2" fmla="*/ 1262197 h 1262197"/>
+                <a:gd name="connsiteX3" fmla="*/ 0 w 1093509"/>
+                <a:gd name="connsiteY3" fmla="*/ 8430 h 1262197"/>
+                <a:gd name="connsiteX0" fmla="*/ 0 w 1093509"/>
+                <a:gd name="connsiteY0" fmla="*/ 8430 h 366651"/>
+                <a:gd name="connsiteX1" fmla="*/ 1093509 w 1093509"/>
+                <a:gd name="connsiteY1" fmla="*/ 0 h 366651"/>
+                <a:gd name="connsiteX2" fmla="*/ 622169 w 1093509"/>
+                <a:gd name="connsiteY2" fmla="*/ 366651 h 366651"/>
+                <a:gd name="connsiteX3" fmla="*/ 0 w 1093509"/>
+                <a:gd name="connsiteY3" fmla="*/ 8430 h 366651"/>
+                <a:gd name="connsiteX0" fmla="*/ 0 w 1093509"/>
+                <a:gd name="connsiteY0" fmla="*/ 8430 h 244102"/>
+                <a:gd name="connsiteX1" fmla="*/ 1093509 w 1093509"/>
+                <a:gd name="connsiteY1" fmla="*/ 0 h 244102"/>
+                <a:gd name="connsiteX2" fmla="*/ 471340 w 1093509"/>
+                <a:gd name="connsiteY2" fmla="*/ 244102 h 244102"/>
+                <a:gd name="connsiteX3" fmla="*/ 0 w 1093509"/>
+                <a:gd name="connsiteY3" fmla="*/ 8430 h 244102"/>
+                <a:gd name="connsiteX0" fmla="*/ 0 w 782424"/>
+                <a:gd name="connsiteY0" fmla="*/ 1233915 h 1469587"/>
+                <a:gd name="connsiteX1" fmla="*/ 782424 w 782424"/>
+                <a:gd name="connsiteY1" fmla="*/ 0 h 1469587"/>
+                <a:gd name="connsiteX2" fmla="*/ 471340 w 782424"/>
+                <a:gd name="connsiteY2" fmla="*/ 1469587 h 1469587"/>
+                <a:gd name="connsiteX3" fmla="*/ 0 w 782424"/>
+                <a:gd name="connsiteY3" fmla="*/ 1233915 h 1469587"/>
+                <a:gd name="connsiteX0" fmla="*/ 0 w 631595"/>
+                <a:gd name="connsiteY0" fmla="*/ 291235 h 1469587"/>
+                <a:gd name="connsiteX1" fmla="*/ 631595 w 631595"/>
+                <a:gd name="connsiteY1" fmla="*/ 0 h 1469587"/>
+                <a:gd name="connsiteX2" fmla="*/ 320511 w 631595"/>
+                <a:gd name="connsiteY2" fmla="*/ 1469587 h 1469587"/>
+                <a:gd name="connsiteX3" fmla="*/ 0 w 631595"/>
+                <a:gd name="connsiteY3" fmla="*/ 291235 h 1469587"/>
+                <a:gd name="connsiteX0" fmla="*/ 0 w 923827"/>
+                <a:gd name="connsiteY0" fmla="*/ 291235 h 498626"/>
+                <a:gd name="connsiteX1" fmla="*/ 631595 w 923827"/>
+                <a:gd name="connsiteY1" fmla="*/ 0 h 498626"/>
+                <a:gd name="connsiteX2" fmla="*/ 923827 w 923827"/>
+                <a:gd name="connsiteY2" fmla="*/ 498626 h 498626"/>
+                <a:gd name="connsiteX3" fmla="*/ 0 w 923827"/>
+                <a:gd name="connsiteY3" fmla="*/ 291235 h 498626"/>
+              </a:gdLst>
+              <a:ahLst/>
+              <a:cxnLst>
+                <a:cxn ang="0">
+                  <a:pos x="connsiteX0" y="connsiteY0"/>
+                </a:cxn>
+                <a:cxn ang="0">
+                  <a:pos x="connsiteX1" y="connsiteY1"/>
+                </a:cxn>
+                <a:cxn ang="0">
+                  <a:pos x="connsiteX2" y="connsiteY2"/>
+                </a:cxn>
+                <a:cxn ang="0">
+                  <a:pos x="connsiteX3" y="connsiteY3"/>
+                </a:cxn>
+              </a:cxnLst>
+              <a:rect l="l" t="t" r="r" b="b"/>
+              <a:pathLst>
+                <a:path w="923827" h="498626">
+                  <a:moveTo>
+                    <a:pt x="0" y="291235"/>
+                  </a:moveTo>
+                  <a:lnTo>
+                    <a:pt x="631595" y="0"/>
+                  </a:lnTo>
+                  <a:lnTo>
+                    <a:pt x="923827" y="498626"/>
+                  </a:lnTo>
+                  <a:lnTo>
+                    <a:pt x="0" y="291235"/>
+                  </a:lnTo>
+                  <a:close/>
+                </a:path>
+              </a:pathLst>
+            </a:custGeom>
+            <a:solidFill>
+              <a:schemeClr val="accent2">
+                <a:lumMod val="60000"/>
+                <a:lumOff val="40000"/>
+              </a:schemeClr>
+            </a:solidFill>
+            <a:ln>
+              <a:noFill/>
+            </a:ln>
+          </p:spPr>
+          <p:style>
+            <a:lnRef idx="2">
+              <a:schemeClr val="accent1">
+                <a:shade val="50000"/>
+              </a:schemeClr>
+            </a:lnRef>
+            <a:fillRef idx="1">
+              <a:schemeClr val="accent1"/>
+            </a:fillRef>
+            <a:effectRef idx="0">
+              <a:schemeClr val="accent1"/>
+            </a:effectRef>
+            <a:fontRef idx="minor">
+              <a:schemeClr val="lt1"/>
+            </a:fontRef>
+          </p:style>
+          <p:txBody>
+            <a:bodyPr rtlCol="0" anchor="ctr"/>
+            <a:lstStyle/>
+            <a:p>
+              <a:pPr algn="ctr"/>
+              <a:endParaRPr lang="zh-CN" altLang="en-US"/>
+            </a:p>
+          </p:txBody>
+        </p:sp>
+        <p:sp>
+          <p:nvSpPr>
+            <p:cNvPr id="31" name="等腰三角形 25">
+              <a:extLst>
+                <a:ext uri="{FF2B5EF4-FFF2-40B4-BE49-F238E27FC236}">
+                  <a16:creationId xmlns:a16="http://schemas.microsoft.com/office/drawing/2014/main" id="{4867AADA-926B-4552-B296-19EE18AE22CB}"/>
+                </a:ext>
+              </a:extLst>
+            </p:cNvPr>
+            <p:cNvSpPr/>
+            <p:nvPr/>
+          </p:nvSpPr>
+          <p:spPr>
+            <a:xfrm>
+              <a:off x="6872597" y="3698132"/>
+              <a:ext cx="593888" cy="809710"/>
+            </a:xfrm>
+            <a:custGeom>
+              <a:avLst/>
+              <a:gdLst>
+                <a:gd name="connsiteX0" fmla="*/ 0 w 1150070"/>
+                <a:gd name="connsiteY0" fmla="*/ 1479012 h 1479012"/>
+                <a:gd name="connsiteX1" fmla="*/ 575035 w 1150070"/>
+                <a:gd name="connsiteY1" fmla="*/ 0 h 1479012"/>
+                <a:gd name="connsiteX2" fmla="*/ 1150070 w 1150070"/>
+                <a:gd name="connsiteY2" fmla="*/ 1479012 h 1479012"/>
+                <a:gd name="connsiteX3" fmla="*/ 0 w 1150070"/>
+                <a:gd name="connsiteY3" fmla="*/ 1479012 h 1479012"/>
+                <a:gd name="connsiteX0" fmla="*/ 0 w 1395167"/>
+                <a:gd name="connsiteY0" fmla="*/ 781428 h 1479012"/>
+                <a:gd name="connsiteX1" fmla="*/ 820132 w 1395167"/>
+                <a:gd name="connsiteY1" fmla="*/ 0 h 1479012"/>
+                <a:gd name="connsiteX2" fmla="*/ 1395167 w 1395167"/>
+                <a:gd name="connsiteY2" fmla="*/ 1479012 h 1479012"/>
+                <a:gd name="connsiteX3" fmla="*/ 0 w 1395167"/>
+                <a:gd name="connsiteY3" fmla="*/ 781428 h 1479012"/>
+                <a:gd name="connsiteX0" fmla="*/ 0 w 820132"/>
+                <a:gd name="connsiteY0" fmla="*/ 781428 h 1629841"/>
+                <a:gd name="connsiteX1" fmla="*/ 820132 w 820132"/>
+                <a:gd name="connsiteY1" fmla="*/ 0 h 1629841"/>
+                <a:gd name="connsiteX2" fmla="*/ 94268 w 820132"/>
+                <a:gd name="connsiteY2" fmla="*/ 1629841 h 1629841"/>
+                <a:gd name="connsiteX3" fmla="*/ 0 w 820132"/>
+                <a:gd name="connsiteY3" fmla="*/ 781428 h 1629841"/>
+                <a:gd name="connsiteX0" fmla="*/ 0 w 1150070"/>
+                <a:gd name="connsiteY0" fmla="*/ 0 h 848413"/>
+                <a:gd name="connsiteX1" fmla="*/ 1150070 w 1150070"/>
+                <a:gd name="connsiteY1" fmla="*/ 66985 h 848413"/>
+                <a:gd name="connsiteX2" fmla="*/ 94268 w 1150070"/>
+                <a:gd name="connsiteY2" fmla="*/ 848413 h 848413"/>
+                <a:gd name="connsiteX3" fmla="*/ 0 w 1150070"/>
+                <a:gd name="connsiteY3" fmla="*/ 0 h 848413"/>
+                <a:gd name="connsiteX0" fmla="*/ 0 w 1168923"/>
+                <a:gd name="connsiteY0" fmla="*/ 0 h 914401"/>
+                <a:gd name="connsiteX1" fmla="*/ 1168923 w 1168923"/>
+                <a:gd name="connsiteY1" fmla="*/ 132973 h 914401"/>
+                <a:gd name="connsiteX2" fmla="*/ 113121 w 1168923"/>
+                <a:gd name="connsiteY2" fmla="*/ 914401 h 914401"/>
+                <a:gd name="connsiteX3" fmla="*/ 0 w 1168923"/>
+                <a:gd name="connsiteY3" fmla="*/ 0 h 914401"/>
+                <a:gd name="connsiteX0" fmla="*/ 0 w 1989055"/>
+                <a:gd name="connsiteY0" fmla="*/ 0 h 791852"/>
+                <a:gd name="connsiteX1" fmla="*/ 1989055 w 1989055"/>
+                <a:gd name="connsiteY1" fmla="*/ 10424 h 791852"/>
+                <a:gd name="connsiteX2" fmla="*/ 933253 w 1989055"/>
+                <a:gd name="connsiteY2" fmla="*/ 791852 h 791852"/>
+                <a:gd name="connsiteX3" fmla="*/ 0 w 1989055"/>
+                <a:gd name="connsiteY3" fmla="*/ 0 h 791852"/>
+                <a:gd name="connsiteX0" fmla="*/ 0 w 1150070"/>
+                <a:gd name="connsiteY0" fmla="*/ 800281 h 1592133"/>
+                <a:gd name="connsiteX1" fmla="*/ 1150070 w 1150070"/>
+                <a:gd name="connsiteY1" fmla="*/ 0 h 1592133"/>
+                <a:gd name="connsiteX2" fmla="*/ 933253 w 1150070"/>
+                <a:gd name="connsiteY2" fmla="*/ 1592133 h 1592133"/>
+                <a:gd name="connsiteX3" fmla="*/ 0 w 1150070"/>
+                <a:gd name="connsiteY3" fmla="*/ 800281 h 1592133"/>
+                <a:gd name="connsiteX0" fmla="*/ 0 w 1168923"/>
+                <a:gd name="connsiteY0" fmla="*/ 800281 h 800281"/>
+                <a:gd name="connsiteX1" fmla="*/ 1150070 w 1168923"/>
+                <a:gd name="connsiteY1" fmla="*/ 0 h 800281"/>
+                <a:gd name="connsiteX2" fmla="*/ 1168923 w 1168923"/>
+                <a:gd name="connsiteY2" fmla="*/ 781428 h 800281"/>
+                <a:gd name="connsiteX3" fmla="*/ 0 w 1168923"/>
+                <a:gd name="connsiteY3" fmla="*/ 800281 h 800281"/>
+                <a:gd name="connsiteX0" fmla="*/ 1593130 w 2762053"/>
+                <a:gd name="connsiteY0" fmla="*/ 1177354 h 1177354"/>
+                <a:gd name="connsiteX1" fmla="*/ 0 w 2762053"/>
+                <a:gd name="connsiteY1" fmla="*/ 0 h 1177354"/>
+                <a:gd name="connsiteX2" fmla="*/ 2762053 w 2762053"/>
+                <a:gd name="connsiteY2" fmla="*/ 1158501 h 1177354"/>
+                <a:gd name="connsiteX3" fmla="*/ 1593130 w 2762053"/>
+                <a:gd name="connsiteY3" fmla="*/ 1177354 h 1177354"/>
+                <a:gd name="connsiteX0" fmla="*/ 94268 w 2762053"/>
+                <a:gd name="connsiteY0" fmla="*/ 781428 h 1158501"/>
+                <a:gd name="connsiteX1" fmla="*/ 0 w 2762053"/>
+                <a:gd name="connsiteY1" fmla="*/ 0 h 1158501"/>
+                <a:gd name="connsiteX2" fmla="*/ 2762053 w 2762053"/>
+                <a:gd name="connsiteY2" fmla="*/ 1158501 h 1158501"/>
+                <a:gd name="connsiteX3" fmla="*/ 94268 w 2762053"/>
+                <a:gd name="connsiteY3" fmla="*/ 781428 h 1158501"/>
+                <a:gd name="connsiteX0" fmla="*/ 94268 w 791851"/>
+                <a:gd name="connsiteY0" fmla="*/ 781428 h 781428"/>
+                <a:gd name="connsiteX1" fmla="*/ 0 w 791851"/>
+                <a:gd name="connsiteY1" fmla="*/ 0 h 781428"/>
+                <a:gd name="connsiteX2" fmla="*/ 791851 w 791851"/>
+                <a:gd name="connsiteY2" fmla="*/ 508052 h 781428"/>
+                <a:gd name="connsiteX3" fmla="*/ 94268 w 791851"/>
+                <a:gd name="connsiteY3" fmla="*/ 781428 h 781428"/>
+                <a:gd name="connsiteX0" fmla="*/ 94268 w 725864"/>
+                <a:gd name="connsiteY0" fmla="*/ 781428 h 781428"/>
+                <a:gd name="connsiteX1" fmla="*/ 0 w 725864"/>
+                <a:gd name="connsiteY1" fmla="*/ 0 h 781428"/>
+                <a:gd name="connsiteX2" fmla="*/ 725864 w 725864"/>
+                <a:gd name="connsiteY2" fmla="*/ 489198 h 781428"/>
+                <a:gd name="connsiteX3" fmla="*/ 94268 w 725864"/>
+                <a:gd name="connsiteY3" fmla="*/ 781428 h 781428"/>
+                <a:gd name="connsiteX0" fmla="*/ 725864 w 1357460"/>
+                <a:gd name="connsiteY0" fmla="*/ 1328183 h 1328183"/>
+                <a:gd name="connsiteX1" fmla="*/ 0 w 1357460"/>
+                <a:gd name="connsiteY1" fmla="*/ 0 h 1328183"/>
+                <a:gd name="connsiteX2" fmla="*/ 1357460 w 1357460"/>
+                <a:gd name="connsiteY2" fmla="*/ 1035953 h 1328183"/>
+                <a:gd name="connsiteX3" fmla="*/ 725864 w 1357460"/>
+                <a:gd name="connsiteY3" fmla="*/ 1328183 h 1328183"/>
+                <a:gd name="connsiteX0" fmla="*/ 0 w 1941922"/>
+                <a:gd name="connsiteY0" fmla="*/ 404356 h 1035953"/>
+                <a:gd name="connsiteX1" fmla="*/ 584462 w 1941922"/>
+                <a:gd name="connsiteY1" fmla="*/ 0 h 1035953"/>
+                <a:gd name="connsiteX2" fmla="*/ 1941922 w 1941922"/>
+                <a:gd name="connsiteY2" fmla="*/ 1035953 h 1035953"/>
+                <a:gd name="connsiteX3" fmla="*/ 0 w 1941922"/>
+                <a:gd name="connsiteY3" fmla="*/ 404356 h 1035953"/>
+                <a:gd name="connsiteX0" fmla="*/ 0 w 584462"/>
+                <a:gd name="connsiteY0" fmla="*/ 404356 h 875698"/>
+                <a:gd name="connsiteX1" fmla="*/ 584462 w 584462"/>
+                <a:gd name="connsiteY1" fmla="*/ 0 h 875698"/>
+                <a:gd name="connsiteX2" fmla="*/ 254524 w 584462"/>
+                <a:gd name="connsiteY2" fmla="*/ 875698 h 875698"/>
+                <a:gd name="connsiteX3" fmla="*/ 0 w 584462"/>
+                <a:gd name="connsiteY3" fmla="*/ 404356 h 875698"/>
+                <a:gd name="connsiteX0" fmla="*/ 75414 w 329938"/>
+                <a:gd name="connsiteY0" fmla="*/ 1281049 h 1752391"/>
+                <a:gd name="connsiteX1" fmla="*/ 0 w 329938"/>
+                <a:gd name="connsiteY1" fmla="*/ 0 h 1752391"/>
+                <a:gd name="connsiteX2" fmla="*/ 329938 w 329938"/>
+                <a:gd name="connsiteY2" fmla="*/ 1752391 h 1752391"/>
+                <a:gd name="connsiteX3" fmla="*/ 75414 w 329938"/>
+                <a:gd name="connsiteY3" fmla="*/ 1281049 h 1752391"/>
+                <a:gd name="connsiteX0" fmla="*/ 0 w 933254"/>
+                <a:gd name="connsiteY0" fmla="*/ 310088 h 1752391"/>
+                <a:gd name="connsiteX1" fmla="*/ 603316 w 933254"/>
+                <a:gd name="connsiteY1" fmla="*/ 0 h 1752391"/>
+                <a:gd name="connsiteX2" fmla="*/ 933254 w 933254"/>
+                <a:gd name="connsiteY2" fmla="*/ 1752391 h 1752391"/>
+                <a:gd name="connsiteX3" fmla="*/ 0 w 933254"/>
+                <a:gd name="connsiteY3" fmla="*/ 310088 h 1752391"/>
+                <a:gd name="connsiteX0" fmla="*/ 0 w 914400"/>
+                <a:gd name="connsiteY0" fmla="*/ 310088 h 517480"/>
+                <a:gd name="connsiteX1" fmla="*/ 603316 w 914400"/>
+                <a:gd name="connsiteY1" fmla="*/ 0 h 517480"/>
+                <a:gd name="connsiteX2" fmla="*/ 914400 w 914400"/>
+                <a:gd name="connsiteY2" fmla="*/ 517480 h 517480"/>
+                <a:gd name="connsiteX3" fmla="*/ 0 w 914400"/>
+                <a:gd name="connsiteY3" fmla="*/ 310088 h 517480"/>
+                <a:gd name="connsiteX0" fmla="*/ 0 w 1847654"/>
+                <a:gd name="connsiteY0" fmla="*/ 1054805 h 1262197"/>
+                <a:gd name="connsiteX1" fmla="*/ 1847654 w 1847654"/>
+                <a:gd name="connsiteY1" fmla="*/ 0 h 1262197"/>
+                <a:gd name="connsiteX2" fmla="*/ 914400 w 1847654"/>
+                <a:gd name="connsiteY2" fmla="*/ 1262197 h 1262197"/>
+                <a:gd name="connsiteX3" fmla="*/ 0 w 1847654"/>
+                <a:gd name="connsiteY3" fmla="*/ 1054805 h 1262197"/>
+                <a:gd name="connsiteX0" fmla="*/ 0 w 1093509"/>
+                <a:gd name="connsiteY0" fmla="*/ 8430 h 1262197"/>
+                <a:gd name="connsiteX1" fmla="*/ 1093509 w 1093509"/>
+                <a:gd name="connsiteY1" fmla="*/ 0 h 1262197"/>
+                <a:gd name="connsiteX2" fmla="*/ 160255 w 1093509"/>
+                <a:gd name="connsiteY2" fmla="*/ 1262197 h 1262197"/>
+                <a:gd name="connsiteX3" fmla="*/ 0 w 1093509"/>
+                <a:gd name="connsiteY3" fmla="*/ 8430 h 1262197"/>
+                <a:gd name="connsiteX0" fmla="*/ 0 w 1093509"/>
+                <a:gd name="connsiteY0" fmla="*/ 8430 h 366651"/>
+                <a:gd name="connsiteX1" fmla="*/ 1093509 w 1093509"/>
+                <a:gd name="connsiteY1" fmla="*/ 0 h 366651"/>
+                <a:gd name="connsiteX2" fmla="*/ 622169 w 1093509"/>
+                <a:gd name="connsiteY2" fmla="*/ 366651 h 366651"/>
+                <a:gd name="connsiteX3" fmla="*/ 0 w 1093509"/>
+                <a:gd name="connsiteY3" fmla="*/ 8430 h 366651"/>
+                <a:gd name="connsiteX0" fmla="*/ 0 w 1093509"/>
+                <a:gd name="connsiteY0" fmla="*/ 8430 h 244102"/>
+                <a:gd name="connsiteX1" fmla="*/ 1093509 w 1093509"/>
+                <a:gd name="connsiteY1" fmla="*/ 0 h 244102"/>
+                <a:gd name="connsiteX2" fmla="*/ 471340 w 1093509"/>
+                <a:gd name="connsiteY2" fmla="*/ 244102 h 244102"/>
+                <a:gd name="connsiteX3" fmla="*/ 0 w 1093509"/>
+                <a:gd name="connsiteY3" fmla="*/ 8430 h 244102"/>
+                <a:gd name="connsiteX0" fmla="*/ 0 w 782424"/>
+                <a:gd name="connsiteY0" fmla="*/ 1233915 h 1469587"/>
+                <a:gd name="connsiteX1" fmla="*/ 782424 w 782424"/>
+                <a:gd name="connsiteY1" fmla="*/ 0 h 1469587"/>
+                <a:gd name="connsiteX2" fmla="*/ 471340 w 782424"/>
+                <a:gd name="connsiteY2" fmla="*/ 1469587 h 1469587"/>
+                <a:gd name="connsiteX3" fmla="*/ 0 w 782424"/>
+                <a:gd name="connsiteY3" fmla="*/ 1233915 h 1469587"/>
+                <a:gd name="connsiteX0" fmla="*/ 0 w 631595"/>
+                <a:gd name="connsiteY0" fmla="*/ 291235 h 1469587"/>
+                <a:gd name="connsiteX1" fmla="*/ 631595 w 631595"/>
+                <a:gd name="connsiteY1" fmla="*/ 0 h 1469587"/>
+                <a:gd name="connsiteX2" fmla="*/ 320511 w 631595"/>
+                <a:gd name="connsiteY2" fmla="*/ 1469587 h 1469587"/>
+                <a:gd name="connsiteX3" fmla="*/ 0 w 631595"/>
+                <a:gd name="connsiteY3" fmla="*/ 291235 h 1469587"/>
+                <a:gd name="connsiteX0" fmla="*/ 0 w 923827"/>
+                <a:gd name="connsiteY0" fmla="*/ 291235 h 498626"/>
+                <a:gd name="connsiteX1" fmla="*/ 631595 w 923827"/>
+                <a:gd name="connsiteY1" fmla="*/ 0 h 498626"/>
+                <a:gd name="connsiteX2" fmla="*/ 923827 w 923827"/>
+                <a:gd name="connsiteY2" fmla="*/ 498626 h 498626"/>
+                <a:gd name="connsiteX3" fmla="*/ 0 w 923827"/>
+                <a:gd name="connsiteY3" fmla="*/ 291235 h 498626"/>
+                <a:gd name="connsiteX0" fmla="*/ 0 w 2375555"/>
+                <a:gd name="connsiteY0" fmla="*/ 0 h 1282047"/>
+                <a:gd name="connsiteX1" fmla="*/ 2083323 w 2375555"/>
+                <a:gd name="connsiteY1" fmla="*/ 783421 h 1282047"/>
+                <a:gd name="connsiteX2" fmla="*/ 2375555 w 2375555"/>
+                <a:gd name="connsiteY2" fmla="*/ 1282047 h 1282047"/>
+                <a:gd name="connsiteX3" fmla="*/ 0 w 2375555"/>
+                <a:gd name="connsiteY3" fmla="*/ 0 h 1282047"/>
+                <a:gd name="connsiteX0" fmla="*/ 0 w 2083323"/>
+                <a:gd name="connsiteY0" fmla="*/ 0 h 783421"/>
+                <a:gd name="connsiteX1" fmla="*/ 2083323 w 2083323"/>
+                <a:gd name="connsiteY1" fmla="*/ 783421 h 783421"/>
+                <a:gd name="connsiteX2" fmla="*/ 216817 w 2083323"/>
+                <a:gd name="connsiteY2" fmla="*/ 471341 h 783421"/>
+                <a:gd name="connsiteX3" fmla="*/ 0 w 2083323"/>
+                <a:gd name="connsiteY3" fmla="*/ 0 h 783421"/>
+                <a:gd name="connsiteX0" fmla="*/ 0 w 593888"/>
+                <a:gd name="connsiteY0" fmla="*/ 338369 h 809710"/>
+                <a:gd name="connsiteX1" fmla="*/ 593888 w 593888"/>
+                <a:gd name="connsiteY1" fmla="*/ 0 h 809710"/>
+                <a:gd name="connsiteX2" fmla="*/ 216817 w 593888"/>
+                <a:gd name="connsiteY2" fmla="*/ 809710 h 809710"/>
+                <a:gd name="connsiteX3" fmla="*/ 0 w 593888"/>
+                <a:gd name="connsiteY3" fmla="*/ 338369 h 809710"/>
+              </a:gdLst>
+              <a:ahLst/>
+              <a:cxnLst>
+                <a:cxn ang="0">
+                  <a:pos x="connsiteX0" y="connsiteY0"/>
+                </a:cxn>
+                <a:cxn ang="0">
+                  <a:pos x="connsiteX1" y="connsiteY1"/>
+                </a:cxn>
+                <a:cxn ang="0">
+                  <a:pos x="connsiteX2" y="connsiteY2"/>
+                </a:cxn>
+                <a:cxn ang="0">
+                  <a:pos x="connsiteX3" y="connsiteY3"/>
+                </a:cxn>
+              </a:cxnLst>
+              <a:rect l="l" t="t" r="r" b="b"/>
+              <a:pathLst>
+                <a:path w="593888" h="809710">
+                  <a:moveTo>
+                    <a:pt x="0" y="338369"/>
+                  </a:moveTo>
+                  <a:lnTo>
+                    <a:pt x="593888" y="0"/>
+                  </a:lnTo>
+                  <a:lnTo>
+                    <a:pt x="216817" y="809710"/>
+                  </a:lnTo>
+                  <a:lnTo>
+                    <a:pt x="0" y="338369"/>
+                  </a:lnTo>
+                  <a:close/>
+                </a:path>
+              </a:pathLst>
+            </a:custGeom>
+            <a:solidFill>
+              <a:schemeClr val="accent2">
+                <a:lumMod val="60000"/>
+                <a:lumOff val="40000"/>
+              </a:schemeClr>
+            </a:solidFill>
+            <a:ln>
+              <a:noFill/>
+            </a:ln>
+          </p:spPr>
+          <p:style>
+            <a:lnRef idx="2">
+              <a:schemeClr val="accent1">
+                <a:shade val="50000"/>
+              </a:schemeClr>
+            </a:lnRef>
+            <a:fillRef idx="1">
+              <a:schemeClr val="accent1"/>
+            </a:fillRef>
+            <a:effectRef idx="0">
+              <a:schemeClr val="accent1"/>
+            </a:effectRef>
+            <a:fontRef idx="minor">
+              <a:schemeClr val="lt1"/>
+            </a:fontRef>
+          </p:style>
+          <p:txBody>
+            <a:bodyPr rtlCol="0" anchor="ctr"/>
+            <a:lstStyle/>
+            <a:p>
+              <a:pPr algn="ctr"/>
+              <a:endParaRPr lang="zh-CN" altLang="en-US"/>
+            </a:p>
+          </p:txBody>
+        </p:sp>
+        <p:sp>
+          <p:nvSpPr>
+            <p:cNvPr id="23" name="椭圆 22">
+              <a:extLst>
+                <a:ext uri="{FF2B5EF4-FFF2-40B4-BE49-F238E27FC236}">
+                  <a16:creationId xmlns:a16="http://schemas.microsoft.com/office/drawing/2014/main" id="{36389D6C-AC65-4457-95EA-F6E29EEA294C}"/>
+                </a:ext>
+              </a:extLst>
+            </p:cNvPr>
+            <p:cNvSpPr/>
+            <p:nvPr/>
+          </p:nvSpPr>
+          <p:spPr>
+            <a:xfrm>
+              <a:off x="3370570" y="1078538"/>
+              <a:ext cx="3350490" cy="3350490"/>
+            </a:xfrm>
+            <a:prstGeom prst="ellipse">
+              <a:avLst/>
+            </a:prstGeom>
+            <a:noFill/>
+            <a:ln>
+              <a:solidFill>
+                <a:srgbClr val="00B050"/>
+              </a:solidFill>
+              <a:prstDash val="lgDash"/>
+            </a:ln>
+          </p:spPr>
+          <p:style>
+            <a:lnRef idx="2">
+              <a:schemeClr val="accent1">
+                <a:shade val="50000"/>
+              </a:schemeClr>
+            </a:lnRef>
+            <a:fillRef idx="1">
+              <a:schemeClr val="accent1"/>
+            </a:fillRef>
+            <a:effectRef idx="0">
+              <a:schemeClr val="accent1"/>
+            </a:effectRef>
+            <a:fontRef idx="minor">
+              <a:schemeClr val="lt1"/>
+            </a:fontRef>
+          </p:style>
+          <p:txBody>
+            <a:bodyPr rtlCol="0" anchor="ctr"/>
+            <a:lstStyle/>
+            <a:p>
+              <a:pPr algn="ctr"/>
+              <a:endParaRPr lang="zh-CN" altLang="en-US"/>
+            </a:p>
+          </p:txBody>
+        </p:sp>
+      </p:grpSp>
+    </p:spTree>
+    <p:extLst>
+      <p:ext uri="{BB962C8B-B14F-4D97-AF65-F5344CB8AC3E}">
+        <p14:creationId xmlns:p14="http://schemas.microsoft.com/office/powerpoint/2010/main" val="1139507542"/>
+      </p:ext>
+    </p:extLst>
+  </p:cSld>
+  <p:clrMapOvr>
+    <a:masterClrMapping/>
+  </p:clrMapOvr>
+</p:sld>
+</file>
+
 <file path=ppt/theme/theme1.xml><?xml version="1.0" encoding="utf-8"?>
 <a:theme xmlns:a="http://schemas.openxmlformats.org/drawingml/2006/main" name="Office 主题​​">
   <a:themeElements>
